--- a/Presentations/CDR_Fall_2015/Individual_Slides/Prashant/Final_Presentation.pptx
+++ b/Presentations/CDR_Fall_2015/Individual_Slides/Prashant/Final_Presentation.pptx
@@ -11,7 +11,10 @@
     <p:sldId id="259" r:id="rId5"/>
     <p:sldId id="260" r:id="rId6"/>
     <p:sldId id="261" r:id="rId7"/>
-    <p:sldId id="262" r:id="rId8"/>
+    <p:sldId id="264" r:id="rId8"/>
+    <p:sldId id="263" r:id="rId9"/>
+    <p:sldId id="267" r:id="rId10"/>
+    <p:sldId id="262" r:id="rId11"/>
   </p:sldIdLst>
   <p:sldSz cx="9144000" cy="6858000" type="screen4x3"/>
   <p:notesSz cx="6858000" cy="9144000"/>
@@ -310,7 +313,7 @@
           <a:p>
             <a:fld id="{A8193F1D-56DB-E44D-9849-55B52730CCEA}" type="datetimeFigureOut">
               <a:rPr lang="en-US" smtClean="0"/>
-              <a:t>06-Dec-15</a:t>
+              <a:t>07-Dec-15</a:t>
             </a:fld>
             <a:endParaRPr lang="en-US"/>
           </a:p>
@@ -480,7 +483,7 @@
           <a:p>
             <a:fld id="{A8193F1D-56DB-E44D-9849-55B52730CCEA}" type="datetimeFigureOut">
               <a:rPr lang="en-US" smtClean="0"/>
-              <a:t>06-Dec-15</a:t>
+              <a:t>07-Dec-15</a:t>
             </a:fld>
             <a:endParaRPr lang="en-US"/>
           </a:p>
@@ -660,7 +663,7 @@
           <a:p>
             <a:fld id="{A8193F1D-56DB-E44D-9849-55B52730CCEA}" type="datetimeFigureOut">
               <a:rPr lang="en-US" smtClean="0"/>
-              <a:t>06-Dec-15</a:t>
+              <a:t>07-Dec-15</a:t>
             </a:fld>
             <a:endParaRPr lang="en-US"/>
           </a:p>
@@ -830,7 +833,7 @@
           <a:p>
             <a:fld id="{A8193F1D-56DB-E44D-9849-55B52730CCEA}" type="datetimeFigureOut">
               <a:rPr lang="en-US" smtClean="0"/>
-              <a:t>06-Dec-15</a:t>
+              <a:t>07-Dec-15</a:t>
             </a:fld>
             <a:endParaRPr lang="en-US"/>
           </a:p>
@@ -1076,7 +1079,7 @@
           <a:p>
             <a:fld id="{A8193F1D-56DB-E44D-9849-55B52730CCEA}" type="datetimeFigureOut">
               <a:rPr lang="en-US" smtClean="0"/>
-              <a:t>06-Dec-15</a:t>
+              <a:t>07-Dec-15</a:t>
             </a:fld>
             <a:endParaRPr lang="en-US"/>
           </a:p>
@@ -1364,7 +1367,7 @@
           <a:p>
             <a:fld id="{A8193F1D-56DB-E44D-9849-55B52730CCEA}" type="datetimeFigureOut">
               <a:rPr lang="en-US" smtClean="0"/>
-              <a:t>06-Dec-15</a:t>
+              <a:t>07-Dec-15</a:t>
             </a:fld>
             <a:endParaRPr lang="en-US"/>
           </a:p>
@@ -1786,7 +1789,7 @@
           <a:p>
             <a:fld id="{A8193F1D-56DB-E44D-9849-55B52730CCEA}" type="datetimeFigureOut">
               <a:rPr lang="en-US" smtClean="0"/>
-              <a:t>06-Dec-15</a:t>
+              <a:t>07-Dec-15</a:t>
             </a:fld>
             <a:endParaRPr lang="en-US"/>
           </a:p>
@@ -1904,7 +1907,7 @@
           <a:p>
             <a:fld id="{A8193F1D-56DB-E44D-9849-55B52730CCEA}" type="datetimeFigureOut">
               <a:rPr lang="en-US" smtClean="0"/>
-              <a:t>06-Dec-15</a:t>
+              <a:t>07-Dec-15</a:t>
             </a:fld>
             <a:endParaRPr lang="en-US"/>
           </a:p>
@@ -1999,7 +2002,7 @@
           <a:p>
             <a:fld id="{A8193F1D-56DB-E44D-9849-55B52730CCEA}" type="datetimeFigureOut">
               <a:rPr lang="en-US" smtClean="0"/>
-              <a:t>06-Dec-15</a:t>
+              <a:t>07-Dec-15</a:t>
             </a:fld>
             <a:endParaRPr lang="en-US"/>
           </a:p>
@@ -2276,7 +2279,7 @@
           <a:p>
             <a:fld id="{A8193F1D-56DB-E44D-9849-55B52730CCEA}" type="datetimeFigureOut">
               <a:rPr lang="en-US" smtClean="0"/>
-              <a:t>06-Dec-15</a:t>
+              <a:t>07-Dec-15</a:t>
             </a:fld>
             <a:endParaRPr lang="en-US"/>
           </a:p>
@@ -2529,7 +2532,7 @@
           <a:p>
             <a:fld id="{A8193F1D-56DB-E44D-9849-55B52730CCEA}" type="datetimeFigureOut">
               <a:rPr lang="en-US" smtClean="0"/>
-              <a:t>06-Dec-15</a:t>
+              <a:t>07-Dec-15</a:t>
             </a:fld>
             <a:endParaRPr lang="en-US"/>
           </a:p>
@@ -2742,7 +2745,7 @@
           <a:p>
             <a:fld id="{A8193F1D-56DB-E44D-9849-55B52730CCEA}" type="datetimeFigureOut">
               <a:rPr lang="en-US" smtClean="0"/>
-              <a:t>06-Dec-15</a:t>
+              <a:t>07-Dec-15</a:t>
             </a:fld>
             <a:endParaRPr lang="en-US"/>
           </a:p>
@@ -3439,6 +3442,584 @@
 </p:sld>
 </file>
 
+<file path=ppt/slides/slide10.xml><?xml version="1.0" encoding="utf-8"?>
+<p:sld xmlns:a="http://schemas.openxmlformats.org/drawingml/2006/main" xmlns:r="http://schemas.openxmlformats.org/officeDocument/2006/relationships" xmlns:p="http://schemas.openxmlformats.org/presentationml/2006/main">
+  <p:cSld>
+    <p:spTree>
+      <p:nvGrpSpPr>
+        <p:cNvPr id="1" name=""/>
+        <p:cNvGrpSpPr/>
+        <p:nvPr/>
+      </p:nvGrpSpPr>
+      <p:grpSpPr>
+        <a:xfrm>
+          <a:off x="0" y="0"/>
+          <a:ext cx="0" cy="0"/>
+          <a:chOff x="0" y="0"/>
+          <a:chExt cx="0" cy="0"/>
+        </a:xfrm>
+      </p:grpSpPr>
+      <p:sp>
+        <p:nvSpPr>
+          <p:cNvPr id="2" name="Title 1"/>
+          <p:cNvSpPr>
+            <a:spLocks noGrp="1"/>
+          </p:cNvSpPr>
+          <p:nvPr>
+            <p:ph type="title"/>
+          </p:nvPr>
+        </p:nvSpPr>
+        <p:spPr>
+          <a:xfrm>
+            <a:off x="457200" y="651726"/>
+            <a:ext cx="8229600" cy="1143000"/>
+          </a:xfrm>
+        </p:spPr>
+        <p:txBody>
+          <a:bodyPr>
+            <a:normAutofit/>
+          </a:bodyPr>
+          <a:lstStyle/>
+          <a:p>
+            <a:r>
+              <a:rPr lang="en-US" sz="3600" dirty="0" smtClean="0">
+                <a:latin typeface="Times New Roman" panose="02020603050405020304" pitchFamily="18" charset="0"/>
+                <a:cs typeface="Times New Roman" panose="02020603050405020304" pitchFamily="18" charset="0"/>
+              </a:rPr>
+              <a:t>Path Forward</a:t>
+            </a:r>
+            <a:endParaRPr lang="en-US" sz="3600" dirty="0">
+              <a:latin typeface="Times New Roman" panose="02020603050405020304" pitchFamily="18" charset="0"/>
+              <a:cs typeface="Times New Roman" panose="02020603050405020304" pitchFamily="18" charset="0"/>
+            </a:endParaRPr>
+          </a:p>
+        </p:txBody>
+      </p:sp>
+      <p:sp>
+        <p:nvSpPr>
+          <p:cNvPr id="3" name="Content Placeholder 2"/>
+          <p:cNvSpPr>
+            <a:spLocks noGrp="1"/>
+          </p:cNvSpPr>
+          <p:nvPr>
+            <p:ph idx="1"/>
+          </p:nvPr>
+        </p:nvSpPr>
+        <p:spPr>
+          <a:xfrm>
+            <a:off x="457200" y="1600200"/>
+            <a:ext cx="8229600" cy="4525963"/>
+          </a:xfrm>
+        </p:spPr>
+        <p:txBody>
+          <a:bodyPr>
+            <a:normAutofit/>
+          </a:bodyPr>
+          <a:lstStyle/>
+          <a:p>
+            <a:r>
+              <a:rPr lang="en-US" sz="2400" dirty="0" smtClean="0">
+                <a:latin typeface="Times New Roman" panose="02020603050405020304" pitchFamily="18" charset="0"/>
+                <a:cs typeface="Times New Roman" panose="02020603050405020304" pitchFamily="18" charset="0"/>
+              </a:rPr>
+              <a:t>Understanding the working of the current </a:t>
+            </a:r>
+            <a:r>
+              <a:rPr lang="en-US" sz="2400" dirty="0" err="1" smtClean="0">
+                <a:latin typeface="Times New Roman" panose="02020603050405020304" pitchFamily="18" charset="0"/>
+                <a:cs typeface="Times New Roman" panose="02020603050405020304" pitchFamily="18" charset="0"/>
+              </a:rPr>
+              <a:t>TurtleBot</a:t>
+            </a:r>
+            <a:r>
+              <a:rPr lang="en-US" sz="2400" dirty="0" smtClean="0">
+                <a:latin typeface="Times New Roman" panose="02020603050405020304" pitchFamily="18" charset="0"/>
+                <a:cs typeface="Times New Roman" panose="02020603050405020304" pitchFamily="18" charset="0"/>
+              </a:rPr>
+              <a:t> setup </a:t>
+            </a:r>
+          </a:p>
+          <a:p>
+            <a:r>
+              <a:rPr lang="en-US" sz="2400" dirty="0" smtClean="0">
+                <a:latin typeface="Times New Roman" panose="02020603050405020304" pitchFamily="18" charset="0"/>
+                <a:cs typeface="Times New Roman" panose="02020603050405020304" pitchFamily="18" charset="0"/>
+              </a:rPr>
+              <a:t>Implement </a:t>
+            </a:r>
+            <a:r>
+              <a:rPr lang="en-US" sz="2400" dirty="0" err="1" smtClean="0">
+                <a:latin typeface="Times New Roman" panose="02020603050405020304" pitchFamily="18" charset="0"/>
+                <a:cs typeface="Times New Roman" panose="02020603050405020304" pitchFamily="18" charset="0"/>
+              </a:rPr>
+              <a:t>Hector_Slam</a:t>
+            </a:r>
+            <a:r>
+              <a:rPr lang="en-US" sz="2400" dirty="0" smtClean="0">
+                <a:latin typeface="Times New Roman" panose="02020603050405020304" pitchFamily="18" charset="0"/>
+                <a:cs typeface="Times New Roman" panose="02020603050405020304" pitchFamily="18" charset="0"/>
+              </a:rPr>
+              <a:t> on the </a:t>
+            </a:r>
+            <a:r>
+              <a:rPr lang="en-US" sz="2400" dirty="0" err="1" smtClean="0">
+                <a:latin typeface="Times New Roman" panose="02020603050405020304" pitchFamily="18" charset="0"/>
+                <a:cs typeface="Times New Roman" panose="02020603050405020304" pitchFamily="18" charset="0"/>
+              </a:rPr>
+              <a:t>TurtleBots</a:t>
+            </a:r>
+            <a:endParaRPr lang="en-US" sz="2400" dirty="0" smtClean="0">
+              <a:latin typeface="Times New Roman" panose="02020603050405020304" pitchFamily="18" charset="0"/>
+              <a:cs typeface="Times New Roman" panose="02020603050405020304" pitchFamily="18" charset="0"/>
+            </a:endParaRPr>
+          </a:p>
+          <a:p>
+            <a:r>
+              <a:rPr lang="en-US" sz="2400" dirty="0" smtClean="0">
+                <a:latin typeface="Times New Roman" panose="02020603050405020304" pitchFamily="18" charset="0"/>
+                <a:cs typeface="Times New Roman" panose="02020603050405020304" pitchFamily="18" charset="0"/>
+              </a:rPr>
+              <a:t>Fabricate additional hardware to accommodate hardware additions</a:t>
+            </a:r>
+          </a:p>
+          <a:p>
+            <a:r>
+              <a:rPr lang="en-US" sz="2400" dirty="0" smtClean="0">
+                <a:latin typeface="Times New Roman" panose="02020603050405020304" pitchFamily="18" charset="0"/>
+                <a:cs typeface="Times New Roman" panose="02020603050405020304" pitchFamily="18" charset="0"/>
+              </a:rPr>
+              <a:t>Implement path planning algorithms </a:t>
+            </a:r>
+          </a:p>
+          <a:p>
+            <a:r>
+              <a:rPr lang="en-US" sz="2400" dirty="0" smtClean="0">
+                <a:latin typeface="Times New Roman" panose="02020603050405020304" pitchFamily="18" charset="0"/>
+                <a:cs typeface="Times New Roman" panose="02020603050405020304" pitchFamily="18" charset="0"/>
+              </a:rPr>
+              <a:t>Integrate with aerial robot</a:t>
+            </a:r>
+            <a:endParaRPr lang="en-US" sz="2400" dirty="0">
+              <a:latin typeface="Times New Roman" panose="02020603050405020304" pitchFamily="18" charset="0"/>
+              <a:cs typeface="Times New Roman" panose="02020603050405020304" pitchFamily="18" charset="0"/>
+            </a:endParaRPr>
+          </a:p>
+        </p:txBody>
+      </p:sp>
+      <p:sp>
+        <p:nvSpPr>
+          <p:cNvPr id="4" name="Content Placeholder 2"/>
+          <p:cNvSpPr txBox="1">
+            <a:spLocks/>
+          </p:cNvSpPr>
+          <p:nvPr/>
+        </p:nvSpPr>
+        <p:spPr>
+          <a:xfrm>
+            <a:off x="296782" y="1598596"/>
+            <a:ext cx="4355432" cy="4525963"/>
+          </a:xfrm>
+          <a:prstGeom prst="rect">
+            <a:avLst/>
+          </a:prstGeom>
+        </p:spPr>
+        <p:txBody>
+          <a:bodyPr vert="horz" lIns="91440" tIns="45720" rIns="91440" bIns="45720" rtlCol="0">
+            <a:normAutofit/>
+          </a:bodyPr>
+          <a:lstStyle>
+            <a:lvl1pPr marL="342900" indent="-342900" algn="l" defTabSz="457200" rtl="0" eaLnBrk="1" latinLnBrk="0" hangingPunct="1">
+              <a:spcBef>
+                <a:spcPct val="20000"/>
+              </a:spcBef>
+              <a:buFont typeface="Arial"/>
+              <a:buChar char="•"/>
+              <a:defRPr sz="3200" kern="1200">
+                <a:solidFill>
+                  <a:schemeClr val="tx1"/>
+                </a:solidFill>
+                <a:latin typeface="+mn-lt"/>
+                <a:ea typeface="+mn-ea"/>
+                <a:cs typeface="+mn-cs"/>
+              </a:defRPr>
+            </a:lvl1pPr>
+            <a:lvl2pPr marL="742950" indent="-285750" algn="l" defTabSz="457200" rtl="0" eaLnBrk="1" latinLnBrk="0" hangingPunct="1">
+              <a:spcBef>
+                <a:spcPct val="20000"/>
+              </a:spcBef>
+              <a:buFont typeface="Arial"/>
+              <a:buChar char="–"/>
+              <a:defRPr sz="2800" kern="1200">
+                <a:solidFill>
+                  <a:schemeClr val="tx1"/>
+                </a:solidFill>
+                <a:latin typeface="+mn-lt"/>
+                <a:ea typeface="+mn-ea"/>
+                <a:cs typeface="+mn-cs"/>
+              </a:defRPr>
+            </a:lvl2pPr>
+            <a:lvl3pPr marL="1143000" indent="-228600" algn="l" defTabSz="457200" rtl="0" eaLnBrk="1" latinLnBrk="0" hangingPunct="1">
+              <a:spcBef>
+                <a:spcPct val="20000"/>
+              </a:spcBef>
+              <a:buFont typeface="Arial"/>
+              <a:buChar char="•"/>
+              <a:defRPr sz="2400" kern="1200">
+                <a:solidFill>
+                  <a:schemeClr val="tx1"/>
+                </a:solidFill>
+                <a:latin typeface="+mn-lt"/>
+                <a:ea typeface="+mn-ea"/>
+                <a:cs typeface="+mn-cs"/>
+              </a:defRPr>
+            </a:lvl3pPr>
+            <a:lvl4pPr marL="1600200" indent="-228600" algn="l" defTabSz="457200" rtl="0" eaLnBrk="1" latinLnBrk="0" hangingPunct="1">
+              <a:spcBef>
+                <a:spcPct val="20000"/>
+              </a:spcBef>
+              <a:buFont typeface="Arial"/>
+              <a:buChar char="–"/>
+              <a:defRPr sz="2000" kern="1200">
+                <a:solidFill>
+                  <a:schemeClr val="tx1"/>
+                </a:solidFill>
+                <a:latin typeface="+mn-lt"/>
+                <a:ea typeface="+mn-ea"/>
+                <a:cs typeface="+mn-cs"/>
+              </a:defRPr>
+            </a:lvl4pPr>
+            <a:lvl5pPr marL="2057400" indent="-228600" algn="l" defTabSz="457200" rtl="0" eaLnBrk="1" latinLnBrk="0" hangingPunct="1">
+              <a:spcBef>
+                <a:spcPct val="20000"/>
+              </a:spcBef>
+              <a:buFont typeface="Arial"/>
+              <a:buChar char="»"/>
+              <a:defRPr sz="2000" kern="1200">
+                <a:solidFill>
+                  <a:schemeClr val="tx1"/>
+                </a:solidFill>
+                <a:latin typeface="+mn-lt"/>
+                <a:ea typeface="+mn-ea"/>
+                <a:cs typeface="+mn-cs"/>
+              </a:defRPr>
+            </a:lvl5pPr>
+            <a:lvl6pPr marL="2514600" indent="-228600" algn="l" defTabSz="457200" rtl="0" eaLnBrk="1" latinLnBrk="0" hangingPunct="1">
+              <a:spcBef>
+                <a:spcPct val="20000"/>
+              </a:spcBef>
+              <a:buFont typeface="Arial"/>
+              <a:buChar char="•"/>
+              <a:defRPr sz="2000" kern="1200">
+                <a:solidFill>
+                  <a:schemeClr val="tx1"/>
+                </a:solidFill>
+                <a:latin typeface="+mn-lt"/>
+                <a:ea typeface="+mn-ea"/>
+                <a:cs typeface="+mn-cs"/>
+              </a:defRPr>
+            </a:lvl6pPr>
+            <a:lvl7pPr marL="2971800" indent="-228600" algn="l" defTabSz="457200" rtl="0" eaLnBrk="1" latinLnBrk="0" hangingPunct="1">
+              <a:spcBef>
+                <a:spcPct val="20000"/>
+              </a:spcBef>
+              <a:buFont typeface="Arial"/>
+              <a:buChar char="•"/>
+              <a:defRPr sz="2000" kern="1200">
+                <a:solidFill>
+                  <a:schemeClr val="tx1"/>
+                </a:solidFill>
+                <a:latin typeface="+mn-lt"/>
+                <a:ea typeface="+mn-ea"/>
+                <a:cs typeface="+mn-cs"/>
+              </a:defRPr>
+            </a:lvl7pPr>
+            <a:lvl8pPr marL="3429000" indent="-228600" algn="l" defTabSz="457200" rtl="0" eaLnBrk="1" latinLnBrk="0" hangingPunct="1">
+              <a:spcBef>
+                <a:spcPct val="20000"/>
+              </a:spcBef>
+              <a:buFont typeface="Arial"/>
+              <a:buChar char="•"/>
+              <a:defRPr sz="2000" kern="1200">
+                <a:solidFill>
+                  <a:schemeClr val="tx1"/>
+                </a:solidFill>
+                <a:latin typeface="+mn-lt"/>
+                <a:ea typeface="+mn-ea"/>
+                <a:cs typeface="+mn-cs"/>
+              </a:defRPr>
+            </a:lvl8pPr>
+            <a:lvl9pPr marL="3886200" indent="-228600" algn="l" defTabSz="457200" rtl="0" eaLnBrk="1" latinLnBrk="0" hangingPunct="1">
+              <a:spcBef>
+                <a:spcPct val="20000"/>
+              </a:spcBef>
+              <a:buFont typeface="Arial"/>
+              <a:buChar char="•"/>
+              <a:defRPr sz="2000" kern="1200">
+                <a:solidFill>
+                  <a:schemeClr val="tx1"/>
+                </a:solidFill>
+                <a:latin typeface="+mn-lt"/>
+                <a:ea typeface="+mn-ea"/>
+                <a:cs typeface="+mn-cs"/>
+              </a:defRPr>
+            </a:lvl9pPr>
+          </a:lstStyle>
+          <a:p>
+            <a:endParaRPr lang="en-US" dirty="0">
+              <a:latin typeface="Times New Roman" panose="02020603050405020304" pitchFamily="18" charset="0"/>
+              <a:cs typeface="Times New Roman" panose="02020603050405020304" pitchFamily="18" charset="0"/>
+            </a:endParaRPr>
+          </a:p>
+        </p:txBody>
+      </p:sp>
+      <p:grpSp>
+        <p:nvGrpSpPr>
+          <p:cNvPr id="5" name="Group 4"/>
+          <p:cNvGrpSpPr/>
+          <p:nvPr/>
+        </p:nvGrpSpPr>
+        <p:grpSpPr>
+          <a:xfrm>
+            <a:off x="0" y="1"/>
+            <a:ext cx="9144000" cy="844012"/>
+            <a:chOff x="0" y="1"/>
+            <a:chExt cx="9144000" cy="844012"/>
+          </a:xfrm>
+        </p:grpSpPr>
+        <p:cxnSp>
+          <p:nvCxnSpPr>
+            <p:cNvPr id="6" name="Straight Connector 5"/>
+            <p:cNvCxnSpPr/>
+            <p:nvPr/>
+          </p:nvCxnSpPr>
+          <p:spPr>
+            <a:xfrm>
+              <a:off x="0" y="844013"/>
+              <a:ext cx="9144000" cy="0"/>
+            </a:xfrm>
+            <a:prstGeom prst="line">
+              <a:avLst/>
+            </a:prstGeom>
+            <a:ln>
+              <a:solidFill>
+                <a:schemeClr val="tx1"/>
+              </a:solidFill>
+            </a:ln>
+            <a:effectLst/>
+          </p:spPr>
+          <p:style>
+            <a:lnRef idx="2">
+              <a:schemeClr val="accent1"/>
+            </a:lnRef>
+            <a:fillRef idx="0">
+              <a:schemeClr val="accent1"/>
+            </a:fillRef>
+            <a:effectRef idx="1">
+              <a:schemeClr val="accent1"/>
+            </a:effectRef>
+            <a:fontRef idx="minor">
+              <a:schemeClr val="tx1"/>
+            </a:fontRef>
+          </p:style>
+        </p:cxnSp>
+        <p:pic>
+          <p:nvPicPr>
+            <p:cNvPr id="7" name="Picture 6" descr="Screen Shot 2015-10-11 at 11.16.20 AM.png"/>
+            <p:cNvPicPr>
+              <a:picLocks noChangeAspect="1"/>
+            </p:cNvPicPr>
+            <p:nvPr/>
+          </p:nvPicPr>
+          <p:blipFill>
+            <a:blip r:embed="rId2">
+              <a:extLst>
+                <a:ext uri="{28A0092B-C50C-407E-A947-70E740481C1C}">
+                  <a14:useLocalDpi xmlns:a14="http://schemas.microsoft.com/office/drawing/2010/main" val="0"/>
+                </a:ext>
+              </a:extLst>
+            </a:blip>
+            <a:stretch>
+              <a:fillRect/>
+            </a:stretch>
+          </p:blipFill>
+          <p:spPr>
+            <a:xfrm>
+              <a:off x="0" y="1"/>
+              <a:ext cx="1151748" cy="844012"/>
+            </a:xfrm>
+            <a:prstGeom prst="rect">
+              <a:avLst/>
+            </a:prstGeom>
+          </p:spPr>
+        </p:pic>
+        <p:sp>
+          <p:nvSpPr>
+            <p:cNvPr id="8" name="Rectangle 7"/>
+            <p:cNvSpPr/>
+            <p:nvPr/>
+          </p:nvSpPr>
+          <p:spPr>
+            <a:xfrm>
+              <a:off x="1151748" y="2283"/>
+              <a:ext cx="7992252" cy="832104"/>
+            </a:xfrm>
+            <a:prstGeom prst="rect">
+              <a:avLst/>
+            </a:prstGeom>
+            <a:solidFill>
+              <a:schemeClr val="tx1"/>
+            </a:solidFill>
+            <a:ln>
+              <a:solidFill>
+                <a:schemeClr val="tx1"/>
+              </a:solidFill>
+            </a:ln>
+            <a:effectLst/>
+          </p:spPr>
+          <p:style>
+            <a:lnRef idx="1">
+              <a:schemeClr val="accent1"/>
+            </a:lnRef>
+            <a:fillRef idx="3">
+              <a:schemeClr val="accent1"/>
+            </a:fillRef>
+            <a:effectRef idx="2">
+              <a:schemeClr val="accent1"/>
+            </a:effectRef>
+            <a:fontRef idx="minor">
+              <a:schemeClr val="lt1"/>
+            </a:fontRef>
+          </p:style>
+          <p:txBody>
+            <a:bodyPr rtlCol="0" anchor="ctr"/>
+            <a:lstStyle/>
+            <a:p>
+              <a:pPr algn="ctr"/>
+              <a:endParaRPr lang="en-US">
+                <a:latin typeface="Times New Roman" panose="02020603050405020304" pitchFamily="18" charset="0"/>
+                <a:cs typeface="Times New Roman" panose="02020603050405020304" pitchFamily="18" charset="0"/>
+              </a:endParaRPr>
+            </a:p>
+          </p:txBody>
+        </p:sp>
+        <p:pic>
+          <p:nvPicPr>
+            <p:cNvPr id="9" name="Picture 8"/>
+            <p:cNvPicPr>
+              <a:picLocks noChangeAspect="1"/>
+            </p:cNvPicPr>
+            <p:nvPr/>
+          </p:nvPicPr>
+          <p:blipFill>
+            <a:blip r:embed="rId3"/>
+            <a:stretch>
+              <a:fillRect/>
+            </a:stretch>
+          </p:blipFill>
+          <p:spPr>
+            <a:xfrm>
+              <a:off x="8311013" y="2283"/>
+              <a:ext cx="832987" cy="832987"/>
+            </a:xfrm>
+            <a:prstGeom prst="rect">
+              <a:avLst/>
+            </a:prstGeom>
+          </p:spPr>
+        </p:pic>
+        <p:sp>
+          <p:nvSpPr>
+            <p:cNvPr id="10" name="TextBox 9"/>
+            <p:cNvSpPr txBox="1"/>
+            <p:nvPr/>
+          </p:nvSpPr>
+          <p:spPr>
+            <a:xfrm>
+              <a:off x="1202040" y="188621"/>
+              <a:ext cx="6983237" cy="461665"/>
+            </a:xfrm>
+            <a:prstGeom prst="rect">
+              <a:avLst/>
+            </a:prstGeom>
+            <a:noFill/>
+          </p:spPr>
+          <p:txBody>
+            <a:bodyPr wrap="square" rtlCol="0">
+              <a:spAutoFit/>
+            </a:bodyPr>
+            <a:lstStyle/>
+            <a:p>
+              <a:pPr algn="ctr"/>
+              <a:r>
+                <a:rPr lang="en-US" sz="2400" dirty="0" err="1" smtClean="0">
+                  <a:solidFill>
+                    <a:srgbClr val="FFFFFF"/>
+                  </a:solidFill>
+                  <a:latin typeface="Times New Roman" panose="02020603050405020304" pitchFamily="18" charset="0"/>
+                  <a:cs typeface="Times New Roman" panose="02020603050405020304" pitchFamily="18" charset="0"/>
+                </a:rPr>
+                <a:t>FlyNet</a:t>
+              </a:r>
+              <a:r>
+                <a:rPr lang="en-US" sz="2400" dirty="0" smtClean="0">
+                  <a:solidFill>
+                    <a:srgbClr val="FFFFFF"/>
+                  </a:solidFill>
+                  <a:latin typeface="Times New Roman" panose="02020603050405020304" pitchFamily="18" charset="0"/>
+                  <a:cs typeface="Times New Roman" panose="02020603050405020304" pitchFamily="18" charset="0"/>
+                </a:rPr>
+                <a:t>: Autonomous </a:t>
+              </a:r>
+              <a:r>
+                <a:rPr lang="en-US" sz="2400" dirty="0" err="1" smtClean="0">
+                  <a:solidFill>
+                    <a:srgbClr val="FFFFFF"/>
+                  </a:solidFill>
+                  <a:latin typeface="Times New Roman" panose="02020603050405020304" pitchFamily="18" charset="0"/>
+                  <a:cs typeface="Times New Roman" panose="02020603050405020304" pitchFamily="18" charset="0"/>
+                </a:rPr>
+                <a:t>Quadcopter</a:t>
+              </a:r>
+              <a:r>
+                <a:rPr lang="en-US" sz="2400" dirty="0" smtClean="0">
+                  <a:solidFill>
+                    <a:srgbClr val="FFFFFF"/>
+                  </a:solidFill>
+                  <a:latin typeface="Times New Roman" panose="02020603050405020304" pitchFamily="18" charset="0"/>
+                  <a:cs typeface="Times New Roman" panose="02020603050405020304" pitchFamily="18" charset="0"/>
+                </a:rPr>
+                <a:t> Search and Rescue</a:t>
+              </a:r>
+              <a:endParaRPr lang="en-US" sz="2400" dirty="0">
+                <a:solidFill>
+                  <a:srgbClr val="FFFFFF"/>
+                </a:solidFill>
+                <a:latin typeface="Times New Roman" panose="02020603050405020304" pitchFamily="18" charset="0"/>
+                <a:cs typeface="Times New Roman" panose="02020603050405020304" pitchFamily="18" charset="0"/>
+              </a:endParaRPr>
+            </a:p>
+          </p:txBody>
+        </p:sp>
+      </p:grpSp>
+    </p:spTree>
+    <p:extLst>
+      <p:ext uri="{BB962C8B-B14F-4D97-AF65-F5344CB8AC3E}">
+        <p14:creationId xmlns:p14="http://schemas.microsoft.com/office/powerpoint/2010/main" val="888064729"/>
+      </p:ext>
+    </p:extLst>
+  </p:cSld>
+  <p:clrMapOvr>
+    <a:masterClrMapping/>
+  </p:clrMapOvr>
+  <p:timing>
+    <p:tnLst>
+      <p:par>
+        <p:cTn id="1" dur="indefinite" restart="never" nodeType="tmRoot"/>
+      </p:par>
+    </p:tnLst>
+  </p:timing>
+</p:sld>
+</file>
+
 <file path=ppt/slides/slide2.xml><?xml version="1.0" encoding="utf-8"?>
 <p:sld xmlns:a="http://schemas.openxmlformats.org/drawingml/2006/main" xmlns:r="http://schemas.openxmlformats.org/officeDocument/2006/relationships" xmlns:p="http://schemas.openxmlformats.org/presentationml/2006/main">
   <p:cSld>
@@ -5595,43 +6176,22 @@
                 <a:latin typeface="Times New Roman" panose="02020603050405020304" pitchFamily="18" charset="0"/>
                 <a:cs typeface="Times New Roman" panose="02020603050405020304" pitchFamily="18" charset="0"/>
               </a:rPr>
-              <a:t> </a:t>
-            </a:r>
+              <a:t> with:</a:t>
+            </a:r>
+          </a:p>
+          <a:p>
+            <a:pPr lvl="1"/>
             <a:r>
               <a:rPr lang="en-US" sz="2400" dirty="0" smtClean="0">
                 <a:latin typeface="Times New Roman" panose="02020603050405020304" pitchFamily="18" charset="0"/>
                 <a:cs typeface="Times New Roman" panose="02020603050405020304" pitchFamily="18" charset="0"/>
               </a:rPr>
-              <a:t>with:</a:t>
-            </a:r>
-            <a:endParaRPr lang="en-US" sz="2400" dirty="0" smtClean="0">
+              <a:t>iRobot Create </a:t>
+            </a:r>
+            <a:endParaRPr lang="en-US" sz="2400" dirty="0">
               <a:latin typeface="Times New Roman" panose="02020603050405020304" pitchFamily="18" charset="0"/>
               <a:cs typeface="Times New Roman" panose="02020603050405020304" pitchFamily="18" charset="0"/>
             </a:endParaRPr>
-          </a:p>
-          <a:p>
-            <a:pPr lvl="1"/>
-            <a:r>
-              <a:rPr lang="en-US" sz="2400" dirty="0" err="1" smtClean="0">
-                <a:latin typeface="Times New Roman" panose="02020603050405020304" pitchFamily="18" charset="0"/>
-                <a:cs typeface="Times New Roman" panose="02020603050405020304" pitchFamily="18" charset="0"/>
-              </a:rPr>
-              <a:t>Kobuki</a:t>
-            </a:r>
-            <a:r>
-              <a:rPr lang="en-US" sz="2400" dirty="0" smtClean="0">
-                <a:latin typeface="Times New Roman" panose="02020603050405020304" pitchFamily="18" charset="0"/>
-                <a:cs typeface="Times New Roman" panose="02020603050405020304" pitchFamily="18" charset="0"/>
-              </a:rPr>
-              <a:t> </a:t>
-            </a:r>
-            <a:r>
-              <a:rPr lang="en-US" sz="2400" dirty="0">
-                <a:latin typeface="Times New Roman" panose="02020603050405020304" pitchFamily="18" charset="0"/>
-                <a:cs typeface="Times New Roman" panose="02020603050405020304" pitchFamily="18" charset="0"/>
-              </a:rPr>
-              <a:t>Base</a:t>
-            </a:r>
           </a:p>
           <a:p>
             <a:pPr lvl="1"/>
@@ -6150,322 +6710,9 @@
           <a:chExt cx="0" cy="0"/>
         </a:xfrm>
       </p:grpSpPr>
-      <p:sp>
-        <p:nvSpPr>
-          <p:cNvPr id="2" name="Title 1"/>
-          <p:cNvSpPr>
-            <a:spLocks noGrp="1"/>
-          </p:cNvSpPr>
-          <p:nvPr>
-            <p:ph type="title"/>
-          </p:nvPr>
-        </p:nvSpPr>
-        <p:spPr>
-          <a:xfrm>
-            <a:off x="457200" y="651726"/>
-            <a:ext cx="8229600" cy="1143000"/>
-          </a:xfrm>
-        </p:spPr>
-        <p:txBody>
-          <a:bodyPr>
-            <a:normAutofit/>
-          </a:bodyPr>
-          <a:lstStyle/>
-          <a:p>
-            <a:r>
-              <a:rPr lang="en-US" sz="3600" dirty="0" smtClean="0">
-                <a:latin typeface="Times New Roman" panose="02020603050405020304" pitchFamily="18" charset="0"/>
-                <a:cs typeface="Times New Roman" panose="02020603050405020304" pitchFamily="18" charset="0"/>
-              </a:rPr>
-              <a:t>Path Forward</a:t>
-            </a:r>
-            <a:endParaRPr lang="en-US" sz="3600" dirty="0">
-              <a:latin typeface="Times New Roman" panose="02020603050405020304" pitchFamily="18" charset="0"/>
-              <a:cs typeface="Times New Roman" panose="02020603050405020304" pitchFamily="18" charset="0"/>
-            </a:endParaRPr>
-          </a:p>
-        </p:txBody>
-      </p:sp>
-      <p:sp>
-        <p:nvSpPr>
-          <p:cNvPr id="3" name="Content Placeholder 2"/>
-          <p:cNvSpPr>
-            <a:spLocks noGrp="1"/>
-          </p:cNvSpPr>
-          <p:nvPr>
-            <p:ph idx="1"/>
-          </p:nvPr>
-        </p:nvSpPr>
-        <p:spPr>
-          <a:xfrm>
-            <a:off x="457200" y="1600200"/>
-            <a:ext cx="8229600" cy="4525963"/>
-          </a:xfrm>
-        </p:spPr>
-        <p:txBody>
-          <a:bodyPr>
-            <a:normAutofit/>
-          </a:bodyPr>
-          <a:lstStyle/>
-          <a:p>
-            <a:r>
-              <a:rPr lang="en-US" sz="2400" dirty="0" smtClean="0">
-                <a:latin typeface="Times New Roman" panose="02020603050405020304" pitchFamily="18" charset="0"/>
-                <a:cs typeface="Times New Roman" panose="02020603050405020304" pitchFamily="18" charset="0"/>
-              </a:rPr>
-              <a:t>Understanding the working of the current </a:t>
-            </a:r>
-            <a:r>
-              <a:rPr lang="en-US" sz="2400" dirty="0" err="1" smtClean="0">
-                <a:latin typeface="Times New Roman" panose="02020603050405020304" pitchFamily="18" charset="0"/>
-                <a:cs typeface="Times New Roman" panose="02020603050405020304" pitchFamily="18" charset="0"/>
-              </a:rPr>
-              <a:t>TurtleBot</a:t>
-            </a:r>
-            <a:r>
-              <a:rPr lang="en-US" sz="2400" dirty="0" smtClean="0">
-                <a:latin typeface="Times New Roman" panose="02020603050405020304" pitchFamily="18" charset="0"/>
-                <a:cs typeface="Times New Roman" panose="02020603050405020304" pitchFamily="18" charset="0"/>
-              </a:rPr>
-              <a:t> setup </a:t>
-            </a:r>
-          </a:p>
-          <a:p>
-            <a:r>
-              <a:rPr lang="en-US" sz="2400" dirty="0" smtClean="0">
-                <a:latin typeface="Times New Roman" panose="02020603050405020304" pitchFamily="18" charset="0"/>
-                <a:cs typeface="Times New Roman" panose="02020603050405020304" pitchFamily="18" charset="0"/>
-              </a:rPr>
-              <a:t>Implement </a:t>
-            </a:r>
-            <a:r>
-              <a:rPr lang="en-US" sz="2400" dirty="0" err="1" smtClean="0">
-                <a:latin typeface="Times New Roman" panose="02020603050405020304" pitchFamily="18" charset="0"/>
-                <a:cs typeface="Times New Roman" panose="02020603050405020304" pitchFamily="18" charset="0"/>
-              </a:rPr>
-              <a:t>Hector_Slam</a:t>
-            </a:r>
-            <a:r>
-              <a:rPr lang="en-US" sz="2400" dirty="0" smtClean="0">
-                <a:latin typeface="Times New Roman" panose="02020603050405020304" pitchFamily="18" charset="0"/>
-                <a:cs typeface="Times New Roman" panose="02020603050405020304" pitchFamily="18" charset="0"/>
-              </a:rPr>
-              <a:t> on the </a:t>
-            </a:r>
-            <a:r>
-              <a:rPr lang="en-US" sz="2400" dirty="0" err="1" smtClean="0">
-                <a:latin typeface="Times New Roman" panose="02020603050405020304" pitchFamily="18" charset="0"/>
-                <a:cs typeface="Times New Roman" panose="02020603050405020304" pitchFamily="18" charset="0"/>
-              </a:rPr>
-              <a:t>TurtleBots</a:t>
-            </a:r>
-            <a:endParaRPr lang="en-US" sz="2400" dirty="0" smtClean="0">
-              <a:latin typeface="Times New Roman" panose="02020603050405020304" pitchFamily="18" charset="0"/>
-              <a:cs typeface="Times New Roman" panose="02020603050405020304" pitchFamily="18" charset="0"/>
-            </a:endParaRPr>
-          </a:p>
-          <a:p>
-            <a:r>
-              <a:rPr lang="en-US" sz="2400" dirty="0" smtClean="0">
-                <a:latin typeface="Times New Roman" panose="02020603050405020304" pitchFamily="18" charset="0"/>
-                <a:cs typeface="Times New Roman" panose="02020603050405020304" pitchFamily="18" charset="0"/>
-              </a:rPr>
-              <a:t>Fabricate additional hardware to accommodate hardware additions</a:t>
-            </a:r>
-          </a:p>
-          <a:p>
-            <a:r>
-              <a:rPr lang="en-US" sz="2400" dirty="0" smtClean="0">
-                <a:latin typeface="Times New Roman" panose="02020603050405020304" pitchFamily="18" charset="0"/>
-                <a:cs typeface="Times New Roman" panose="02020603050405020304" pitchFamily="18" charset="0"/>
-              </a:rPr>
-              <a:t>Implement path planning algorithms </a:t>
-            </a:r>
-          </a:p>
-          <a:p>
-            <a:r>
-              <a:rPr lang="en-US" sz="2400" dirty="0" smtClean="0">
-                <a:latin typeface="Times New Roman" panose="02020603050405020304" pitchFamily="18" charset="0"/>
-                <a:cs typeface="Times New Roman" panose="02020603050405020304" pitchFamily="18" charset="0"/>
-              </a:rPr>
-              <a:t>Integrate with aerial robot</a:t>
-            </a:r>
-            <a:endParaRPr lang="en-US" sz="2400" dirty="0">
-              <a:latin typeface="Times New Roman" panose="02020603050405020304" pitchFamily="18" charset="0"/>
-              <a:cs typeface="Times New Roman" panose="02020603050405020304" pitchFamily="18" charset="0"/>
-            </a:endParaRPr>
-          </a:p>
-        </p:txBody>
-      </p:sp>
-      <p:sp>
-        <p:nvSpPr>
-          <p:cNvPr id="4" name="Content Placeholder 2"/>
-          <p:cNvSpPr txBox="1">
-            <a:spLocks/>
-          </p:cNvSpPr>
-          <p:nvPr/>
-        </p:nvSpPr>
-        <p:spPr>
-          <a:xfrm>
-            <a:off x="296782" y="1598596"/>
-            <a:ext cx="4355432" cy="4525963"/>
-          </a:xfrm>
-          <a:prstGeom prst="rect">
-            <a:avLst/>
-          </a:prstGeom>
-        </p:spPr>
-        <p:txBody>
-          <a:bodyPr vert="horz" lIns="91440" tIns="45720" rIns="91440" bIns="45720" rtlCol="0">
-            <a:normAutofit/>
-          </a:bodyPr>
-          <a:lstStyle>
-            <a:lvl1pPr marL="342900" indent="-342900" algn="l" defTabSz="457200" rtl="0" eaLnBrk="1" latinLnBrk="0" hangingPunct="1">
-              <a:spcBef>
-                <a:spcPct val="20000"/>
-              </a:spcBef>
-              <a:buFont typeface="Arial"/>
-              <a:buChar char="•"/>
-              <a:defRPr sz="3200" kern="1200">
-                <a:solidFill>
-                  <a:schemeClr val="tx1"/>
-                </a:solidFill>
-                <a:latin typeface="+mn-lt"/>
-                <a:ea typeface="+mn-ea"/>
-                <a:cs typeface="+mn-cs"/>
-              </a:defRPr>
-            </a:lvl1pPr>
-            <a:lvl2pPr marL="742950" indent="-285750" algn="l" defTabSz="457200" rtl="0" eaLnBrk="1" latinLnBrk="0" hangingPunct="1">
-              <a:spcBef>
-                <a:spcPct val="20000"/>
-              </a:spcBef>
-              <a:buFont typeface="Arial"/>
-              <a:buChar char="–"/>
-              <a:defRPr sz="2800" kern="1200">
-                <a:solidFill>
-                  <a:schemeClr val="tx1"/>
-                </a:solidFill>
-                <a:latin typeface="+mn-lt"/>
-                <a:ea typeface="+mn-ea"/>
-                <a:cs typeface="+mn-cs"/>
-              </a:defRPr>
-            </a:lvl2pPr>
-            <a:lvl3pPr marL="1143000" indent="-228600" algn="l" defTabSz="457200" rtl="0" eaLnBrk="1" latinLnBrk="0" hangingPunct="1">
-              <a:spcBef>
-                <a:spcPct val="20000"/>
-              </a:spcBef>
-              <a:buFont typeface="Arial"/>
-              <a:buChar char="•"/>
-              <a:defRPr sz="2400" kern="1200">
-                <a:solidFill>
-                  <a:schemeClr val="tx1"/>
-                </a:solidFill>
-                <a:latin typeface="+mn-lt"/>
-                <a:ea typeface="+mn-ea"/>
-                <a:cs typeface="+mn-cs"/>
-              </a:defRPr>
-            </a:lvl3pPr>
-            <a:lvl4pPr marL="1600200" indent="-228600" algn="l" defTabSz="457200" rtl="0" eaLnBrk="1" latinLnBrk="0" hangingPunct="1">
-              <a:spcBef>
-                <a:spcPct val="20000"/>
-              </a:spcBef>
-              <a:buFont typeface="Arial"/>
-              <a:buChar char="–"/>
-              <a:defRPr sz="2000" kern="1200">
-                <a:solidFill>
-                  <a:schemeClr val="tx1"/>
-                </a:solidFill>
-                <a:latin typeface="+mn-lt"/>
-                <a:ea typeface="+mn-ea"/>
-                <a:cs typeface="+mn-cs"/>
-              </a:defRPr>
-            </a:lvl4pPr>
-            <a:lvl5pPr marL="2057400" indent="-228600" algn="l" defTabSz="457200" rtl="0" eaLnBrk="1" latinLnBrk="0" hangingPunct="1">
-              <a:spcBef>
-                <a:spcPct val="20000"/>
-              </a:spcBef>
-              <a:buFont typeface="Arial"/>
-              <a:buChar char="»"/>
-              <a:defRPr sz="2000" kern="1200">
-                <a:solidFill>
-                  <a:schemeClr val="tx1"/>
-                </a:solidFill>
-                <a:latin typeface="+mn-lt"/>
-                <a:ea typeface="+mn-ea"/>
-                <a:cs typeface="+mn-cs"/>
-              </a:defRPr>
-            </a:lvl5pPr>
-            <a:lvl6pPr marL="2514600" indent="-228600" algn="l" defTabSz="457200" rtl="0" eaLnBrk="1" latinLnBrk="0" hangingPunct="1">
-              <a:spcBef>
-                <a:spcPct val="20000"/>
-              </a:spcBef>
-              <a:buFont typeface="Arial"/>
-              <a:buChar char="•"/>
-              <a:defRPr sz="2000" kern="1200">
-                <a:solidFill>
-                  <a:schemeClr val="tx1"/>
-                </a:solidFill>
-                <a:latin typeface="+mn-lt"/>
-                <a:ea typeface="+mn-ea"/>
-                <a:cs typeface="+mn-cs"/>
-              </a:defRPr>
-            </a:lvl6pPr>
-            <a:lvl7pPr marL="2971800" indent="-228600" algn="l" defTabSz="457200" rtl="0" eaLnBrk="1" latinLnBrk="0" hangingPunct="1">
-              <a:spcBef>
-                <a:spcPct val="20000"/>
-              </a:spcBef>
-              <a:buFont typeface="Arial"/>
-              <a:buChar char="•"/>
-              <a:defRPr sz="2000" kern="1200">
-                <a:solidFill>
-                  <a:schemeClr val="tx1"/>
-                </a:solidFill>
-                <a:latin typeface="+mn-lt"/>
-                <a:ea typeface="+mn-ea"/>
-                <a:cs typeface="+mn-cs"/>
-              </a:defRPr>
-            </a:lvl7pPr>
-            <a:lvl8pPr marL="3429000" indent="-228600" algn="l" defTabSz="457200" rtl="0" eaLnBrk="1" latinLnBrk="0" hangingPunct="1">
-              <a:spcBef>
-                <a:spcPct val="20000"/>
-              </a:spcBef>
-              <a:buFont typeface="Arial"/>
-              <a:buChar char="•"/>
-              <a:defRPr sz="2000" kern="1200">
-                <a:solidFill>
-                  <a:schemeClr val="tx1"/>
-                </a:solidFill>
-                <a:latin typeface="+mn-lt"/>
-                <a:ea typeface="+mn-ea"/>
-                <a:cs typeface="+mn-cs"/>
-              </a:defRPr>
-            </a:lvl8pPr>
-            <a:lvl9pPr marL="3886200" indent="-228600" algn="l" defTabSz="457200" rtl="0" eaLnBrk="1" latinLnBrk="0" hangingPunct="1">
-              <a:spcBef>
-                <a:spcPct val="20000"/>
-              </a:spcBef>
-              <a:buFont typeface="Arial"/>
-              <a:buChar char="•"/>
-              <a:defRPr sz="2000" kern="1200">
-                <a:solidFill>
-                  <a:schemeClr val="tx1"/>
-                </a:solidFill>
-                <a:latin typeface="+mn-lt"/>
-                <a:ea typeface="+mn-ea"/>
-                <a:cs typeface="+mn-cs"/>
-              </a:defRPr>
-            </a:lvl9pPr>
-          </a:lstStyle>
-          <a:p>
-            <a:endParaRPr lang="en-US" dirty="0">
-              <a:latin typeface="Times New Roman" panose="02020603050405020304" pitchFamily="18" charset="0"/>
-              <a:cs typeface="Times New Roman" panose="02020603050405020304" pitchFamily="18" charset="0"/>
-            </a:endParaRPr>
-          </a:p>
-        </p:txBody>
-      </p:sp>
       <p:grpSp>
         <p:nvGrpSpPr>
-          <p:cNvPr id="5" name="Group 4"/>
+          <p:cNvPr id="4" name="Group 3"/>
           <p:cNvGrpSpPr/>
           <p:nvPr/>
         </p:nvGrpSpPr>
@@ -6479,7 +6726,7 @@
         </p:grpSpPr>
         <p:cxnSp>
           <p:nvCxnSpPr>
-            <p:cNvPr id="6" name="Straight Connector 5"/>
+            <p:cNvPr id="5" name="Straight Connector 4"/>
             <p:cNvCxnSpPr/>
             <p:nvPr/>
           </p:nvCxnSpPr>
@@ -6515,7 +6762,7 @@
         </p:cxnSp>
         <p:pic>
           <p:nvPicPr>
-            <p:cNvPr id="7" name="Picture 6" descr="Screen Shot 2015-10-11 at 11.16.20 AM.png"/>
+            <p:cNvPr id="6" name="Picture 5" descr="Screen Shot 2015-10-11 at 11.16.20 AM.png"/>
             <p:cNvPicPr>
               <a:picLocks noChangeAspect="1"/>
             </p:cNvPicPr>
@@ -6545,7 +6792,7 @@
         </p:pic>
         <p:sp>
           <p:nvSpPr>
-            <p:cNvPr id="8" name="Rectangle 7"/>
+            <p:cNvPr id="7" name="Rectangle 6"/>
             <p:cNvSpPr/>
             <p:nvPr/>
           </p:nvSpPr>
@@ -6595,7 +6842,7 @@
         </p:sp>
         <p:pic>
           <p:nvPicPr>
-            <p:cNvPr id="9" name="Picture 8"/>
+            <p:cNvPr id="8" name="Picture 7"/>
             <p:cNvPicPr>
               <a:picLocks noChangeAspect="1"/>
             </p:cNvPicPr>
@@ -6619,7 +6866,7 @@
         </p:pic>
         <p:sp>
           <p:nvSpPr>
-            <p:cNvPr id="10" name="TextBox 9"/>
+            <p:cNvPr id="9" name="TextBox 8"/>
             <p:cNvSpPr txBox="1"/>
             <p:nvPr/>
           </p:nvSpPr>
@@ -6691,10 +6938,2716 @@
           </p:txBody>
         </p:sp>
       </p:grpSp>
+      <p:sp>
+        <p:nvSpPr>
+          <p:cNvPr id="11" name="Rectangle 10"/>
+          <p:cNvSpPr/>
+          <p:nvPr/>
+        </p:nvSpPr>
+        <p:spPr>
+          <a:xfrm>
+            <a:off x="940179" y="1399169"/>
+            <a:ext cx="1424539" cy="789272"/>
+          </a:xfrm>
+          <a:prstGeom prst="rect">
+            <a:avLst/>
+          </a:prstGeom>
+        </p:spPr>
+        <p:style>
+          <a:lnRef idx="2">
+            <a:schemeClr val="dk1"/>
+          </a:lnRef>
+          <a:fillRef idx="1">
+            <a:schemeClr val="lt1"/>
+          </a:fillRef>
+          <a:effectRef idx="0">
+            <a:schemeClr val="dk1"/>
+          </a:effectRef>
+          <a:fontRef idx="minor">
+            <a:schemeClr val="dk1"/>
+          </a:fontRef>
+        </p:style>
+        <p:txBody>
+          <a:bodyPr rtlCol="0" anchor="ctr"/>
+          <a:lstStyle/>
+          <a:p>
+            <a:pPr algn="ctr"/>
+            <a:r>
+              <a:rPr lang="en-US" dirty="0" smtClean="0"/>
+              <a:t>IMU</a:t>
+            </a:r>
+            <a:endParaRPr lang="en-US" dirty="0"/>
+          </a:p>
+        </p:txBody>
+      </p:sp>
+      <p:sp>
+        <p:nvSpPr>
+          <p:cNvPr id="12" name="Rectangle 11"/>
+          <p:cNvSpPr/>
+          <p:nvPr/>
+        </p:nvSpPr>
+        <p:spPr>
+          <a:xfrm>
+            <a:off x="3497129" y="3283147"/>
+            <a:ext cx="1424539" cy="770021"/>
+          </a:xfrm>
+          <a:prstGeom prst="rect">
+            <a:avLst/>
+          </a:prstGeom>
+        </p:spPr>
+        <p:style>
+          <a:lnRef idx="2">
+            <a:schemeClr val="dk1"/>
+          </a:lnRef>
+          <a:fillRef idx="1">
+            <a:schemeClr val="lt1"/>
+          </a:fillRef>
+          <a:effectRef idx="0">
+            <a:schemeClr val="dk1"/>
+          </a:effectRef>
+          <a:fontRef idx="minor">
+            <a:schemeClr val="dk1"/>
+          </a:fontRef>
+        </p:style>
+        <p:txBody>
+          <a:bodyPr rtlCol="0" anchor="ctr"/>
+          <a:lstStyle/>
+          <a:p>
+            <a:pPr algn="ctr"/>
+            <a:r>
+              <a:rPr lang="en-US" dirty="0" smtClean="0"/>
+              <a:t>On-board Computer</a:t>
+            </a:r>
+            <a:endParaRPr lang="en-US" dirty="0"/>
+          </a:p>
+        </p:txBody>
+      </p:sp>
+      <p:pic>
+        <p:nvPicPr>
+          <p:cNvPr id="1026" name="Picture 2" descr="http://www.robotshop.com/media/files/images2/hokuyo-ust-20lx-scanning-laser-rangefinder-large.jpg"/>
+          <p:cNvPicPr>
+            <a:picLocks noChangeAspect="1" noChangeArrowheads="1"/>
+          </p:cNvPicPr>
+          <p:nvPr/>
+        </p:nvPicPr>
+        <p:blipFill>
+          <a:blip r:embed="rId4">
+            <a:extLst>
+              <a:ext uri="{28A0092B-C50C-407E-A947-70E740481C1C}">
+                <a14:useLocalDpi xmlns:a14="http://schemas.microsoft.com/office/drawing/2010/main" val="0"/>
+              </a:ext>
+            </a:extLst>
+          </a:blip>
+          <a:srcRect/>
+          <a:stretch>
+            <a:fillRect/>
+          </a:stretch>
+        </p:blipFill>
+        <p:spPr bwMode="auto">
+          <a:xfrm>
+            <a:off x="3670311" y="966526"/>
+            <a:ext cx="1078176" cy="1417925"/>
+          </a:xfrm>
+          <a:prstGeom prst="rect">
+            <a:avLst/>
+          </a:prstGeom>
+          <a:noFill/>
+          <a:extLst>
+            <a:ext uri="{909E8E84-426E-40DD-AFC4-6F175D3DCCD1}">
+              <a14:hiddenFill xmlns:a14="http://schemas.microsoft.com/office/drawing/2010/main">
+                <a:solidFill>
+                  <a:srgbClr val="FFFFFF"/>
+                </a:solidFill>
+              </a14:hiddenFill>
+            </a:ext>
+          </a:extLst>
+        </p:spPr>
+      </p:pic>
+      <p:sp>
+        <p:nvSpPr>
+          <p:cNvPr id="16" name="TextBox 15"/>
+          <p:cNvSpPr txBox="1"/>
+          <p:nvPr/>
+        </p:nvSpPr>
+        <p:spPr>
+          <a:xfrm>
+            <a:off x="5935134" y="2116777"/>
+            <a:ext cx="1365786" cy="646332"/>
+          </a:xfrm>
+          <a:prstGeom prst="rect">
+            <a:avLst/>
+          </a:prstGeom>
+          <a:solidFill>
+            <a:srgbClr val="FFFFFF"/>
+          </a:solidFill>
+          <a:ln w="28575" cmpd="sng">
+            <a:solidFill>
+              <a:schemeClr val="bg1"/>
+            </a:solidFill>
+          </a:ln>
+        </p:spPr>
+        <p:txBody>
+          <a:bodyPr wrap="square" rtlCol="0">
+            <a:spAutoFit/>
+          </a:bodyPr>
+          <a:lstStyle/>
+          <a:p>
+            <a:pPr algn="ctr"/>
+            <a:r>
+              <a:rPr lang="en-US" dirty="0" err="1" smtClean="0"/>
+              <a:t>WiFi</a:t>
+            </a:r>
+            <a:endParaRPr lang="en-US" dirty="0" smtClean="0"/>
+          </a:p>
+          <a:p>
+            <a:pPr algn="ctr"/>
+            <a:r>
+              <a:rPr lang="en-US" dirty="0" smtClean="0"/>
+              <a:t> </a:t>
+            </a:r>
+            <a:r>
+              <a:rPr lang="en-US" dirty="0" smtClean="0"/>
+              <a:t>Adapter</a:t>
+            </a:r>
+            <a:endParaRPr lang="en-US" dirty="0"/>
+          </a:p>
+        </p:txBody>
+      </p:sp>
+      <p:pic>
+        <p:nvPicPr>
+          <p:cNvPr id="17" name="Picture 16"/>
+          <p:cNvPicPr>
+            <a:picLocks noChangeAspect="1"/>
+          </p:cNvPicPr>
+          <p:nvPr/>
+        </p:nvPicPr>
+        <p:blipFill>
+          <a:blip r:embed="rId5"/>
+          <a:stretch>
+            <a:fillRect/>
+          </a:stretch>
+        </p:blipFill>
+        <p:spPr>
+          <a:xfrm rot="5400000">
+            <a:off x="6169182" y="953554"/>
+            <a:ext cx="931937" cy="1341800"/>
+          </a:xfrm>
+          <a:prstGeom prst="rect">
+            <a:avLst/>
+          </a:prstGeom>
+          <a:ln w="31750">
+            <a:solidFill>
+              <a:schemeClr val="tx1"/>
+            </a:solidFill>
+          </a:ln>
+        </p:spPr>
+      </p:pic>
+      <p:pic>
+        <p:nvPicPr>
+          <p:cNvPr id="18" name="Picture 17"/>
+          <p:cNvPicPr/>
+          <p:nvPr/>
+        </p:nvPicPr>
+        <p:blipFill rotWithShape="1">
+          <a:blip r:embed="rId6"/>
+          <a:srcRect l="23077" t="20133" r="41987" b="10921"/>
+          <a:stretch/>
+        </p:blipFill>
+        <p:spPr bwMode="auto">
+          <a:xfrm>
+            <a:off x="315251" y="4322143"/>
+            <a:ext cx="1875357" cy="2201331"/>
+          </a:xfrm>
+          <a:prstGeom prst="rect">
+            <a:avLst/>
+          </a:prstGeom>
+          <a:ln>
+            <a:noFill/>
+          </a:ln>
+          <a:extLst>
+            <a:ext uri="{53640926-AAD7-44D8-BBD7-CCE9431645EC}">
+              <a14:shadowObscured xmlns:a14="http://schemas.microsoft.com/office/drawing/2010/main"/>
+            </a:ext>
+          </a:extLst>
+        </p:spPr>
+      </p:pic>
+      <p:sp>
+        <p:nvSpPr>
+          <p:cNvPr id="20" name="TextBox 19"/>
+          <p:cNvSpPr txBox="1"/>
+          <p:nvPr/>
+        </p:nvSpPr>
+        <p:spPr>
+          <a:xfrm>
+            <a:off x="4181726" y="6385380"/>
+            <a:ext cx="1278641" cy="334963"/>
+          </a:xfrm>
+          <a:prstGeom prst="rect">
+            <a:avLst/>
+          </a:prstGeom>
+          <a:ln w="28575" cmpd="sng">
+            <a:solidFill>
+              <a:schemeClr val="tx1"/>
+            </a:solidFill>
+          </a:ln>
+        </p:spPr>
+        <p:style>
+          <a:lnRef idx="2">
+            <a:schemeClr val="dk1"/>
+          </a:lnRef>
+          <a:fillRef idx="1">
+            <a:schemeClr val="lt1"/>
+          </a:fillRef>
+          <a:effectRef idx="0">
+            <a:schemeClr val="dk1"/>
+          </a:effectRef>
+          <a:fontRef idx="minor">
+            <a:schemeClr val="dk1"/>
+          </a:fontRef>
+        </p:style>
+        <p:txBody>
+          <a:bodyPr wrap="square" rtlCol="0">
+            <a:spAutoFit/>
+          </a:bodyPr>
+          <a:lstStyle/>
+          <a:p>
+            <a:pPr algn="ctr"/>
+            <a:r>
+              <a:rPr lang="en-US" dirty="0" smtClean="0"/>
+              <a:t>Battery</a:t>
+            </a:r>
+          </a:p>
+        </p:txBody>
+      </p:sp>
+      <p:sp>
+        <p:nvSpPr>
+          <p:cNvPr id="21" name="TextBox 20"/>
+          <p:cNvSpPr txBox="1"/>
+          <p:nvPr/>
+        </p:nvSpPr>
+        <p:spPr>
+          <a:xfrm>
+            <a:off x="5634102" y="5284310"/>
+            <a:ext cx="1351719" cy="923330"/>
+          </a:xfrm>
+          <a:prstGeom prst="rect">
+            <a:avLst/>
+          </a:prstGeom>
+          <a:ln w="28575" cmpd="sng">
+            <a:solidFill>
+              <a:schemeClr val="tx1"/>
+            </a:solidFill>
+          </a:ln>
+        </p:spPr>
+        <p:style>
+          <a:lnRef idx="2">
+            <a:schemeClr val="dk1"/>
+          </a:lnRef>
+          <a:fillRef idx="1">
+            <a:schemeClr val="lt1"/>
+          </a:fillRef>
+          <a:effectRef idx="0">
+            <a:schemeClr val="dk1"/>
+          </a:effectRef>
+          <a:fontRef idx="minor">
+            <a:schemeClr val="dk1"/>
+          </a:fontRef>
+        </p:style>
+        <p:txBody>
+          <a:bodyPr wrap="square" rtlCol="0">
+            <a:spAutoFit/>
+          </a:bodyPr>
+          <a:lstStyle/>
+          <a:p>
+            <a:pPr algn="ctr"/>
+            <a:r>
+              <a:rPr lang="en-US" dirty="0" smtClean="0"/>
+              <a:t>Power Distribution Board</a:t>
+            </a:r>
+          </a:p>
+        </p:txBody>
+      </p:sp>
+      <p:sp>
+        <p:nvSpPr>
+          <p:cNvPr id="22" name="TextBox 21"/>
+          <p:cNvSpPr txBox="1"/>
+          <p:nvPr/>
+        </p:nvSpPr>
+        <p:spPr>
+          <a:xfrm>
+            <a:off x="4471797" y="5561309"/>
+            <a:ext cx="899742" cy="369332"/>
+          </a:xfrm>
+          <a:prstGeom prst="rect">
+            <a:avLst/>
+          </a:prstGeom>
+          <a:ln w="28575" cmpd="sng">
+            <a:solidFill>
+              <a:schemeClr val="tx1"/>
+            </a:solidFill>
+          </a:ln>
+        </p:spPr>
+        <p:style>
+          <a:lnRef idx="2">
+            <a:schemeClr val="dk1"/>
+          </a:lnRef>
+          <a:fillRef idx="1">
+            <a:schemeClr val="lt1"/>
+          </a:fillRef>
+          <a:effectRef idx="0">
+            <a:schemeClr val="dk1"/>
+          </a:effectRef>
+          <a:fontRef idx="minor">
+            <a:schemeClr val="dk1"/>
+          </a:fontRef>
+        </p:style>
+        <p:txBody>
+          <a:bodyPr wrap="square" rtlCol="0">
+            <a:spAutoFit/>
+          </a:bodyPr>
+          <a:lstStyle/>
+          <a:p>
+            <a:pPr algn="ctr"/>
+            <a:r>
+              <a:rPr lang="en-US" dirty="0" smtClean="0"/>
+              <a:t>Motor</a:t>
+            </a:r>
+            <a:endParaRPr lang="en-US" dirty="0" smtClean="0"/>
+          </a:p>
+        </p:txBody>
+      </p:sp>
+      <p:sp>
+        <p:nvSpPr>
+          <p:cNvPr id="23" name="TextBox 22"/>
+          <p:cNvSpPr txBox="1"/>
+          <p:nvPr/>
+        </p:nvSpPr>
+        <p:spPr>
+          <a:xfrm>
+            <a:off x="7248384" y="5422809"/>
+            <a:ext cx="1486254" cy="646331"/>
+          </a:xfrm>
+          <a:prstGeom prst="rect">
+            <a:avLst/>
+          </a:prstGeom>
+          <a:ln w="28575" cmpd="sng">
+            <a:solidFill>
+              <a:schemeClr val="tx1"/>
+            </a:solidFill>
+          </a:ln>
+        </p:spPr>
+        <p:style>
+          <a:lnRef idx="2">
+            <a:schemeClr val="dk1"/>
+          </a:lnRef>
+          <a:fillRef idx="1">
+            <a:schemeClr val="lt1"/>
+          </a:fillRef>
+          <a:effectRef idx="0">
+            <a:schemeClr val="dk1"/>
+          </a:effectRef>
+          <a:fontRef idx="minor">
+            <a:schemeClr val="dk1"/>
+          </a:fontRef>
+        </p:style>
+        <p:txBody>
+          <a:bodyPr wrap="square" rtlCol="0">
+            <a:spAutoFit/>
+          </a:bodyPr>
+          <a:lstStyle/>
+          <a:p>
+            <a:pPr algn="ctr"/>
+            <a:r>
+              <a:rPr lang="en-US" dirty="0" smtClean="0"/>
+              <a:t>Power Module</a:t>
+            </a:r>
+          </a:p>
+        </p:txBody>
+      </p:sp>
+      <p:cxnSp>
+        <p:nvCxnSpPr>
+          <p:cNvPr id="25" name="Elbow Connector 24"/>
+          <p:cNvCxnSpPr>
+            <a:endCxn id="23" idx="2"/>
+          </p:cNvCxnSpPr>
+          <p:nvPr/>
+        </p:nvCxnSpPr>
+        <p:spPr>
+          <a:xfrm flipV="1">
+            <a:off x="5460366" y="6069140"/>
+            <a:ext cx="2531145" cy="565506"/>
+          </a:xfrm>
+          <a:prstGeom prst="bentConnector2">
+            <a:avLst/>
+          </a:prstGeom>
+          <a:ln>
+            <a:tailEnd type="triangle"/>
+          </a:ln>
+        </p:spPr>
+        <p:style>
+          <a:lnRef idx="2">
+            <a:schemeClr val="dk1"/>
+          </a:lnRef>
+          <a:fillRef idx="0">
+            <a:schemeClr val="dk1"/>
+          </a:fillRef>
+          <a:effectRef idx="1">
+            <a:schemeClr val="dk1"/>
+          </a:effectRef>
+          <a:fontRef idx="minor">
+            <a:schemeClr val="tx1"/>
+          </a:fontRef>
+        </p:style>
+      </p:cxnSp>
+      <p:cxnSp>
+        <p:nvCxnSpPr>
+          <p:cNvPr id="28" name="Straight Arrow Connector 27"/>
+          <p:cNvCxnSpPr>
+            <a:stCxn id="23" idx="1"/>
+            <a:endCxn id="21" idx="3"/>
+          </p:cNvCxnSpPr>
+          <p:nvPr/>
+        </p:nvCxnSpPr>
+        <p:spPr>
+          <a:xfrm flipH="1">
+            <a:off x="6985821" y="5745975"/>
+            <a:ext cx="262563" cy="0"/>
+          </a:xfrm>
+          <a:prstGeom prst="straightConnector1">
+            <a:avLst/>
+          </a:prstGeom>
+          <a:ln>
+            <a:tailEnd type="triangle"/>
+          </a:ln>
+        </p:spPr>
+        <p:style>
+          <a:lnRef idx="2">
+            <a:schemeClr val="dk1"/>
+          </a:lnRef>
+          <a:fillRef idx="0">
+            <a:schemeClr val="dk1"/>
+          </a:fillRef>
+          <a:effectRef idx="1">
+            <a:schemeClr val="dk1"/>
+          </a:effectRef>
+          <a:fontRef idx="minor">
+            <a:schemeClr val="tx1"/>
+          </a:fontRef>
+        </p:style>
+      </p:cxnSp>
+      <p:cxnSp>
+        <p:nvCxnSpPr>
+          <p:cNvPr id="31" name="Straight Arrow Connector 30"/>
+          <p:cNvCxnSpPr>
+            <a:stCxn id="21" idx="1"/>
+            <a:endCxn id="22" idx="3"/>
+          </p:cNvCxnSpPr>
+          <p:nvPr/>
+        </p:nvCxnSpPr>
+        <p:spPr>
+          <a:xfrm flipH="1">
+            <a:off x="5371539" y="5745975"/>
+            <a:ext cx="262563" cy="0"/>
+          </a:xfrm>
+          <a:prstGeom prst="straightConnector1">
+            <a:avLst/>
+          </a:prstGeom>
+          <a:ln>
+            <a:tailEnd type="triangle"/>
+          </a:ln>
+        </p:spPr>
+        <p:style>
+          <a:lnRef idx="2">
+            <a:schemeClr val="dk1"/>
+          </a:lnRef>
+          <a:fillRef idx="0">
+            <a:schemeClr val="dk1"/>
+          </a:fillRef>
+          <a:effectRef idx="1">
+            <a:schemeClr val="dk1"/>
+          </a:effectRef>
+          <a:fontRef idx="minor">
+            <a:schemeClr val="tx1"/>
+          </a:fontRef>
+        </p:style>
+      </p:cxnSp>
+      <p:sp>
+        <p:nvSpPr>
+          <p:cNvPr id="1029" name="TextBox 1028"/>
+          <p:cNvSpPr txBox="1"/>
+          <p:nvPr/>
+        </p:nvSpPr>
+        <p:spPr>
+          <a:xfrm>
+            <a:off x="3330341" y="2317114"/>
+            <a:ext cx="1751797" cy="646331"/>
+          </a:xfrm>
+          <a:prstGeom prst="rect">
+            <a:avLst/>
+          </a:prstGeom>
+          <a:noFill/>
+        </p:spPr>
+        <p:txBody>
+          <a:bodyPr wrap="square" rtlCol="0">
+            <a:spAutoFit/>
+          </a:bodyPr>
+          <a:lstStyle/>
+          <a:p>
+            <a:pPr algn="ctr"/>
+            <a:r>
+              <a:rPr lang="en-US" dirty="0" smtClean="0"/>
+              <a:t>Hokuyo Laser Scanner</a:t>
+            </a:r>
+            <a:endParaRPr lang="en-US" dirty="0"/>
+          </a:p>
+        </p:txBody>
+      </p:sp>
+      <p:cxnSp>
+        <p:nvCxnSpPr>
+          <p:cNvPr id="1037" name="Elbow Connector 1036"/>
+          <p:cNvCxnSpPr>
+            <a:stCxn id="11" idx="2"/>
+            <a:endCxn id="12" idx="1"/>
+          </p:cNvCxnSpPr>
+          <p:nvPr/>
+        </p:nvCxnSpPr>
+        <p:spPr>
+          <a:xfrm rot="16200000" flipH="1">
+            <a:off x="1834931" y="2005959"/>
+            <a:ext cx="1479717" cy="1844680"/>
+          </a:xfrm>
+          <a:prstGeom prst="bentConnector2">
+            <a:avLst/>
+          </a:prstGeom>
+        </p:spPr>
+        <p:style>
+          <a:lnRef idx="2">
+            <a:schemeClr val="dk1"/>
+          </a:lnRef>
+          <a:fillRef idx="0">
+            <a:schemeClr val="dk1"/>
+          </a:fillRef>
+          <a:effectRef idx="1">
+            <a:schemeClr val="dk1"/>
+          </a:effectRef>
+          <a:fontRef idx="minor">
+            <a:schemeClr val="tx1"/>
+          </a:fontRef>
+        </p:style>
+      </p:cxnSp>
+      <p:cxnSp>
+        <p:nvCxnSpPr>
+          <p:cNvPr id="1039" name="Straight Connector 1038"/>
+          <p:cNvCxnSpPr>
+            <a:stCxn id="1029" idx="2"/>
+            <a:endCxn id="12" idx="0"/>
+          </p:cNvCxnSpPr>
+          <p:nvPr/>
+        </p:nvCxnSpPr>
+        <p:spPr>
+          <a:xfrm>
+            <a:off x="4206240" y="2963445"/>
+            <a:ext cx="3159" cy="319702"/>
+          </a:xfrm>
+          <a:prstGeom prst="line">
+            <a:avLst/>
+          </a:prstGeom>
+        </p:spPr>
+        <p:style>
+          <a:lnRef idx="2">
+            <a:schemeClr val="dk1"/>
+          </a:lnRef>
+          <a:fillRef idx="0">
+            <a:schemeClr val="dk1"/>
+          </a:fillRef>
+          <a:effectRef idx="1">
+            <a:schemeClr val="dk1"/>
+          </a:effectRef>
+          <a:fontRef idx="minor">
+            <a:schemeClr val="tx1"/>
+          </a:fontRef>
+        </p:style>
+      </p:cxnSp>
+      <p:cxnSp>
+        <p:nvCxnSpPr>
+          <p:cNvPr id="1041" name="Elbow Connector 1040"/>
+          <p:cNvCxnSpPr>
+            <a:stCxn id="16" idx="2"/>
+            <a:endCxn id="12" idx="3"/>
+          </p:cNvCxnSpPr>
+          <p:nvPr/>
+        </p:nvCxnSpPr>
+        <p:spPr>
+          <a:xfrm rot="5400000">
+            <a:off x="5317324" y="2367454"/>
+            <a:ext cx="905049" cy="1696359"/>
+          </a:xfrm>
+          <a:prstGeom prst="bentConnector2">
+            <a:avLst/>
+          </a:prstGeom>
+        </p:spPr>
+        <p:style>
+          <a:lnRef idx="2">
+            <a:schemeClr val="dk1"/>
+          </a:lnRef>
+          <a:fillRef idx="0">
+            <a:schemeClr val="dk1"/>
+          </a:fillRef>
+          <a:effectRef idx="1">
+            <a:schemeClr val="dk1"/>
+          </a:effectRef>
+          <a:fontRef idx="minor">
+            <a:schemeClr val="tx1"/>
+          </a:fontRef>
+        </p:style>
+      </p:cxnSp>
+      <p:cxnSp>
+        <p:nvCxnSpPr>
+          <p:cNvPr id="1043" name="Elbow Connector 1042"/>
+          <p:cNvCxnSpPr>
+            <a:stCxn id="12" idx="2"/>
+            <a:endCxn id="21" idx="0"/>
+          </p:cNvCxnSpPr>
+          <p:nvPr/>
+        </p:nvCxnSpPr>
+        <p:spPr>
+          <a:xfrm rot="16200000" flipH="1">
+            <a:off x="4644109" y="3618457"/>
+            <a:ext cx="1231142" cy="2100563"/>
+          </a:xfrm>
+          <a:prstGeom prst="bentConnector3">
+            <a:avLst/>
+          </a:prstGeom>
+        </p:spPr>
+        <p:style>
+          <a:lnRef idx="2">
+            <a:schemeClr val="dk1"/>
+          </a:lnRef>
+          <a:fillRef idx="0">
+            <a:schemeClr val="dk1"/>
+          </a:fillRef>
+          <a:effectRef idx="1">
+            <a:schemeClr val="dk1"/>
+          </a:effectRef>
+          <a:fontRef idx="minor">
+            <a:schemeClr val="tx1"/>
+          </a:fontRef>
+        </p:style>
+      </p:cxnSp>
     </p:spTree>
     <p:extLst>
       <p:ext uri="{BB962C8B-B14F-4D97-AF65-F5344CB8AC3E}">
-        <p14:creationId xmlns:p14="http://schemas.microsoft.com/office/powerpoint/2010/main" val="888064729"/>
+        <p14:creationId xmlns:p14="http://schemas.microsoft.com/office/powerpoint/2010/main" val="3857670027"/>
+      </p:ext>
+    </p:extLst>
+  </p:cSld>
+  <p:clrMapOvr>
+    <a:masterClrMapping/>
+  </p:clrMapOvr>
+  <p:timing>
+    <p:tnLst>
+      <p:par>
+        <p:cTn id="1" dur="indefinite" restart="never" nodeType="tmRoot"/>
+      </p:par>
+    </p:tnLst>
+  </p:timing>
+</p:sld>
+</file>
+
+<file path=ppt/slides/slide8.xml><?xml version="1.0" encoding="utf-8"?>
+<p:sld xmlns:a="http://schemas.openxmlformats.org/drawingml/2006/main" xmlns:r="http://schemas.openxmlformats.org/officeDocument/2006/relationships" xmlns:p="http://schemas.openxmlformats.org/presentationml/2006/main" show="0">
+  <p:cSld>
+    <p:spTree>
+      <p:nvGrpSpPr>
+        <p:cNvPr id="1" name=""/>
+        <p:cNvGrpSpPr/>
+        <p:nvPr/>
+      </p:nvGrpSpPr>
+      <p:grpSpPr>
+        <a:xfrm>
+          <a:off x="0" y="0"/>
+          <a:ext cx="0" cy="0"/>
+          <a:chOff x="0" y="0"/>
+          <a:chExt cx="0" cy="0"/>
+        </a:xfrm>
+      </p:grpSpPr>
+      <p:grpSp>
+        <p:nvGrpSpPr>
+          <p:cNvPr id="4" name="Group 3"/>
+          <p:cNvGrpSpPr/>
+          <p:nvPr/>
+        </p:nvGrpSpPr>
+        <p:grpSpPr>
+          <a:xfrm>
+            <a:off x="0" y="1"/>
+            <a:ext cx="9144000" cy="844012"/>
+            <a:chOff x="0" y="1"/>
+            <a:chExt cx="9144000" cy="844012"/>
+          </a:xfrm>
+        </p:grpSpPr>
+        <p:cxnSp>
+          <p:nvCxnSpPr>
+            <p:cNvPr id="5" name="Straight Connector 4"/>
+            <p:cNvCxnSpPr/>
+            <p:nvPr/>
+          </p:nvCxnSpPr>
+          <p:spPr>
+            <a:xfrm>
+              <a:off x="0" y="844013"/>
+              <a:ext cx="9144000" cy="0"/>
+            </a:xfrm>
+            <a:prstGeom prst="line">
+              <a:avLst/>
+            </a:prstGeom>
+            <a:ln>
+              <a:solidFill>
+                <a:schemeClr val="tx1"/>
+              </a:solidFill>
+            </a:ln>
+            <a:effectLst/>
+          </p:spPr>
+          <p:style>
+            <a:lnRef idx="2">
+              <a:schemeClr val="accent1"/>
+            </a:lnRef>
+            <a:fillRef idx="0">
+              <a:schemeClr val="accent1"/>
+            </a:fillRef>
+            <a:effectRef idx="1">
+              <a:schemeClr val="accent1"/>
+            </a:effectRef>
+            <a:fontRef idx="minor">
+              <a:schemeClr val="tx1"/>
+            </a:fontRef>
+          </p:style>
+        </p:cxnSp>
+        <p:pic>
+          <p:nvPicPr>
+            <p:cNvPr id="6" name="Picture 5" descr="Screen Shot 2015-10-11 at 11.16.20 AM.png"/>
+            <p:cNvPicPr>
+              <a:picLocks noChangeAspect="1"/>
+            </p:cNvPicPr>
+            <p:nvPr/>
+          </p:nvPicPr>
+          <p:blipFill>
+            <a:blip r:embed="rId2">
+              <a:extLst>
+                <a:ext uri="{28A0092B-C50C-407E-A947-70E740481C1C}">
+                  <a14:useLocalDpi xmlns:a14="http://schemas.microsoft.com/office/drawing/2010/main" val="0"/>
+                </a:ext>
+              </a:extLst>
+            </a:blip>
+            <a:stretch>
+              <a:fillRect/>
+            </a:stretch>
+          </p:blipFill>
+          <p:spPr>
+            <a:xfrm>
+              <a:off x="0" y="1"/>
+              <a:ext cx="1151748" cy="844012"/>
+            </a:xfrm>
+            <a:prstGeom prst="rect">
+              <a:avLst/>
+            </a:prstGeom>
+          </p:spPr>
+        </p:pic>
+        <p:sp>
+          <p:nvSpPr>
+            <p:cNvPr id="7" name="Rectangle 6"/>
+            <p:cNvSpPr/>
+            <p:nvPr/>
+          </p:nvSpPr>
+          <p:spPr>
+            <a:xfrm>
+              <a:off x="1151748" y="2283"/>
+              <a:ext cx="7992252" cy="832104"/>
+            </a:xfrm>
+            <a:prstGeom prst="rect">
+              <a:avLst/>
+            </a:prstGeom>
+            <a:solidFill>
+              <a:schemeClr val="tx1"/>
+            </a:solidFill>
+            <a:ln>
+              <a:solidFill>
+                <a:schemeClr val="tx1"/>
+              </a:solidFill>
+            </a:ln>
+            <a:effectLst/>
+          </p:spPr>
+          <p:style>
+            <a:lnRef idx="1">
+              <a:schemeClr val="accent1"/>
+            </a:lnRef>
+            <a:fillRef idx="3">
+              <a:schemeClr val="accent1"/>
+            </a:fillRef>
+            <a:effectRef idx="2">
+              <a:schemeClr val="accent1"/>
+            </a:effectRef>
+            <a:fontRef idx="minor">
+              <a:schemeClr val="lt1"/>
+            </a:fontRef>
+          </p:style>
+          <p:txBody>
+            <a:bodyPr rtlCol="0" anchor="ctr"/>
+            <a:lstStyle/>
+            <a:p>
+              <a:pPr algn="ctr"/>
+              <a:endParaRPr lang="en-US" sz="2000">
+                <a:latin typeface="Arial" panose="020B0604020202020204" pitchFamily="34" charset="0"/>
+                <a:cs typeface="Arial" panose="020B0604020202020204" pitchFamily="34" charset="0"/>
+              </a:endParaRPr>
+            </a:p>
+          </p:txBody>
+        </p:sp>
+        <p:pic>
+          <p:nvPicPr>
+            <p:cNvPr id="8" name="Picture 7"/>
+            <p:cNvPicPr>
+              <a:picLocks noChangeAspect="1"/>
+            </p:cNvPicPr>
+            <p:nvPr/>
+          </p:nvPicPr>
+          <p:blipFill>
+            <a:blip r:embed="rId3"/>
+            <a:stretch>
+              <a:fillRect/>
+            </a:stretch>
+          </p:blipFill>
+          <p:spPr>
+            <a:xfrm>
+              <a:off x="8311013" y="2283"/>
+              <a:ext cx="832987" cy="832987"/>
+            </a:xfrm>
+            <a:prstGeom prst="rect">
+              <a:avLst/>
+            </a:prstGeom>
+          </p:spPr>
+        </p:pic>
+        <p:sp>
+          <p:nvSpPr>
+            <p:cNvPr id="9" name="TextBox 8"/>
+            <p:cNvSpPr txBox="1"/>
+            <p:nvPr/>
+          </p:nvSpPr>
+          <p:spPr>
+            <a:xfrm>
+              <a:off x="1202040" y="188621"/>
+              <a:ext cx="6983237" cy="400110"/>
+            </a:xfrm>
+            <a:prstGeom prst="rect">
+              <a:avLst/>
+            </a:prstGeom>
+            <a:noFill/>
+          </p:spPr>
+          <p:txBody>
+            <a:bodyPr wrap="square" rtlCol="0">
+              <a:spAutoFit/>
+            </a:bodyPr>
+            <a:lstStyle/>
+            <a:p>
+              <a:pPr algn="ctr"/>
+              <a:r>
+                <a:rPr lang="en-US" sz="2000" dirty="0" err="1" smtClean="0">
+                  <a:solidFill>
+                    <a:srgbClr val="FFFFFF"/>
+                  </a:solidFill>
+                  <a:latin typeface="Arial" panose="020B0604020202020204" pitchFamily="34" charset="0"/>
+                  <a:cs typeface="Arial" panose="020B0604020202020204" pitchFamily="34" charset="0"/>
+                </a:rPr>
+                <a:t>FlyNet</a:t>
+              </a:r>
+              <a:r>
+                <a:rPr lang="en-US" sz="2000" dirty="0" smtClean="0">
+                  <a:solidFill>
+                    <a:srgbClr val="FFFFFF"/>
+                  </a:solidFill>
+                  <a:latin typeface="Arial" panose="020B0604020202020204" pitchFamily="34" charset="0"/>
+                  <a:cs typeface="Arial" panose="020B0604020202020204" pitchFamily="34" charset="0"/>
+                </a:rPr>
+                <a:t>: Autonomous </a:t>
+              </a:r>
+              <a:r>
+                <a:rPr lang="en-US" sz="2000" dirty="0" err="1" smtClean="0">
+                  <a:solidFill>
+                    <a:srgbClr val="FFFFFF"/>
+                  </a:solidFill>
+                  <a:latin typeface="Arial" panose="020B0604020202020204" pitchFamily="34" charset="0"/>
+                  <a:cs typeface="Arial" panose="020B0604020202020204" pitchFamily="34" charset="0"/>
+                </a:rPr>
+                <a:t>Quadcopter</a:t>
+              </a:r>
+              <a:r>
+                <a:rPr lang="en-US" sz="2000" dirty="0" smtClean="0">
+                  <a:solidFill>
+                    <a:srgbClr val="FFFFFF"/>
+                  </a:solidFill>
+                  <a:latin typeface="Arial" panose="020B0604020202020204" pitchFamily="34" charset="0"/>
+                  <a:cs typeface="Arial" panose="020B0604020202020204" pitchFamily="34" charset="0"/>
+                </a:rPr>
+                <a:t> Search and Rescue</a:t>
+              </a:r>
+              <a:endParaRPr lang="en-US" sz="2000" dirty="0">
+                <a:solidFill>
+                  <a:srgbClr val="FFFFFF"/>
+                </a:solidFill>
+                <a:latin typeface="Arial" panose="020B0604020202020204" pitchFamily="34" charset="0"/>
+                <a:cs typeface="Arial" panose="020B0604020202020204" pitchFamily="34" charset="0"/>
+              </a:endParaRPr>
+            </a:p>
+          </p:txBody>
+        </p:sp>
+      </p:grpSp>
+      <p:sp>
+        <p:nvSpPr>
+          <p:cNvPr id="10" name="Rectangle 9"/>
+          <p:cNvSpPr/>
+          <p:nvPr/>
+        </p:nvSpPr>
+        <p:spPr>
+          <a:xfrm>
+            <a:off x="693018" y="1790299"/>
+            <a:ext cx="2050181" cy="914400"/>
+          </a:xfrm>
+          <a:prstGeom prst="rect">
+            <a:avLst/>
+          </a:prstGeom>
+        </p:spPr>
+        <p:style>
+          <a:lnRef idx="2">
+            <a:schemeClr val="dk1"/>
+          </a:lnRef>
+          <a:fillRef idx="1">
+            <a:schemeClr val="lt1"/>
+          </a:fillRef>
+          <a:effectRef idx="0">
+            <a:schemeClr val="dk1"/>
+          </a:effectRef>
+          <a:fontRef idx="minor">
+            <a:schemeClr val="dk1"/>
+          </a:fontRef>
+        </p:style>
+        <p:txBody>
+          <a:bodyPr rtlCol="0" anchor="ctr"/>
+          <a:lstStyle/>
+          <a:p>
+            <a:pPr algn="ctr"/>
+            <a:r>
+              <a:rPr lang="en-US" sz="2000" dirty="0" smtClean="0">
+                <a:ln w="0"/>
+                <a:solidFill>
+                  <a:schemeClr val="tx1"/>
+                </a:solidFill>
+                <a:effectLst>
+                  <a:outerShdw blurRad="38100" dist="19050" dir="2700000" algn="tl" rotWithShape="0">
+                    <a:schemeClr val="dk1">
+                      <a:alpha val="40000"/>
+                    </a:schemeClr>
+                  </a:outerShdw>
+                </a:effectLst>
+                <a:latin typeface="Arial" panose="020B0604020202020204" pitchFamily="34" charset="0"/>
+                <a:cs typeface="Arial" panose="020B0604020202020204" pitchFamily="34" charset="0"/>
+              </a:rPr>
+              <a:t>Sensors</a:t>
+            </a:r>
+            <a:endParaRPr lang="en-US" sz="2000" dirty="0">
+              <a:ln w="0"/>
+              <a:solidFill>
+                <a:schemeClr val="tx1"/>
+              </a:solidFill>
+              <a:effectLst>
+                <a:outerShdw blurRad="38100" dist="19050" dir="2700000" algn="tl" rotWithShape="0">
+                  <a:schemeClr val="dk1">
+                    <a:alpha val="40000"/>
+                  </a:schemeClr>
+                </a:outerShdw>
+              </a:effectLst>
+              <a:latin typeface="Arial" panose="020B0604020202020204" pitchFamily="34" charset="0"/>
+              <a:cs typeface="Arial" panose="020B0604020202020204" pitchFamily="34" charset="0"/>
+            </a:endParaRPr>
+          </a:p>
+        </p:txBody>
+      </p:sp>
+      <p:sp>
+        <p:nvSpPr>
+          <p:cNvPr id="11" name="Rectangle 10"/>
+          <p:cNvSpPr/>
+          <p:nvPr/>
+        </p:nvSpPr>
+        <p:spPr>
+          <a:xfrm>
+            <a:off x="3509754" y="1790299"/>
+            <a:ext cx="2050181" cy="914400"/>
+          </a:xfrm>
+          <a:prstGeom prst="rect">
+            <a:avLst/>
+          </a:prstGeom>
+        </p:spPr>
+        <p:style>
+          <a:lnRef idx="2">
+            <a:schemeClr val="dk1"/>
+          </a:lnRef>
+          <a:fillRef idx="1">
+            <a:schemeClr val="lt1"/>
+          </a:fillRef>
+          <a:effectRef idx="0">
+            <a:schemeClr val="dk1"/>
+          </a:effectRef>
+          <a:fontRef idx="minor">
+            <a:schemeClr val="dk1"/>
+          </a:fontRef>
+        </p:style>
+        <p:txBody>
+          <a:bodyPr rtlCol="0" anchor="ctr"/>
+          <a:lstStyle/>
+          <a:p>
+            <a:pPr algn="ctr"/>
+            <a:r>
+              <a:rPr lang="en-US" sz="2000" dirty="0" smtClean="0">
+                <a:ln w="0"/>
+                <a:solidFill>
+                  <a:schemeClr val="tx1"/>
+                </a:solidFill>
+                <a:effectLst>
+                  <a:outerShdw blurRad="38100" dist="19050" dir="2700000" algn="tl" rotWithShape="0">
+                    <a:schemeClr val="dk1">
+                      <a:alpha val="40000"/>
+                    </a:schemeClr>
+                  </a:outerShdw>
+                </a:effectLst>
+                <a:latin typeface="Arial" panose="020B0604020202020204" pitchFamily="34" charset="0"/>
+                <a:cs typeface="Arial" panose="020B0604020202020204" pitchFamily="34" charset="0"/>
+              </a:rPr>
+              <a:t>Visual Sensor</a:t>
+            </a:r>
+            <a:endParaRPr lang="en-US" sz="2000" dirty="0">
+              <a:ln w="0"/>
+              <a:solidFill>
+                <a:schemeClr val="tx1"/>
+              </a:solidFill>
+              <a:effectLst>
+                <a:outerShdw blurRad="38100" dist="19050" dir="2700000" algn="tl" rotWithShape="0">
+                  <a:schemeClr val="dk1">
+                    <a:alpha val="40000"/>
+                  </a:schemeClr>
+                </a:outerShdw>
+              </a:effectLst>
+              <a:latin typeface="Arial" panose="020B0604020202020204" pitchFamily="34" charset="0"/>
+              <a:cs typeface="Arial" panose="020B0604020202020204" pitchFamily="34" charset="0"/>
+            </a:endParaRPr>
+          </a:p>
+        </p:txBody>
+      </p:sp>
+      <p:sp>
+        <p:nvSpPr>
+          <p:cNvPr id="12" name="Rectangle 11"/>
+          <p:cNvSpPr/>
+          <p:nvPr/>
+        </p:nvSpPr>
+        <p:spPr>
+          <a:xfrm>
+            <a:off x="3517775" y="3473118"/>
+            <a:ext cx="2050181" cy="914400"/>
+          </a:xfrm>
+          <a:prstGeom prst="rect">
+            <a:avLst/>
+          </a:prstGeom>
+        </p:spPr>
+        <p:style>
+          <a:lnRef idx="2">
+            <a:schemeClr val="dk1"/>
+          </a:lnRef>
+          <a:fillRef idx="1">
+            <a:schemeClr val="lt1"/>
+          </a:fillRef>
+          <a:effectRef idx="0">
+            <a:schemeClr val="dk1"/>
+          </a:effectRef>
+          <a:fontRef idx="minor">
+            <a:schemeClr val="dk1"/>
+          </a:fontRef>
+        </p:style>
+        <p:txBody>
+          <a:bodyPr rtlCol="0" anchor="ctr"/>
+          <a:lstStyle/>
+          <a:p>
+            <a:pPr algn="ctr"/>
+            <a:r>
+              <a:rPr lang="en-US" sz="2000" dirty="0" smtClean="0">
+                <a:ln w="0"/>
+                <a:solidFill>
+                  <a:schemeClr val="tx1"/>
+                </a:solidFill>
+                <a:effectLst>
+                  <a:outerShdw blurRad="38100" dist="19050" dir="2700000" algn="tl" rotWithShape="0">
+                    <a:schemeClr val="dk1">
+                      <a:alpha val="40000"/>
+                    </a:schemeClr>
+                  </a:outerShdw>
+                </a:effectLst>
+                <a:latin typeface="Arial" panose="020B0604020202020204" pitchFamily="34" charset="0"/>
+                <a:cs typeface="Arial" panose="020B0604020202020204" pitchFamily="34" charset="0"/>
+              </a:rPr>
+              <a:t>On-board Computer</a:t>
+            </a:r>
+            <a:endParaRPr lang="en-US" sz="2000" dirty="0">
+              <a:ln w="0"/>
+              <a:solidFill>
+                <a:schemeClr val="tx1"/>
+              </a:solidFill>
+              <a:effectLst>
+                <a:outerShdw blurRad="38100" dist="19050" dir="2700000" algn="tl" rotWithShape="0">
+                  <a:schemeClr val="dk1">
+                    <a:alpha val="40000"/>
+                  </a:schemeClr>
+                </a:outerShdw>
+              </a:effectLst>
+              <a:latin typeface="Arial" panose="020B0604020202020204" pitchFamily="34" charset="0"/>
+              <a:cs typeface="Arial" panose="020B0604020202020204" pitchFamily="34" charset="0"/>
+            </a:endParaRPr>
+          </a:p>
+        </p:txBody>
+      </p:sp>
+      <p:sp>
+        <p:nvSpPr>
+          <p:cNvPr id="13" name="Rectangle 12"/>
+          <p:cNvSpPr/>
+          <p:nvPr/>
+        </p:nvSpPr>
+        <p:spPr>
+          <a:xfrm>
+            <a:off x="3517772" y="5022784"/>
+            <a:ext cx="2050181" cy="914400"/>
+          </a:xfrm>
+          <a:prstGeom prst="rect">
+            <a:avLst/>
+          </a:prstGeom>
+        </p:spPr>
+        <p:style>
+          <a:lnRef idx="2">
+            <a:schemeClr val="dk1"/>
+          </a:lnRef>
+          <a:fillRef idx="1">
+            <a:schemeClr val="lt1"/>
+          </a:fillRef>
+          <a:effectRef idx="0">
+            <a:schemeClr val="dk1"/>
+          </a:effectRef>
+          <a:fontRef idx="minor">
+            <a:schemeClr val="dk1"/>
+          </a:fontRef>
+        </p:style>
+        <p:txBody>
+          <a:bodyPr rtlCol="0" anchor="ctr"/>
+          <a:lstStyle/>
+          <a:p>
+            <a:pPr algn="ctr"/>
+            <a:r>
+              <a:rPr lang="en-US" sz="2000" dirty="0" smtClean="0">
+                <a:ln w="0"/>
+                <a:solidFill>
+                  <a:schemeClr val="tx1"/>
+                </a:solidFill>
+                <a:effectLst>
+                  <a:outerShdw blurRad="38100" dist="19050" dir="2700000" algn="tl" rotWithShape="0">
+                    <a:schemeClr val="dk1">
+                      <a:alpha val="40000"/>
+                    </a:schemeClr>
+                  </a:outerShdw>
+                </a:effectLst>
+                <a:latin typeface="Arial" panose="020B0604020202020204" pitchFamily="34" charset="0"/>
+                <a:cs typeface="Arial" panose="020B0604020202020204" pitchFamily="34" charset="0"/>
+              </a:rPr>
+              <a:t>Motors </a:t>
+            </a:r>
+            <a:endParaRPr lang="en-US" sz="2000" dirty="0">
+              <a:ln w="0"/>
+              <a:solidFill>
+                <a:schemeClr val="tx1"/>
+              </a:solidFill>
+              <a:effectLst>
+                <a:outerShdw blurRad="38100" dist="19050" dir="2700000" algn="tl" rotWithShape="0">
+                  <a:schemeClr val="dk1">
+                    <a:alpha val="40000"/>
+                  </a:schemeClr>
+                </a:outerShdw>
+              </a:effectLst>
+              <a:latin typeface="Arial" panose="020B0604020202020204" pitchFamily="34" charset="0"/>
+              <a:cs typeface="Arial" panose="020B0604020202020204" pitchFamily="34" charset="0"/>
+            </a:endParaRPr>
+          </a:p>
+        </p:txBody>
+      </p:sp>
+      <p:sp>
+        <p:nvSpPr>
+          <p:cNvPr id="14" name="Rectangle 13"/>
+          <p:cNvSpPr/>
+          <p:nvPr/>
+        </p:nvSpPr>
+        <p:spPr>
+          <a:xfrm>
+            <a:off x="6655468" y="3473118"/>
+            <a:ext cx="2050181" cy="914400"/>
+          </a:xfrm>
+          <a:prstGeom prst="rect">
+            <a:avLst/>
+          </a:prstGeom>
+        </p:spPr>
+        <p:style>
+          <a:lnRef idx="2">
+            <a:schemeClr val="dk1"/>
+          </a:lnRef>
+          <a:fillRef idx="1">
+            <a:schemeClr val="lt1"/>
+          </a:fillRef>
+          <a:effectRef idx="0">
+            <a:schemeClr val="dk1"/>
+          </a:effectRef>
+          <a:fontRef idx="minor">
+            <a:schemeClr val="dk1"/>
+          </a:fontRef>
+        </p:style>
+        <p:txBody>
+          <a:bodyPr rtlCol="0" anchor="ctr"/>
+          <a:lstStyle/>
+          <a:p>
+            <a:pPr algn="ctr"/>
+            <a:r>
+              <a:rPr lang="en-US" sz="2000" dirty="0" smtClean="0">
+                <a:ln w="0"/>
+                <a:solidFill>
+                  <a:schemeClr val="tx1"/>
+                </a:solidFill>
+                <a:effectLst>
+                  <a:outerShdw blurRad="38100" dist="19050" dir="2700000" algn="tl" rotWithShape="0">
+                    <a:schemeClr val="dk1">
+                      <a:alpha val="40000"/>
+                    </a:schemeClr>
+                  </a:outerShdw>
+                </a:effectLst>
+                <a:latin typeface="Arial" panose="020B0604020202020204" pitchFamily="34" charset="0"/>
+                <a:cs typeface="Arial" panose="020B0604020202020204" pitchFamily="34" charset="0"/>
+              </a:rPr>
+              <a:t>Transmitter/</a:t>
+            </a:r>
+          </a:p>
+          <a:p>
+            <a:pPr algn="ctr"/>
+            <a:r>
+              <a:rPr lang="en-US" sz="2000" dirty="0" smtClean="0">
+                <a:ln w="0"/>
+                <a:solidFill>
+                  <a:schemeClr val="tx1"/>
+                </a:solidFill>
+                <a:effectLst>
+                  <a:outerShdw blurRad="38100" dist="19050" dir="2700000" algn="tl" rotWithShape="0">
+                    <a:schemeClr val="dk1">
+                      <a:alpha val="40000"/>
+                    </a:schemeClr>
+                  </a:outerShdw>
+                </a:effectLst>
+                <a:latin typeface="Arial" panose="020B0604020202020204" pitchFamily="34" charset="0"/>
+                <a:cs typeface="Arial" panose="020B0604020202020204" pitchFamily="34" charset="0"/>
+              </a:rPr>
+              <a:t>Receiver </a:t>
+            </a:r>
+            <a:endParaRPr lang="en-US" sz="2000" dirty="0">
+              <a:ln w="0"/>
+              <a:solidFill>
+                <a:schemeClr val="tx1"/>
+              </a:solidFill>
+              <a:effectLst>
+                <a:outerShdw blurRad="38100" dist="19050" dir="2700000" algn="tl" rotWithShape="0">
+                  <a:schemeClr val="dk1">
+                    <a:alpha val="40000"/>
+                  </a:schemeClr>
+                </a:outerShdw>
+              </a:effectLst>
+              <a:latin typeface="Arial" panose="020B0604020202020204" pitchFamily="34" charset="0"/>
+              <a:cs typeface="Arial" panose="020B0604020202020204" pitchFamily="34" charset="0"/>
+            </a:endParaRPr>
+          </a:p>
+        </p:txBody>
+      </p:sp>
+      <p:cxnSp>
+        <p:nvCxnSpPr>
+          <p:cNvPr id="19" name="Straight Arrow Connector 18"/>
+          <p:cNvCxnSpPr>
+            <a:stCxn id="11" idx="2"/>
+            <a:endCxn id="12" idx="0"/>
+          </p:cNvCxnSpPr>
+          <p:nvPr/>
+        </p:nvCxnSpPr>
+        <p:spPr>
+          <a:xfrm>
+            <a:off x="4534845" y="2704699"/>
+            <a:ext cx="8021" cy="768419"/>
+          </a:xfrm>
+          <a:prstGeom prst="straightConnector1">
+            <a:avLst/>
+          </a:prstGeom>
+          <a:ln>
+            <a:tailEnd type="triangle"/>
+          </a:ln>
+        </p:spPr>
+        <p:style>
+          <a:lnRef idx="2">
+            <a:schemeClr val="dk1"/>
+          </a:lnRef>
+          <a:fillRef idx="0">
+            <a:schemeClr val="dk1"/>
+          </a:fillRef>
+          <a:effectRef idx="1">
+            <a:schemeClr val="dk1"/>
+          </a:effectRef>
+          <a:fontRef idx="minor">
+            <a:schemeClr val="tx1"/>
+          </a:fontRef>
+        </p:style>
+      </p:cxnSp>
+      <p:cxnSp>
+        <p:nvCxnSpPr>
+          <p:cNvPr id="21" name="Straight Arrow Connector 20"/>
+          <p:cNvCxnSpPr/>
+          <p:nvPr/>
+        </p:nvCxnSpPr>
+        <p:spPr>
+          <a:xfrm>
+            <a:off x="5559935" y="3686476"/>
+            <a:ext cx="1095533" cy="0"/>
+          </a:xfrm>
+          <a:prstGeom prst="straightConnector1">
+            <a:avLst/>
+          </a:prstGeom>
+          <a:ln>
+            <a:tailEnd type="triangle"/>
+          </a:ln>
+        </p:spPr>
+        <p:style>
+          <a:lnRef idx="2">
+            <a:schemeClr val="dk1"/>
+          </a:lnRef>
+          <a:fillRef idx="0">
+            <a:schemeClr val="dk1"/>
+          </a:fillRef>
+          <a:effectRef idx="1">
+            <a:schemeClr val="dk1"/>
+          </a:effectRef>
+          <a:fontRef idx="minor">
+            <a:schemeClr val="tx1"/>
+          </a:fontRef>
+        </p:style>
+      </p:cxnSp>
+      <p:cxnSp>
+        <p:nvCxnSpPr>
+          <p:cNvPr id="23" name="Straight Arrow Connector 22"/>
+          <p:cNvCxnSpPr/>
+          <p:nvPr/>
+        </p:nvCxnSpPr>
+        <p:spPr>
+          <a:xfrm flipH="1">
+            <a:off x="5559936" y="4158114"/>
+            <a:ext cx="1095532" cy="0"/>
+          </a:xfrm>
+          <a:prstGeom prst="straightConnector1">
+            <a:avLst/>
+          </a:prstGeom>
+          <a:ln>
+            <a:tailEnd type="triangle"/>
+          </a:ln>
+        </p:spPr>
+        <p:style>
+          <a:lnRef idx="2">
+            <a:schemeClr val="dk1"/>
+          </a:lnRef>
+          <a:fillRef idx="0">
+            <a:schemeClr val="dk1"/>
+          </a:fillRef>
+          <a:effectRef idx="1">
+            <a:schemeClr val="dk1"/>
+          </a:effectRef>
+          <a:fontRef idx="minor">
+            <a:schemeClr val="tx1"/>
+          </a:fontRef>
+        </p:style>
+      </p:cxnSp>
+      <p:cxnSp>
+        <p:nvCxnSpPr>
+          <p:cNvPr id="25" name="Straight Arrow Connector 24"/>
+          <p:cNvCxnSpPr>
+            <a:stCxn id="12" idx="2"/>
+            <a:endCxn id="13" idx="0"/>
+          </p:cNvCxnSpPr>
+          <p:nvPr/>
+        </p:nvCxnSpPr>
+        <p:spPr>
+          <a:xfrm flipH="1">
+            <a:off x="4542863" y="4387518"/>
+            <a:ext cx="3" cy="635266"/>
+          </a:xfrm>
+          <a:prstGeom prst="straightConnector1">
+            <a:avLst/>
+          </a:prstGeom>
+          <a:ln>
+            <a:tailEnd type="triangle"/>
+          </a:ln>
+        </p:spPr>
+        <p:style>
+          <a:lnRef idx="2">
+            <a:schemeClr val="dk1"/>
+          </a:lnRef>
+          <a:fillRef idx="0">
+            <a:schemeClr val="dk1"/>
+          </a:fillRef>
+          <a:effectRef idx="1">
+            <a:schemeClr val="dk1"/>
+          </a:effectRef>
+          <a:fontRef idx="minor">
+            <a:schemeClr val="tx1"/>
+          </a:fontRef>
+        </p:style>
+      </p:cxnSp>
+      <p:sp>
+        <p:nvSpPr>
+          <p:cNvPr id="28" name="TextBox 27"/>
+          <p:cNvSpPr txBox="1"/>
+          <p:nvPr/>
+        </p:nvSpPr>
+        <p:spPr>
+          <a:xfrm>
+            <a:off x="5563326" y="2906816"/>
+            <a:ext cx="1319750" cy="738664"/>
+          </a:xfrm>
+          <a:prstGeom prst="rect">
+            <a:avLst/>
+          </a:prstGeom>
+          <a:noFill/>
+        </p:spPr>
+        <p:txBody>
+          <a:bodyPr wrap="square" rtlCol="0">
+            <a:spAutoFit/>
+          </a:bodyPr>
+          <a:lstStyle/>
+          <a:p>
+            <a:pPr algn="ctr"/>
+            <a:r>
+              <a:rPr lang="en-US" sz="1400" dirty="0" smtClean="0">
+                <a:latin typeface="Arial" panose="020B0604020202020204" pitchFamily="34" charset="0"/>
+                <a:cs typeface="Arial" panose="020B0604020202020204" pitchFamily="34" charset="0"/>
+              </a:rPr>
+              <a:t>Sensor Data, Map, Position,</a:t>
+            </a:r>
+          </a:p>
+          <a:p>
+            <a:r>
+              <a:rPr lang="en-US" sz="1400" dirty="0" smtClean="0">
+                <a:latin typeface="Arial" panose="020B0604020202020204" pitchFamily="34" charset="0"/>
+                <a:cs typeface="Arial" panose="020B0604020202020204" pitchFamily="34" charset="0"/>
+              </a:rPr>
+              <a:t>Commands </a:t>
+            </a:r>
+            <a:endParaRPr lang="en-US" sz="1400" dirty="0">
+              <a:latin typeface="Arial" panose="020B0604020202020204" pitchFamily="34" charset="0"/>
+              <a:cs typeface="Arial" panose="020B0604020202020204" pitchFamily="34" charset="0"/>
+            </a:endParaRPr>
+          </a:p>
+        </p:txBody>
+      </p:sp>
+      <p:sp>
+        <p:nvSpPr>
+          <p:cNvPr id="29" name="TextBox 28"/>
+          <p:cNvSpPr txBox="1"/>
+          <p:nvPr/>
+        </p:nvSpPr>
+        <p:spPr>
+          <a:xfrm>
+            <a:off x="5548084" y="4368707"/>
+            <a:ext cx="1319750" cy="954107"/>
+          </a:xfrm>
+          <a:prstGeom prst="rect">
+            <a:avLst/>
+          </a:prstGeom>
+          <a:noFill/>
+        </p:spPr>
+        <p:txBody>
+          <a:bodyPr wrap="square" rtlCol="0">
+            <a:spAutoFit/>
+          </a:bodyPr>
+          <a:lstStyle/>
+          <a:p>
+            <a:pPr algn="ctr"/>
+            <a:r>
+              <a:rPr lang="en-US" sz="1400" dirty="0" smtClean="0">
+                <a:latin typeface="Arial" panose="020B0604020202020204" pitchFamily="34" charset="0"/>
+                <a:cs typeface="Arial" panose="020B0604020202020204" pitchFamily="34" charset="0"/>
+              </a:rPr>
+              <a:t>Position of quad, camera data from quad, </a:t>
+            </a:r>
+            <a:endParaRPr lang="en-US" sz="1400" dirty="0">
+              <a:latin typeface="Arial" panose="020B0604020202020204" pitchFamily="34" charset="0"/>
+              <a:cs typeface="Arial" panose="020B0604020202020204" pitchFamily="34" charset="0"/>
+            </a:endParaRPr>
+          </a:p>
+        </p:txBody>
+      </p:sp>
+      <p:sp>
+        <p:nvSpPr>
+          <p:cNvPr id="30" name="TextBox 29"/>
+          <p:cNvSpPr txBox="1"/>
+          <p:nvPr/>
+        </p:nvSpPr>
+        <p:spPr>
+          <a:xfrm>
+            <a:off x="3282215" y="4387518"/>
+            <a:ext cx="1289785" cy="523220"/>
+          </a:xfrm>
+          <a:prstGeom prst="rect">
+            <a:avLst/>
+          </a:prstGeom>
+          <a:noFill/>
+        </p:spPr>
+        <p:txBody>
+          <a:bodyPr wrap="square" rtlCol="0">
+            <a:spAutoFit/>
+          </a:bodyPr>
+          <a:lstStyle/>
+          <a:p>
+            <a:pPr algn="ctr"/>
+            <a:r>
+              <a:rPr lang="en-US" sz="1400" dirty="0" smtClean="0">
+                <a:latin typeface="Arial" panose="020B0604020202020204" pitchFamily="34" charset="0"/>
+                <a:cs typeface="Arial" panose="020B0604020202020204" pitchFamily="34" charset="0"/>
+              </a:rPr>
+              <a:t>Motor Commands</a:t>
+            </a:r>
+            <a:endParaRPr lang="en-US" sz="1400" dirty="0">
+              <a:latin typeface="Arial" panose="020B0604020202020204" pitchFamily="34" charset="0"/>
+              <a:cs typeface="Arial" panose="020B0604020202020204" pitchFamily="34" charset="0"/>
+            </a:endParaRPr>
+          </a:p>
+        </p:txBody>
+      </p:sp>
+      <p:sp>
+        <p:nvSpPr>
+          <p:cNvPr id="31" name="TextBox 30"/>
+          <p:cNvSpPr txBox="1"/>
+          <p:nvPr/>
+        </p:nvSpPr>
+        <p:spPr>
+          <a:xfrm>
+            <a:off x="1973049" y="3402116"/>
+            <a:ext cx="1289785" cy="523220"/>
+          </a:xfrm>
+          <a:prstGeom prst="rect">
+            <a:avLst/>
+          </a:prstGeom>
+          <a:noFill/>
+        </p:spPr>
+        <p:txBody>
+          <a:bodyPr wrap="square" rtlCol="0">
+            <a:spAutoFit/>
+          </a:bodyPr>
+          <a:lstStyle/>
+          <a:p>
+            <a:pPr algn="ctr"/>
+            <a:r>
+              <a:rPr lang="en-US" sz="1400" dirty="0" smtClean="0">
+                <a:latin typeface="Arial" panose="020B0604020202020204" pitchFamily="34" charset="0"/>
+                <a:cs typeface="Arial" panose="020B0604020202020204" pitchFamily="34" charset="0"/>
+              </a:rPr>
+              <a:t>Sensor</a:t>
+            </a:r>
+          </a:p>
+          <a:p>
+            <a:pPr algn="ctr"/>
+            <a:r>
+              <a:rPr lang="en-US" sz="1400" dirty="0" smtClean="0">
+                <a:latin typeface="Arial" panose="020B0604020202020204" pitchFamily="34" charset="0"/>
+                <a:cs typeface="Arial" panose="020B0604020202020204" pitchFamily="34" charset="0"/>
+              </a:rPr>
+              <a:t>Data</a:t>
+            </a:r>
+            <a:endParaRPr lang="en-US" sz="1400" dirty="0">
+              <a:latin typeface="Arial" panose="020B0604020202020204" pitchFamily="34" charset="0"/>
+              <a:cs typeface="Arial" panose="020B0604020202020204" pitchFamily="34" charset="0"/>
+            </a:endParaRPr>
+          </a:p>
+        </p:txBody>
+      </p:sp>
+      <p:sp>
+        <p:nvSpPr>
+          <p:cNvPr id="32" name="TextBox 31"/>
+          <p:cNvSpPr txBox="1"/>
+          <p:nvPr/>
+        </p:nvSpPr>
+        <p:spPr>
+          <a:xfrm>
+            <a:off x="3479107" y="2868316"/>
+            <a:ext cx="1289785" cy="523220"/>
+          </a:xfrm>
+          <a:prstGeom prst="rect">
+            <a:avLst/>
+          </a:prstGeom>
+          <a:noFill/>
+        </p:spPr>
+        <p:txBody>
+          <a:bodyPr wrap="square" rtlCol="0">
+            <a:spAutoFit/>
+          </a:bodyPr>
+          <a:lstStyle/>
+          <a:p>
+            <a:pPr algn="ctr"/>
+            <a:r>
+              <a:rPr lang="en-US" sz="1400" dirty="0" smtClean="0">
+                <a:latin typeface="Arial" panose="020B0604020202020204" pitchFamily="34" charset="0"/>
+                <a:cs typeface="Arial" panose="020B0604020202020204" pitchFamily="34" charset="0"/>
+              </a:rPr>
+              <a:t>Camera</a:t>
+            </a:r>
+          </a:p>
+          <a:p>
+            <a:pPr algn="ctr"/>
+            <a:r>
+              <a:rPr lang="en-US" sz="1400" dirty="0" smtClean="0">
+                <a:latin typeface="Arial" panose="020B0604020202020204" pitchFamily="34" charset="0"/>
+                <a:cs typeface="Arial" panose="020B0604020202020204" pitchFamily="34" charset="0"/>
+              </a:rPr>
+              <a:t>Data</a:t>
+            </a:r>
+            <a:endParaRPr lang="en-US" sz="1400" dirty="0">
+              <a:latin typeface="Arial" panose="020B0604020202020204" pitchFamily="34" charset="0"/>
+              <a:cs typeface="Arial" panose="020B0604020202020204" pitchFamily="34" charset="0"/>
+            </a:endParaRPr>
+          </a:p>
+        </p:txBody>
+      </p:sp>
+      <p:cxnSp>
+        <p:nvCxnSpPr>
+          <p:cNvPr id="3" name="Elbow Connector 2"/>
+          <p:cNvCxnSpPr>
+            <a:stCxn id="10" idx="2"/>
+            <a:endCxn id="12" idx="1"/>
+          </p:cNvCxnSpPr>
+          <p:nvPr/>
+        </p:nvCxnSpPr>
+        <p:spPr>
+          <a:xfrm rot="16200000" flipH="1">
+            <a:off x="2005133" y="2417675"/>
+            <a:ext cx="1225619" cy="1799666"/>
+          </a:xfrm>
+          <a:prstGeom prst="bentConnector2">
+            <a:avLst/>
+          </a:prstGeom>
+          <a:ln>
+            <a:tailEnd type="triangle"/>
+          </a:ln>
+        </p:spPr>
+        <p:style>
+          <a:lnRef idx="2">
+            <a:schemeClr val="dk1"/>
+          </a:lnRef>
+          <a:fillRef idx="0">
+            <a:schemeClr val="dk1"/>
+          </a:fillRef>
+          <a:effectRef idx="1">
+            <a:schemeClr val="dk1"/>
+          </a:effectRef>
+          <a:fontRef idx="minor">
+            <a:schemeClr val="tx1"/>
+          </a:fontRef>
+        </p:style>
+      </p:cxnSp>
+    </p:spTree>
+    <p:extLst>
+      <p:ext uri="{BB962C8B-B14F-4D97-AF65-F5344CB8AC3E}">
+        <p14:creationId xmlns:p14="http://schemas.microsoft.com/office/powerpoint/2010/main" val="3347893258"/>
+      </p:ext>
+    </p:extLst>
+  </p:cSld>
+  <p:clrMapOvr>
+    <a:masterClrMapping/>
+  </p:clrMapOvr>
+  <mc:AlternateContent xmlns:mc="http://schemas.openxmlformats.org/markup-compatibility/2006">
+    <mc:Choice xmlns:p14="http://schemas.microsoft.com/office/powerpoint/2010/main" Requires="p14">
+      <p:transition spd="slow" p14:dur="2000"/>
+    </mc:Choice>
+    <mc:Fallback>
+      <p:transition spd="slow"/>
+    </mc:Fallback>
+  </mc:AlternateContent>
+  <p:timing>
+    <p:tnLst>
+      <p:par>
+        <p:cTn id="1" dur="indefinite" restart="never" nodeType="tmRoot"/>
+      </p:par>
+    </p:tnLst>
+  </p:timing>
+</p:sld>
+</file>
+
+<file path=ppt/slides/slide9.xml><?xml version="1.0" encoding="utf-8"?>
+<p:sld xmlns:a="http://schemas.openxmlformats.org/drawingml/2006/main" xmlns:r="http://schemas.openxmlformats.org/officeDocument/2006/relationships" xmlns:p="http://schemas.openxmlformats.org/presentationml/2006/main">
+  <p:cSld>
+    <p:spTree>
+      <p:nvGrpSpPr>
+        <p:cNvPr id="1" name=""/>
+        <p:cNvGrpSpPr/>
+        <p:nvPr/>
+      </p:nvGrpSpPr>
+      <p:grpSpPr>
+        <a:xfrm>
+          <a:off x="0" y="0"/>
+          <a:ext cx="0" cy="0"/>
+          <a:chOff x="0" y="0"/>
+          <a:chExt cx="0" cy="0"/>
+        </a:xfrm>
+      </p:grpSpPr>
+      <p:sp>
+        <p:nvSpPr>
+          <p:cNvPr id="4" name="Rounded Rectangle 3"/>
+          <p:cNvSpPr/>
+          <p:nvPr/>
+        </p:nvSpPr>
+        <p:spPr>
+          <a:xfrm>
+            <a:off x="3234088" y="2666188"/>
+            <a:ext cx="2791327" cy="3301466"/>
+          </a:xfrm>
+          <a:prstGeom prst="roundRect">
+            <a:avLst/>
+          </a:prstGeom>
+        </p:spPr>
+        <p:style>
+          <a:lnRef idx="2">
+            <a:schemeClr val="dk1"/>
+          </a:lnRef>
+          <a:fillRef idx="1">
+            <a:schemeClr val="lt1"/>
+          </a:fillRef>
+          <a:effectRef idx="0">
+            <a:schemeClr val="dk1"/>
+          </a:effectRef>
+          <a:fontRef idx="minor">
+            <a:schemeClr val="dk1"/>
+          </a:fontRef>
+        </p:style>
+        <p:txBody>
+          <a:bodyPr rtlCol="0" anchor="ctr"/>
+          <a:lstStyle/>
+          <a:p>
+            <a:endParaRPr lang="en-US" sz="2000" b="1" dirty="0" smtClean="0"/>
+          </a:p>
+          <a:p>
+            <a:endParaRPr lang="en-US" sz="2000" b="1" dirty="0"/>
+          </a:p>
+          <a:p>
+            <a:endParaRPr lang="en-US" sz="2000" b="1" dirty="0" smtClean="0"/>
+          </a:p>
+          <a:p>
+            <a:endParaRPr lang="en-US" sz="2000" b="1" dirty="0"/>
+          </a:p>
+          <a:p>
+            <a:endParaRPr lang="en-US" sz="2000" b="1" dirty="0" smtClean="0"/>
+          </a:p>
+          <a:p>
+            <a:endParaRPr lang="en-US" sz="2000" b="1" dirty="0"/>
+          </a:p>
+          <a:p>
+            <a:endParaRPr lang="en-US" sz="2000" b="1" dirty="0" smtClean="0"/>
+          </a:p>
+          <a:p>
+            <a:r>
+              <a:rPr lang="en-US" sz="2000" b="1" dirty="0" smtClean="0"/>
+              <a:t>On-board Computer</a:t>
+            </a:r>
+          </a:p>
+          <a:p>
+            <a:pPr marL="285750" indent="-285750">
+              <a:buFont typeface="Arial" panose="020B0604020202020204" pitchFamily="34" charset="0"/>
+              <a:buChar char="•"/>
+            </a:pPr>
+            <a:r>
+              <a:rPr lang="en-US" dirty="0" smtClean="0"/>
+              <a:t>Ubuntu 14.04</a:t>
+            </a:r>
+          </a:p>
+          <a:p>
+            <a:pPr marL="285750" indent="-285750">
+              <a:buFont typeface="Arial" panose="020B0604020202020204" pitchFamily="34" charset="0"/>
+              <a:buChar char="•"/>
+            </a:pPr>
+            <a:r>
+              <a:rPr lang="en-US" dirty="0" smtClean="0"/>
+              <a:t>Runs </a:t>
+            </a:r>
+            <a:r>
+              <a:rPr lang="en-US" dirty="0" err="1" smtClean="0"/>
+              <a:t>Hector_Slam</a:t>
+            </a:r>
+            <a:r>
+              <a:rPr lang="en-US" dirty="0" smtClean="0"/>
+              <a:t> algorithms</a:t>
+            </a:r>
+          </a:p>
+          <a:p>
+            <a:pPr marL="285750" indent="-285750">
+              <a:buFont typeface="Arial" panose="020B0604020202020204" pitchFamily="34" charset="0"/>
+              <a:buChar char="•"/>
+            </a:pPr>
+            <a:r>
+              <a:rPr lang="en-US" dirty="0" smtClean="0"/>
+              <a:t>Runs path planning algorithms for the ground and aerial robot</a:t>
+            </a:r>
+          </a:p>
+          <a:p>
+            <a:pPr marL="285750" indent="-285750">
+              <a:buFont typeface="Arial" panose="020B0604020202020204" pitchFamily="34" charset="0"/>
+              <a:buChar char="•"/>
+            </a:pPr>
+            <a:r>
+              <a:rPr lang="en-US" dirty="0" smtClean="0"/>
+              <a:t>Processes data from Quadcopter</a:t>
+            </a:r>
+          </a:p>
+          <a:p>
+            <a:endParaRPr lang="en-US" dirty="0"/>
+          </a:p>
+          <a:p>
+            <a:endParaRPr lang="en-US" dirty="0" smtClean="0"/>
+          </a:p>
+          <a:p>
+            <a:endParaRPr lang="en-US" dirty="0"/>
+          </a:p>
+          <a:p>
+            <a:endParaRPr lang="en-US" dirty="0" smtClean="0"/>
+          </a:p>
+          <a:p>
+            <a:endParaRPr lang="en-US" dirty="0"/>
+          </a:p>
+          <a:p>
+            <a:endParaRPr lang="en-US" dirty="0" smtClean="0"/>
+          </a:p>
+          <a:p>
+            <a:endParaRPr lang="en-US" dirty="0"/>
+          </a:p>
+          <a:p>
+            <a:endParaRPr lang="en-US" dirty="0"/>
+          </a:p>
+        </p:txBody>
+      </p:sp>
+      <p:sp>
+        <p:nvSpPr>
+          <p:cNvPr id="5" name="Rounded Rectangle 4"/>
+          <p:cNvSpPr/>
+          <p:nvPr/>
+        </p:nvSpPr>
+        <p:spPr>
+          <a:xfrm>
+            <a:off x="344905" y="955102"/>
+            <a:ext cx="2791327" cy="1734151"/>
+          </a:xfrm>
+          <a:prstGeom prst="roundRect">
+            <a:avLst/>
+          </a:prstGeom>
+        </p:spPr>
+        <p:style>
+          <a:lnRef idx="2">
+            <a:schemeClr val="dk1"/>
+          </a:lnRef>
+          <a:fillRef idx="1">
+            <a:schemeClr val="lt1"/>
+          </a:fillRef>
+          <a:effectRef idx="0">
+            <a:schemeClr val="dk1"/>
+          </a:effectRef>
+          <a:fontRef idx="minor">
+            <a:schemeClr val="dk1"/>
+          </a:fontRef>
+        </p:style>
+        <p:txBody>
+          <a:bodyPr rtlCol="0" anchor="ctr"/>
+          <a:lstStyle/>
+          <a:p>
+            <a:pPr marL="342900" indent="-342900">
+              <a:buFont typeface="Arial" panose="020B0604020202020204" pitchFamily="34" charset="0"/>
+              <a:buChar char="•"/>
+            </a:pPr>
+            <a:endParaRPr lang="en-US" sz="2000" b="1" dirty="0" smtClean="0"/>
+          </a:p>
+          <a:p>
+            <a:pPr marL="342900" indent="-342900">
+              <a:buFont typeface="Arial" panose="020B0604020202020204" pitchFamily="34" charset="0"/>
+              <a:buChar char="•"/>
+            </a:pPr>
+            <a:endParaRPr lang="en-US" sz="2000" b="1" dirty="0"/>
+          </a:p>
+          <a:p>
+            <a:pPr marL="342900" indent="-342900">
+              <a:buFont typeface="Arial" panose="020B0604020202020204" pitchFamily="34" charset="0"/>
+              <a:buChar char="•"/>
+            </a:pPr>
+            <a:endParaRPr lang="en-US" sz="2000" b="1" dirty="0" smtClean="0"/>
+          </a:p>
+          <a:p>
+            <a:pPr marL="342900" indent="-342900">
+              <a:buFont typeface="Arial" panose="020B0604020202020204" pitchFamily="34" charset="0"/>
+              <a:buChar char="•"/>
+            </a:pPr>
+            <a:endParaRPr lang="en-US" sz="2000" b="1" dirty="0"/>
+          </a:p>
+          <a:p>
+            <a:pPr marL="342900" indent="-342900">
+              <a:buFont typeface="Arial" panose="020B0604020202020204" pitchFamily="34" charset="0"/>
+              <a:buChar char="•"/>
+            </a:pPr>
+            <a:endParaRPr lang="en-US" sz="2000" b="1" dirty="0" smtClean="0"/>
+          </a:p>
+          <a:p>
+            <a:pPr marL="342900" indent="-342900">
+              <a:buFont typeface="Arial" panose="020B0604020202020204" pitchFamily="34" charset="0"/>
+              <a:buChar char="•"/>
+            </a:pPr>
+            <a:endParaRPr lang="en-US" sz="2000" b="1" dirty="0"/>
+          </a:p>
+          <a:p>
+            <a:pPr marL="342900" indent="-342900">
+              <a:buFont typeface="Arial" panose="020B0604020202020204" pitchFamily="34" charset="0"/>
+              <a:buChar char="•"/>
+            </a:pPr>
+            <a:endParaRPr lang="en-US" sz="2000" b="1" dirty="0" smtClean="0"/>
+          </a:p>
+          <a:p>
+            <a:pPr algn="ctr"/>
+            <a:r>
+              <a:rPr lang="en-US" sz="2000" b="1" dirty="0" smtClean="0"/>
+              <a:t>Ground Station</a:t>
+            </a:r>
+          </a:p>
+          <a:p>
+            <a:pPr marL="342900" indent="-342900">
+              <a:buFont typeface="Arial" panose="020B0604020202020204" pitchFamily="34" charset="0"/>
+              <a:buChar char="•"/>
+            </a:pPr>
+            <a:r>
+              <a:rPr lang="en-US" sz="2000" dirty="0" smtClean="0"/>
+              <a:t>Communicates between the on-board computer</a:t>
+            </a:r>
+          </a:p>
+          <a:p>
+            <a:pPr marL="285750" indent="-285750">
+              <a:buFont typeface="Arial" panose="020B0604020202020204" pitchFamily="34" charset="0"/>
+              <a:buChar char="•"/>
+            </a:pPr>
+            <a:endParaRPr lang="en-US" dirty="0"/>
+          </a:p>
+          <a:p>
+            <a:pPr marL="285750" indent="-285750">
+              <a:buFont typeface="Arial" panose="020B0604020202020204" pitchFamily="34" charset="0"/>
+              <a:buChar char="•"/>
+            </a:pPr>
+            <a:endParaRPr lang="en-US" dirty="0" smtClean="0"/>
+          </a:p>
+          <a:p>
+            <a:pPr marL="285750" indent="-285750">
+              <a:buFont typeface="Arial" panose="020B0604020202020204" pitchFamily="34" charset="0"/>
+              <a:buChar char="•"/>
+            </a:pPr>
+            <a:endParaRPr lang="en-US" dirty="0"/>
+          </a:p>
+          <a:p>
+            <a:pPr marL="285750" indent="-285750">
+              <a:buFont typeface="Arial" panose="020B0604020202020204" pitchFamily="34" charset="0"/>
+              <a:buChar char="•"/>
+            </a:pPr>
+            <a:endParaRPr lang="en-US" dirty="0" smtClean="0"/>
+          </a:p>
+          <a:p>
+            <a:pPr marL="285750" indent="-285750">
+              <a:buFont typeface="Arial" panose="020B0604020202020204" pitchFamily="34" charset="0"/>
+              <a:buChar char="•"/>
+            </a:pPr>
+            <a:endParaRPr lang="en-US" dirty="0"/>
+          </a:p>
+          <a:p>
+            <a:pPr marL="285750" indent="-285750">
+              <a:buFont typeface="Arial" panose="020B0604020202020204" pitchFamily="34" charset="0"/>
+              <a:buChar char="•"/>
+            </a:pPr>
+            <a:endParaRPr lang="en-US" dirty="0" smtClean="0"/>
+          </a:p>
+          <a:p>
+            <a:pPr marL="285750" indent="-285750">
+              <a:buFont typeface="Arial" panose="020B0604020202020204" pitchFamily="34" charset="0"/>
+              <a:buChar char="•"/>
+            </a:pPr>
+            <a:endParaRPr lang="en-US" dirty="0"/>
+          </a:p>
+          <a:p>
+            <a:pPr marL="285750" indent="-285750">
+              <a:buFont typeface="Arial" panose="020B0604020202020204" pitchFamily="34" charset="0"/>
+              <a:buChar char="•"/>
+            </a:pPr>
+            <a:endParaRPr lang="en-US" dirty="0"/>
+          </a:p>
+        </p:txBody>
+      </p:sp>
+      <p:sp>
+        <p:nvSpPr>
+          <p:cNvPr id="6" name="Rounded Rectangle 5"/>
+          <p:cNvSpPr/>
+          <p:nvPr/>
+        </p:nvSpPr>
+        <p:spPr>
+          <a:xfrm>
+            <a:off x="6198669" y="970942"/>
+            <a:ext cx="2820203" cy="1414914"/>
+          </a:xfrm>
+          <a:prstGeom prst="roundRect">
+            <a:avLst/>
+          </a:prstGeom>
+        </p:spPr>
+        <p:style>
+          <a:lnRef idx="2">
+            <a:schemeClr val="dk1"/>
+          </a:lnRef>
+          <a:fillRef idx="1">
+            <a:schemeClr val="lt1"/>
+          </a:fillRef>
+          <a:effectRef idx="0">
+            <a:schemeClr val="dk1"/>
+          </a:effectRef>
+          <a:fontRef idx="minor">
+            <a:schemeClr val="dk1"/>
+          </a:fontRef>
+        </p:style>
+        <p:txBody>
+          <a:bodyPr rtlCol="0" anchor="ctr"/>
+          <a:lstStyle/>
+          <a:p>
+            <a:endParaRPr lang="en-US" b="1" dirty="0" smtClean="0"/>
+          </a:p>
+          <a:p>
+            <a:pPr algn="ctr"/>
+            <a:r>
+              <a:rPr lang="en-US" b="1" dirty="0" smtClean="0"/>
+              <a:t>Aerial Robot</a:t>
+            </a:r>
+          </a:p>
+          <a:p>
+            <a:pPr marL="285750" indent="-285750">
+              <a:buFont typeface="Arial" panose="020B0604020202020204" pitchFamily="34" charset="0"/>
+              <a:buChar char="•"/>
+            </a:pPr>
+            <a:r>
+              <a:rPr lang="en-US" dirty="0" smtClean="0"/>
+              <a:t>Current position</a:t>
+            </a:r>
+          </a:p>
+          <a:p>
+            <a:pPr marL="285750" indent="-285750">
+              <a:buFont typeface="Arial" panose="020B0604020202020204" pitchFamily="34" charset="0"/>
+              <a:buChar char="•"/>
+            </a:pPr>
+            <a:r>
+              <a:rPr lang="en-US" dirty="0" smtClean="0"/>
+              <a:t>Location of target (if found)</a:t>
+            </a:r>
+          </a:p>
+          <a:p>
+            <a:endParaRPr lang="en-US" dirty="0" smtClean="0"/>
+          </a:p>
+        </p:txBody>
+      </p:sp>
+      <p:sp>
+        <p:nvSpPr>
+          <p:cNvPr id="8" name="Rounded Rectangle 7"/>
+          <p:cNvSpPr/>
+          <p:nvPr/>
+        </p:nvSpPr>
+        <p:spPr>
+          <a:xfrm>
+            <a:off x="344905" y="5396556"/>
+            <a:ext cx="2569946" cy="1302618"/>
+          </a:xfrm>
+          <a:prstGeom prst="roundRect">
+            <a:avLst/>
+          </a:prstGeom>
+        </p:spPr>
+        <p:style>
+          <a:lnRef idx="2">
+            <a:schemeClr val="dk1"/>
+          </a:lnRef>
+          <a:fillRef idx="1">
+            <a:schemeClr val="lt1"/>
+          </a:fillRef>
+          <a:effectRef idx="0">
+            <a:schemeClr val="dk1"/>
+          </a:effectRef>
+          <a:fontRef idx="minor">
+            <a:schemeClr val="dk1"/>
+          </a:fontRef>
+        </p:style>
+        <p:txBody>
+          <a:bodyPr rtlCol="0" anchor="ctr"/>
+          <a:lstStyle/>
+          <a:p>
+            <a:pPr marL="342900" indent="-342900">
+              <a:buFont typeface="Arial" panose="020B0604020202020204" pitchFamily="34" charset="0"/>
+              <a:buChar char="•"/>
+            </a:pPr>
+            <a:endParaRPr lang="en-US" sz="2000" b="1" dirty="0" smtClean="0"/>
+          </a:p>
+          <a:p>
+            <a:pPr marL="342900" indent="-342900">
+              <a:buFont typeface="Arial" panose="020B0604020202020204" pitchFamily="34" charset="0"/>
+              <a:buChar char="•"/>
+            </a:pPr>
+            <a:endParaRPr lang="en-US" sz="2000" b="1" dirty="0"/>
+          </a:p>
+          <a:p>
+            <a:endParaRPr lang="en-US" sz="2000" b="1" dirty="0" smtClean="0"/>
+          </a:p>
+          <a:p>
+            <a:pPr marL="342900" indent="-342900">
+              <a:buFont typeface="Arial" panose="020B0604020202020204" pitchFamily="34" charset="0"/>
+              <a:buChar char="•"/>
+            </a:pPr>
+            <a:endParaRPr lang="en-US" sz="2000" b="1" dirty="0"/>
+          </a:p>
+          <a:p>
+            <a:pPr marL="342900" indent="-342900">
+              <a:buFont typeface="Arial" panose="020B0604020202020204" pitchFamily="34" charset="0"/>
+              <a:buChar char="•"/>
+            </a:pPr>
+            <a:endParaRPr lang="en-US" sz="2000" b="1" dirty="0" smtClean="0"/>
+          </a:p>
+          <a:p>
+            <a:pPr marL="342900" indent="-342900">
+              <a:buFont typeface="Arial" panose="020B0604020202020204" pitchFamily="34" charset="0"/>
+              <a:buChar char="•"/>
+            </a:pPr>
+            <a:endParaRPr lang="en-US" sz="2000" b="1" dirty="0"/>
+          </a:p>
+          <a:p>
+            <a:pPr marL="342900" indent="-342900">
+              <a:buFont typeface="Arial" panose="020B0604020202020204" pitchFamily="34" charset="0"/>
+              <a:buChar char="•"/>
+            </a:pPr>
+            <a:endParaRPr lang="en-US" sz="2000" b="1" dirty="0" smtClean="0"/>
+          </a:p>
+          <a:p>
+            <a:pPr algn="ctr"/>
+            <a:r>
+              <a:rPr lang="en-US" sz="2000" b="1" dirty="0" smtClean="0"/>
+              <a:t>Hokuyo Laser Scanner</a:t>
+            </a:r>
+          </a:p>
+          <a:p>
+            <a:pPr marL="342900" indent="-342900">
+              <a:buFont typeface="Arial" panose="020B0604020202020204" pitchFamily="34" charset="0"/>
+              <a:buChar char="•"/>
+            </a:pPr>
+            <a:r>
+              <a:rPr lang="en-US" sz="2000" dirty="0" smtClean="0"/>
+              <a:t>Returns range data</a:t>
+            </a:r>
+          </a:p>
+          <a:p>
+            <a:pPr marL="285750" indent="-285750">
+              <a:buFont typeface="Arial" panose="020B0604020202020204" pitchFamily="34" charset="0"/>
+              <a:buChar char="•"/>
+            </a:pPr>
+            <a:endParaRPr lang="en-US" dirty="0"/>
+          </a:p>
+          <a:p>
+            <a:pPr marL="285750" indent="-285750">
+              <a:buFont typeface="Arial" panose="020B0604020202020204" pitchFamily="34" charset="0"/>
+              <a:buChar char="•"/>
+            </a:pPr>
+            <a:endParaRPr lang="en-US" dirty="0" smtClean="0"/>
+          </a:p>
+          <a:p>
+            <a:pPr marL="285750" indent="-285750">
+              <a:buFont typeface="Arial" panose="020B0604020202020204" pitchFamily="34" charset="0"/>
+              <a:buChar char="•"/>
+            </a:pPr>
+            <a:endParaRPr lang="en-US" dirty="0"/>
+          </a:p>
+          <a:p>
+            <a:pPr marL="285750" indent="-285750">
+              <a:buFont typeface="Arial" panose="020B0604020202020204" pitchFamily="34" charset="0"/>
+              <a:buChar char="•"/>
+            </a:pPr>
+            <a:endParaRPr lang="en-US" dirty="0" smtClean="0"/>
+          </a:p>
+          <a:p>
+            <a:pPr marL="285750" indent="-285750">
+              <a:buFont typeface="Arial" panose="020B0604020202020204" pitchFamily="34" charset="0"/>
+              <a:buChar char="•"/>
+            </a:pPr>
+            <a:endParaRPr lang="en-US" dirty="0"/>
+          </a:p>
+          <a:p>
+            <a:pPr marL="285750" indent="-285750">
+              <a:buFont typeface="Arial" panose="020B0604020202020204" pitchFamily="34" charset="0"/>
+              <a:buChar char="•"/>
+            </a:pPr>
+            <a:endParaRPr lang="en-US" dirty="0" smtClean="0"/>
+          </a:p>
+          <a:p>
+            <a:pPr marL="285750" indent="-285750">
+              <a:buFont typeface="Arial" panose="020B0604020202020204" pitchFamily="34" charset="0"/>
+              <a:buChar char="•"/>
+            </a:pPr>
+            <a:endParaRPr lang="en-US" dirty="0"/>
+          </a:p>
+          <a:p>
+            <a:pPr marL="285750" indent="-285750">
+              <a:buFont typeface="Arial" panose="020B0604020202020204" pitchFamily="34" charset="0"/>
+              <a:buChar char="•"/>
+            </a:pPr>
+            <a:endParaRPr lang="en-US" dirty="0"/>
+          </a:p>
+        </p:txBody>
+      </p:sp>
+      <p:cxnSp>
+        <p:nvCxnSpPr>
+          <p:cNvPr id="10" name="Elbow Connector 9"/>
+          <p:cNvCxnSpPr>
+            <a:endCxn id="4" idx="2"/>
+          </p:cNvCxnSpPr>
+          <p:nvPr/>
+        </p:nvCxnSpPr>
+        <p:spPr>
+          <a:xfrm flipV="1">
+            <a:off x="2914851" y="5967654"/>
+            <a:ext cx="1714901" cy="222257"/>
+          </a:xfrm>
+          <a:prstGeom prst="bentConnector2">
+            <a:avLst/>
+          </a:prstGeom>
+          <a:ln>
+            <a:tailEnd type="triangle"/>
+          </a:ln>
+        </p:spPr>
+        <p:style>
+          <a:lnRef idx="2">
+            <a:schemeClr val="dk1"/>
+          </a:lnRef>
+          <a:fillRef idx="0">
+            <a:schemeClr val="dk1"/>
+          </a:fillRef>
+          <a:effectRef idx="1">
+            <a:schemeClr val="dk1"/>
+          </a:effectRef>
+          <a:fontRef idx="minor">
+            <a:schemeClr val="tx1"/>
+          </a:fontRef>
+        </p:style>
+      </p:cxnSp>
+      <p:cxnSp>
+        <p:nvCxnSpPr>
+          <p:cNvPr id="14" name="Elbow Connector 13"/>
+          <p:cNvCxnSpPr>
+            <a:stCxn id="5" idx="3"/>
+          </p:cNvCxnSpPr>
+          <p:nvPr/>
+        </p:nvCxnSpPr>
+        <p:spPr>
+          <a:xfrm>
+            <a:off x="3136232" y="1822178"/>
+            <a:ext cx="701040" cy="834383"/>
+          </a:xfrm>
+          <a:prstGeom prst="bentConnector2">
+            <a:avLst/>
+          </a:prstGeom>
+          <a:ln>
+            <a:headEnd type="triangle"/>
+            <a:tailEnd type="triangle"/>
+          </a:ln>
+        </p:spPr>
+        <p:style>
+          <a:lnRef idx="2">
+            <a:schemeClr val="accent1"/>
+          </a:lnRef>
+          <a:fillRef idx="0">
+            <a:schemeClr val="accent1"/>
+          </a:fillRef>
+          <a:effectRef idx="1">
+            <a:schemeClr val="accent1"/>
+          </a:effectRef>
+          <a:fontRef idx="minor">
+            <a:schemeClr val="tx1"/>
+          </a:fontRef>
+        </p:style>
+      </p:cxnSp>
+      <p:cxnSp>
+        <p:nvCxnSpPr>
+          <p:cNvPr id="18" name="Elbow Connector 17"/>
+          <p:cNvCxnSpPr>
+            <a:stCxn id="6" idx="1"/>
+          </p:cNvCxnSpPr>
+          <p:nvPr/>
+        </p:nvCxnSpPr>
+        <p:spPr>
+          <a:xfrm rot="10800000" flipV="1">
+            <a:off x="5293895" y="1678399"/>
+            <a:ext cx="904774" cy="959992"/>
+          </a:xfrm>
+          <a:prstGeom prst="bentConnector2">
+            <a:avLst/>
+          </a:prstGeom>
+          <a:ln>
+            <a:headEnd type="triangle"/>
+            <a:tailEnd type="triangle"/>
+          </a:ln>
+        </p:spPr>
+        <p:style>
+          <a:lnRef idx="2">
+            <a:schemeClr val="accent1"/>
+          </a:lnRef>
+          <a:fillRef idx="0">
+            <a:schemeClr val="accent1"/>
+          </a:fillRef>
+          <a:effectRef idx="1">
+            <a:schemeClr val="accent1"/>
+          </a:effectRef>
+          <a:fontRef idx="minor">
+            <a:schemeClr val="tx1"/>
+          </a:fontRef>
+        </p:style>
+      </p:cxnSp>
+      <p:sp>
+        <p:nvSpPr>
+          <p:cNvPr id="19" name="TextBox 18"/>
+          <p:cNvSpPr txBox="1"/>
+          <p:nvPr/>
+        </p:nvSpPr>
+        <p:spPr>
+          <a:xfrm>
+            <a:off x="3301464" y="6295797"/>
+            <a:ext cx="1039529" cy="646331"/>
+          </a:xfrm>
+          <a:prstGeom prst="rect">
+            <a:avLst/>
+          </a:prstGeom>
+          <a:noFill/>
+        </p:spPr>
+        <p:txBody>
+          <a:bodyPr wrap="square" rtlCol="0">
+            <a:spAutoFit/>
+          </a:bodyPr>
+          <a:lstStyle/>
+          <a:p>
+            <a:r>
+              <a:rPr lang="en-US" dirty="0" smtClean="0"/>
+              <a:t>USB 3.0</a:t>
+            </a:r>
+          </a:p>
+          <a:p>
+            <a:endParaRPr lang="en-US" dirty="0"/>
+          </a:p>
+        </p:txBody>
+      </p:sp>
+      <p:sp>
+        <p:nvSpPr>
+          <p:cNvPr id="20" name="TextBox 19"/>
+          <p:cNvSpPr txBox="1"/>
+          <p:nvPr/>
+        </p:nvSpPr>
+        <p:spPr>
+          <a:xfrm>
+            <a:off x="3123397" y="1445314"/>
+            <a:ext cx="1039529" cy="646331"/>
+          </a:xfrm>
+          <a:prstGeom prst="rect">
+            <a:avLst/>
+          </a:prstGeom>
+          <a:noFill/>
+        </p:spPr>
+        <p:txBody>
+          <a:bodyPr wrap="square" rtlCol="0">
+            <a:spAutoFit/>
+          </a:bodyPr>
+          <a:lstStyle/>
+          <a:p>
+            <a:r>
+              <a:rPr lang="en-US" dirty="0" err="1" smtClean="0"/>
+              <a:t>WiFi</a:t>
+            </a:r>
+            <a:endParaRPr lang="en-US" dirty="0" smtClean="0"/>
+          </a:p>
+          <a:p>
+            <a:endParaRPr lang="en-US" dirty="0"/>
+          </a:p>
+        </p:txBody>
+      </p:sp>
+      <p:sp>
+        <p:nvSpPr>
+          <p:cNvPr id="21" name="TextBox 20"/>
+          <p:cNvSpPr txBox="1"/>
+          <p:nvPr/>
+        </p:nvSpPr>
+        <p:spPr>
+          <a:xfrm>
+            <a:off x="5293895" y="1356434"/>
+            <a:ext cx="1039529" cy="646331"/>
+          </a:xfrm>
+          <a:prstGeom prst="rect">
+            <a:avLst/>
+          </a:prstGeom>
+          <a:noFill/>
+        </p:spPr>
+        <p:txBody>
+          <a:bodyPr wrap="square" rtlCol="0">
+            <a:spAutoFit/>
+          </a:bodyPr>
+          <a:lstStyle/>
+          <a:p>
+            <a:r>
+              <a:rPr lang="en-US" dirty="0" err="1" smtClean="0"/>
+              <a:t>WiFi</a:t>
+            </a:r>
+            <a:endParaRPr lang="en-US" dirty="0" smtClean="0"/>
+          </a:p>
+          <a:p>
+            <a:endParaRPr lang="en-US" dirty="0"/>
+          </a:p>
+        </p:txBody>
+      </p:sp>
+      <p:grpSp>
+        <p:nvGrpSpPr>
+          <p:cNvPr id="26" name="Group 25"/>
+          <p:cNvGrpSpPr/>
+          <p:nvPr/>
+        </p:nvGrpSpPr>
+        <p:grpSpPr>
+          <a:xfrm>
+            <a:off x="0" y="1"/>
+            <a:ext cx="9144000" cy="844012"/>
+            <a:chOff x="0" y="1"/>
+            <a:chExt cx="9144000" cy="844012"/>
+          </a:xfrm>
+        </p:grpSpPr>
+        <p:cxnSp>
+          <p:nvCxnSpPr>
+            <p:cNvPr id="27" name="Straight Connector 26"/>
+            <p:cNvCxnSpPr/>
+            <p:nvPr/>
+          </p:nvCxnSpPr>
+          <p:spPr>
+            <a:xfrm>
+              <a:off x="0" y="844013"/>
+              <a:ext cx="9144000" cy="0"/>
+            </a:xfrm>
+            <a:prstGeom prst="line">
+              <a:avLst/>
+            </a:prstGeom>
+            <a:ln>
+              <a:solidFill>
+                <a:schemeClr val="tx1"/>
+              </a:solidFill>
+            </a:ln>
+            <a:effectLst/>
+          </p:spPr>
+          <p:style>
+            <a:lnRef idx="2">
+              <a:schemeClr val="accent1"/>
+            </a:lnRef>
+            <a:fillRef idx="0">
+              <a:schemeClr val="accent1"/>
+            </a:fillRef>
+            <a:effectRef idx="1">
+              <a:schemeClr val="accent1"/>
+            </a:effectRef>
+            <a:fontRef idx="minor">
+              <a:schemeClr val="tx1"/>
+            </a:fontRef>
+          </p:style>
+        </p:cxnSp>
+        <p:pic>
+          <p:nvPicPr>
+            <p:cNvPr id="28" name="Picture 27" descr="Screen Shot 2015-10-11 at 11.16.20 AM.png"/>
+            <p:cNvPicPr>
+              <a:picLocks noChangeAspect="1"/>
+            </p:cNvPicPr>
+            <p:nvPr/>
+          </p:nvPicPr>
+          <p:blipFill>
+            <a:blip r:embed="rId2">
+              <a:extLst>
+                <a:ext uri="{28A0092B-C50C-407E-A947-70E740481C1C}">
+                  <a14:useLocalDpi xmlns:a14="http://schemas.microsoft.com/office/drawing/2010/main" val="0"/>
+                </a:ext>
+              </a:extLst>
+            </a:blip>
+            <a:stretch>
+              <a:fillRect/>
+            </a:stretch>
+          </p:blipFill>
+          <p:spPr>
+            <a:xfrm>
+              <a:off x="0" y="1"/>
+              <a:ext cx="1151748" cy="844012"/>
+            </a:xfrm>
+            <a:prstGeom prst="rect">
+              <a:avLst/>
+            </a:prstGeom>
+          </p:spPr>
+        </p:pic>
+        <p:sp>
+          <p:nvSpPr>
+            <p:cNvPr id="29" name="Rectangle 28"/>
+            <p:cNvSpPr/>
+            <p:nvPr/>
+          </p:nvSpPr>
+          <p:spPr>
+            <a:xfrm>
+              <a:off x="1151748" y="2283"/>
+              <a:ext cx="7992252" cy="832104"/>
+            </a:xfrm>
+            <a:prstGeom prst="rect">
+              <a:avLst/>
+            </a:prstGeom>
+            <a:solidFill>
+              <a:schemeClr val="tx1"/>
+            </a:solidFill>
+            <a:ln>
+              <a:solidFill>
+                <a:schemeClr val="tx1"/>
+              </a:solidFill>
+            </a:ln>
+            <a:effectLst/>
+          </p:spPr>
+          <p:style>
+            <a:lnRef idx="1">
+              <a:schemeClr val="accent1"/>
+            </a:lnRef>
+            <a:fillRef idx="3">
+              <a:schemeClr val="accent1"/>
+            </a:fillRef>
+            <a:effectRef idx="2">
+              <a:schemeClr val="accent1"/>
+            </a:effectRef>
+            <a:fontRef idx="minor">
+              <a:schemeClr val="lt1"/>
+            </a:fontRef>
+          </p:style>
+          <p:txBody>
+            <a:bodyPr rtlCol="0" anchor="ctr"/>
+            <a:lstStyle/>
+            <a:p>
+              <a:pPr algn="ctr"/>
+              <a:endParaRPr lang="en-US" sz="2000">
+                <a:latin typeface="Arial" panose="020B0604020202020204" pitchFamily="34" charset="0"/>
+                <a:cs typeface="Arial" panose="020B0604020202020204" pitchFamily="34" charset="0"/>
+              </a:endParaRPr>
+            </a:p>
+          </p:txBody>
+        </p:sp>
+        <p:pic>
+          <p:nvPicPr>
+            <p:cNvPr id="30" name="Picture 29"/>
+            <p:cNvPicPr>
+              <a:picLocks noChangeAspect="1"/>
+            </p:cNvPicPr>
+            <p:nvPr/>
+          </p:nvPicPr>
+          <p:blipFill>
+            <a:blip r:embed="rId3"/>
+            <a:stretch>
+              <a:fillRect/>
+            </a:stretch>
+          </p:blipFill>
+          <p:spPr>
+            <a:xfrm>
+              <a:off x="8311013" y="2283"/>
+              <a:ext cx="832987" cy="832987"/>
+            </a:xfrm>
+            <a:prstGeom prst="rect">
+              <a:avLst/>
+            </a:prstGeom>
+          </p:spPr>
+        </p:pic>
+        <p:sp>
+          <p:nvSpPr>
+            <p:cNvPr id="31" name="TextBox 30"/>
+            <p:cNvSpPr txBox="1"/>
+            <p:nvPr/>
+          </p:nvSpPr>
+          <p:spPr>
+            <a:xfrm>
+              <a:off x="1202040" y="188621"/>
+              <a:ext cx="6983237" cy="400110"/>
+            </a:xfrm>
+            <a:prstGeom prst="rect">
+              <a:avLst/>
+            </a:prstGeom>
+            <a:noFill/>
+          </p:spPr>
+          <p:txBody>
+            <a:bodyPr wrap="square" rtlCol="0">
+              <a:spAutoFit/>
+            </a:bodyPr>
+            <a:lstStyle/>
+            <a:p>
+              <a:pPr algn="ctr"/>
+              <a:r>
+                <a:rPr lang="en-US" sz="2000" dirty="0" err="1" smtClean="0">
+                  <a:solidFill>
+                    <a:srgbClr val="FFFFFF"/>
+                  </a:solidFill>
+                  <a:latin typeface="Arial" panose="020B0604020202020204" pitchFamily="34" charset="0"/>
+                  <a:cs typeface="Arial" panose="020B0604020202020204" pitchFamily="34" charset="0"/>
+                </a:rPr>
+                <a:t>FlyNet</a:t>
+              </a:r>
+              <a:r>
+                <a:rPr lang="en-US" sz="2000" dirty="0" smtClean="0">
+                  <a:solidFill>
+                    <a:srgbClr val="FFFFFF"/>
+                  </a:solidFill>
+                  <a:latin typeface="Arial" panose="020B0604020202020204" pitchFamily="34" charset="0"/>
+                  <a:cs typeface="Arial" panose="020B0604020202020204" pitchFamily="34" charset="0"/>
+                </a:rPr>
+                <a:t>: Autonomous </a:t>
+              </a:r>
+              <a:r>
+                <a:rPr lang="en-US" sz="2000" dirty="0" err="1" smtClean="0">
+                  <a:solidFill>
+                    <a:srgbClr val="FFFFFF"/>
+                  </a:solidFill>
+                  <a:latin typeface="Arial" panose="020B0604020202020204" pitchFamily="34" charset="0"/>
+                  <a:cs typeface="Arial" panose="020B0604020202020204" pitchFamily="34" charset="0"/>
+                </a:rPr>
+                <a:t>Quadcopter</a:t>
+              </a:r>
+              <a:r>
+                <a:rPr lang="en-US" sz="2000" dirty="0" smtClean="0">
+                  <a:solidFill>
+                    <a:srgbClr val="FFFFFF"/>
+                  </a:solidFill>
+                  <a:latin typeface="Arial" panose="020B0604020202020204" pitchFamily="34" charset="0"/>
+                  <a:cs typeface="Arial" panose="020B0604020202020204" pitchFamily="34" charset="0"/>
+                </a:rPr>
+                <a:t> Search and Rescue</a:t>
+              </a:r>
+              <a:endParaRPr lang="en-US" sz="2000" dirty="0">
+                <a:solidFill>
+                  <a:srgbClr val="FFFFFF"/>
+                </a:solidFill>
+                <a:latin typeface="Arial" panose="020B0604020202020204" pitchFamily="34" charset="0"/>
+                <a:cs typeface="Arial" panose="020B0604020202020204" pitchFamily="34" charset="0"/>
+              </a:endParaRPr>
+            </a:p>
+          </p:txBody>
+        </p:sp>
+      </p:grpSp>
+    </p:spTree>
+    <p:extLst>
+      <p:ext uri="{BB962C8B-B14F-4D97-AF65-F5344CB8AC3E}">
+        <p14:creationId xmlns:p14="http://schemas.microsoft.com/office/powerpoint/2010/main" val="1722750493"/>
       </p:ext>
     </p:extLst>
   </p:cSld>

--- a/Presentations/CDR_Fall_2015/Individual_Slides/Prashant/Final_Presentation.pptx
+++ b/Presentations/CDR_Fall_2015/Individual_Slides/Prashant/Final_Presentation.pptx
@@ -12,9 +12,8 @@
     <p:sldId id="260" r:id="rId6"/>
     <p:sldId id="261" r:id="rId7"/>
     <p:sldId id="264" r:id="rId8"/>
-    <p:sldId id="263" r:id="rId9"/>
-    <p:sldId id="267" r:id="rId10"/>
-    <p:sldId id="262" r:id="rId11"/>
+    <p:sldId id="267" r:id="rId9"/>
+    <p:sldId id="262" r:id="rId10"/>
   </p:sldIdLst>
   <p:sldSz cx="9144000" cy="6858000" type="screen4x3"/>
   <p:notesSz cx="6858000" cy="9144000"/>
@@ -3442,584 +3441,6 @@
 </p:sld>
 </file>
 
-<file path=ppt/slides/slide10.xml><?xml version="1.0" encoding="utf-8"?>
-<p:sld xmlns:a="http://schemas.openxmlformats.org/drawingml/2006/main" xmlns:r="http://schemas.openxmlformats.org/officeDocument/2006/relationships" xmlns:p="http://schemas.openxmlformats.org/presentationml/2006/main">
-  <p:cSld>
-    <p:spTree>
-      <p:nvGrpSpPr>
-        <p:cNvPr id="1" name=""/>
-        <p:cNvGrpSpPr/>
-        <p:nvPr/>
-      </p:nvGrpSpPr>
-      <p:grpSpPr>
-        <a:xfrm>
-          <a:off x="0" y="0"/>
-          <a:ext cx="0" cy="0"/>
-          <a:chOff x="0" y="0"/>
-          <a:chExt cx="0" cy="0"/>
-        </a:xfrm>
-      </p:grpSpPr>
-      <p:sp>
-        <p:nvSpPr>
-          <p:cNvPr id="2" name="Title 1"/>
-          <p:cNvSpPr>
-            <a:spLocks noGrp="1"/>
-          </p:cNvSpPr>
-          <p:nvPr>
-            <p:ph type="title"/>
-          </p:nvPr>
-        </p:nvSpPr>
-        <p:spPr>
-          <a:xfrm>
-            <a:off x="457200" y="651726"/>
-            <a:ext cx="8229600" cy="1143000"/>
-          </a:xfrm>
-        </p:spPr>
-        <p:txBody>
-          <a:bodyPr>
-            <a:normAutofit/>
-          </a:bodyPr>
-          <a:lstStyle/>
-          <a:p>
-            <a:r>
-              <a:rPr lang="en-US" sz="3600" dirty="0" smtClean="0">
-                <a:latin typeface="Times New Roman" panose="02020603050405020304" pitchFamily="18" charset="0"/>
-                <a:cs typeface="Times New Roman" panose="02020603050405020304" pitchFamily="18" charset="0"/>
-              </a:rPr>
-              <a:t>Path Forward</a:t>
-            </a:r>
-            <a:endParaRPr lang="en-US" sz="3600" dirty="0">
-              <a:latin typeface="Times New Roman" panose="02020603050405020304" pitchFamily="18" charset="0"/>
-              <a:cs typeface="Times New Roman" panose="02020603050405020304" pitchFamily="18" charset="0"/>
-            </a:endParaRPr>
-          </a:p>
-        </p:txBody>
-      </p:sp>
-      <p:sp>
-        <p:nvSpPr>
-          <p:cNvPr id="3" name="Content Placeholder 2"/>
-          <p:cNvSpPr>
-            <a:spLocks noGrp="1"/>
-          </p:cNvSpPr>
-          <p:nvPr>
-            <p:ph idx="1"/>
-          </p:nvPr>
-        </p:nvSpPr>
-        <p:spPr>
-          <a:xfrm>
-            <a:off x="457200" y="1600200"/>
-            <a:ext cx="8229600" cy="4525963"/>
-          </a:xfrm>
-        </p:spPr>
-        <p:txBody>
-          <a:bodyPr>
-            <a:normAutofit/>
-          </a:bodyPr>
-          <a:lstStyle/>
-          <a:p>
-            <a:r>
-              <a:rPr lang="en-US" sz="2400" dirty="0" smtClean="0">
-                <a:latin typeface="Times New Roman" panose="02020603050405020304" pitchFamily="18" charset="0"/>
-                <a:cs typeface="Times New Roman" panose="02020603050405020304" pitchFamily="18" charset="0"/>
-              </a:rPr>
-              <a:t>Understanding the working of the current </a:t>
-            </a:r>
-            <a:r>
-              <a:rPr lang="en-US" sz="2400" dirty="0" err="1" smtClean="0">
-                <a:latin typeface="Times New Roman" panose="02020603050405020304" pitchFamily="18" charset="0"/>
-                <a:cs typeface="Times New Roman" panose="02020603050405020304" pitchFamily="18" charset="0"/>
-              </a:rPr>
-              <a:t>TurtleBot</a:t>
-            </a:r>
-            <a:r>
-              <a:rPr lang="en-US" sz="2400" dirty="0" smtClean="0">
-                <a:latin typeface="Times New Roman" panose="02020603050405020304" pitchFamily="18" charset="0"/>
-                <a:cs typeface="Times New Roman" panose="02020603050405020304" pitchFamily="18" charset="0"/>
-              </a:rPr>
-              <a:t> setup </a:t>
-            </a:r>
-          </a:p>
-          <a:p>
-            <a:r>
-              <a:rPr lang="en-US" sz="2400" dirty="0" smtClean="0">
-                <a:latin typeface="Times New Roman" panose="02020603050405020304" pitchFamily="18" charset="0"/>
-                <a:cs typeface="Times New Roman" panose="02020603050405020304" pitchFamily="18" charset="0"/>
-              </a:rPr>
-              <a:t>Implement </a:t>
-            </a:r>
-            <a:r>
-              <a:rPr lang="en-US" sz="2400" dirty="0" err="1" smtClean="0">
-                <a:latin typeface="Times New Roman" panose="02020603050405020304" pitchFamily="18" charset="0"/>
-                <a:cs typeface="Times New Roman" panose="02020603050405020304" pitchFamily="18" charset="0"/>
-              </a:rPr>
-              <a:t>Hector_Slam</a:t>
-            </a:r>
-            <a:r>
-              <a:rPr lang="en-US" sz="2400" dirty="0" smtClean="0">
-                <a:latin typeface="Times New Roman" panose="02020603050405020304" pitchFamily="18" charset="0"/>
-                <a:cs typeface="Times New Roman" panose="02020603050405020304" pitchFamily="18" charset="0"/>
-              </a:rPr>
-              <a:t> on the </a:t>
-            </a:r>
-            <a:r>
-              <a:rPr lang="en-US" sz="2400" dirty="0" err="1" smtClean="0">
-                <a:latin typeface="Times New Roman" panose="02020603050405020304" pitchFamily="18" charset="0"/>
-                <a:cs typeface="Times New Roman" panose="02020603050405020304" pitchFamily="18" charset="0"/>
-              </a:rPr>
-              <a:t>TurtleBots</a:t>
-            </a:r>
-            <a:endParaRPr lang="en-US" sz="2400" dirty="0" smtClean="0">
-              <a:latin typeface="Times New Roman" panose="02020603050405020304" pitchFamily="18" charset="0"/>
-              <a:cs typeface="Times New Roman" panose="02020603050405020304" pitchFamily="18" charset="0"/>
-            </a:endParaRPr>
-          </a:p>
-          <a:p>
-            <a:r>
-              <a:rPr lang="en-US" sz="2400" dirty="0" smtClean="0">
-                <a:latin typeface="Times New Roman" panose="02020603050405020304" pitchFamily="18" charset="0"/>
-                <a:cs typeface="Times New Roman" panose="02020603050405020304" pitchFamily="18" charset="0"/>
-              </a:rPr>
-              <a:t>Fabricate additional hardware to accommodate hardware additions</a:t>
-            </a:r>
-          </a:p>
-          <a:p>
-            <a:r>
-              <a:rPr lang="en-US" sz="2400" dirty="0" smtClean="0">
-                <a:latin typeface="Times New Roman" panose="02020603050405020304" pitchFamily="18" charset="0"/>
-                <a:cs typeface="Times New Roman" panose="02020603050405020304" pitchFamily="18" charset="0"/>
-              </a:rPr>
-              <a:t>Implement path planning algorithms </a:t>
-            </a:r>
-          </a:p>
-          <a:p>
-            <a:r>
-              <a:rPr lang="en-US" sz="2400" dirty="0" smtClean="0">
-                <a:latin typeface="Times New Roman" panose="02020603050405020304" pitchFamily="18" charset="0"/>
-                <a:cs typeface="Times New Roman" panose="02020603050405020304" pitchFamily="18" charset="0"/>
-              </a:rPr>
-              <a:t>Integrate with aerial robot</a:t>
-            </a:r>
-            <a:endParaRPr lang="en-US" sz="2400" dirty="0">
-              <a:latin typeface="Times New Roman" panose="02020603050405020304" pitchFamily="18" charset="0"/>
-              <a:cs typeface="Times New Roman" panose="02020603050405020304" pitchFamily="18" charset="0"/>
-            </a:endParaRPr>
-          </a:p>
-        </p:txBody>
-      </p:sp>
-      <p:sp>
-        <p:nvSpPr>
-          <p:cNvPr id="4" name="Content Placeholder 2"/>
-          <p:cNvSpPr txBox="1">
-            <a:spLocks/>
-          </p:cNvSpPr>
-          <p:nvPr/>
-        </p:nvSpPr>
-        <p:spPr>
-          <a:xfrm>
-            <a:off x="296782" y="1598596"/>
-            <a:ext cx="4355432" cy="4525963"/>
-          </a:xfrm>
-          <a:prstGeom prst="rect">
-            <a:avLst/>
-          </a:prstGeom>
-        </p:spPr>
-        <p:txBody>
-          <a:bodyPr vert="horz" lIns="91440" tIns="45720" rIns="91440" bIns="45720" rtlCol="0">
-            <a:normAutofit/>
-          </a:bodyPr>
-          <a:lstStyle>
-            <a:lvl1pPr marL="342900" indent="-342900" algn="l" defTabSz="457200" rtl="0" eaLnBrk="1" latinLnBrk="0" hangingPunct="1">
-              <a:spcBef>
-                <a:spcPct val="20000"/>
-              </a:spcBef>
-              <a:buFont typeface="Arial"/>
-              <a:buChar char="•"/>
-              <a:defRPr sz="3200" kern="1200">
-                <a:solidFill>
-                  <a:schemeClr val="tx1"/>
-                </a:solidFill>
-                <a:latin typeface="+mn-lt"/>
-                <a:ea typeface="+mn-ea"/>
-                <a:cs typeface="+mn-cs"/>
-              </a:defRPr>
-            </a:lvl1pPr>
-            <a:lvl2pPr marL="742950" indent="-285750" algn="l" defTabSz="457200" rtl="0" eaLnBrk="1" latinLnBrk="0" hangingPunct="1">
-              <a:spcBef>
-                <a:spcPct val="20000"/>
-              </a:spcBef>
-              <a:buFont typeface="Arial"/>
-              <a:buChar char="–"/>
-              <a:defRPr sz="2800" kern="1200">
-                <a:solidFill>
-                  <a:schemeClr val="tx1"/>
-                </a:solidFill>
-                <a:latin typeface="+mn-lt"/>
-                <a:ea typeface="+mn-ea"/>
-                <a:cs typeface="+mn-cs"/>
-              </a:defRPr>
-            </a:lvl2pPr>
-            <a:lvl3pPr marL="1143000" indent="-228600" algn="l" defTabSz="457200" rtl="0" eaLnBrk="1" latinLnBrk="0" hangingPunct="1">
-              <a:spcBef>
-                <a:spcPct val="20000"/>
-              </a:spcBef>
-              <a:buFont typeface="Arial"/>
-              <a:buChar char="•"/>
-              <a:defRPr sz="2400" kern="1200">
-                <a:solidFill>
-                  <a:schemeClr val="tx1"/>
-                </a:solidFill>
-                <a:latin typeface="+mn-lt"/>
-                <a:ea typeface="+mn-ea"/>
-                <a:cs typeface="+mn-cs"/>
-              </a:defRPr>
-            </a:lvl3pPr>
-            <a:lvl4pPr marL="1600200" indent="-228600" algn="l" defTabSz="457200" rtl="0" eaLnBrk="1" latinLnBrk="0" hangingPunct="1">
-              <a:spcBef>
-                <a:spcPct val="20000"/>
-              </a:spcBef>
-              <a:buFont typeface="Arial"/>
-              <a:buChar char="–"/>
-              <a:defRPr sz="2000" kern="1200">
-                <a:solidFill>
-                  <a:schemeClr val="tx1"/>
-                </a:solidFill>
-                <a:latin typeface="+mn-lt"/>
-                <a:ea typeface="+mn-ea"/>
-                <a:cs typeface="+mn-cs"/>
-              </a:defRPr>
-            </a:lvl4pPr>
-            <a:lvl5pPr marL="2057400" indent="-228600" algn="l" defTabSz="457200" rtl="0" eaLnBrk="1" latinLnBrk="0" hangingPunct="1">
-              <a:spcBef>
-                <a:spcPct val="20000"/>
-              </a:spcBef>
-              <a:buFont typeface="Arial"/>
-              <a:buChar char="»"/>
-              <a:defRPr sz="2000" kern="1200">
-                <a:solidFill>
-                  <a:schemeClr val="tx1"/>
-                </a:solidFill>
-                <a:latin typeface="+mn-lt"/>
-                <a:ea typeface="+mn-ea"/>
-                <a:cs typeface="+mn-cs"/>
-              </a:defRPr>
-            </a:lvl5pPr>
-            <a:lvl6pPr marL="2514600" indent="-228600" algn="l" defTabSz="457200" rtl="0" eaLnBrk="1" latinLnBrk="0" hangingPunct="1">
-              <a:spcBef>
-                <a:spcPct val="20000"/>
-              </a:spcBef>
-              <a:buFont typeface="Arial"/>
-              <a:buChar char="•"/>
-              <a:defRPr sz="2000" kern="1200">
-                <a:solidFill>
-                  <a:schemeClr val="tx1"/>
-                </a:solidFill>
-                <a:latin typeface="+mn-lt"/>
-                <a:ea typeface="+mn-ea"/>
-                <a:cs typeface="+mn-cs"/>
-              </a:defRPr>
-            </a:lvl6pPr>
-            <a:lvl7pPr marL="2971800" indent="-228600" algn="l" defTabSz="457200" rtl="0" eaLnBrk="1" latinLnBrk="0" hangingPunct="1">
-              <a:spcBef>
-                <a:spcPct val="20000"/>
-              </a:spcBef>
-              <a:buFont typeface="Arial"/>
-              <a:buChar char="•"/>
-              <a:defRPr sz="2000" kern="1200">
-                <a:solidFill>
-                  <a:schemeClr val="tx1"/>
-                </a:solidFill>
-                <a:latin typeface="+mn-lt"/>
-                <a:ea typeface="+mn-ea"/>
-                <a:cs typeface="+mn-cs"/>
-              </a:defRPr>
-            </a:lvl7pPr>
-            <a:lvl8pPr marL="3429000" indent="-228600" algn="l" defTabSz="457200" rtl="0" eaLnBrk="1" latinLnBrk="0" hangingPunct="1">
-              <a:spcBef>
-                <a:spcPct val="20000"/>
-              </a:spcBef>
-              <a:buFont typeface="Arial"/>
-              <a:buChar char="•"/>
-              <a:defRPr sz="2000" kern="1200">
-                <a:solidFill>
-                  <a:schemeClr val="tx1"/>
-                </a:solidFill>
-                <a:latin typeface="+mn-lt"/>
-                <a:ea typeface="+mn-ea"/>
-                <a:cs typeface="+mn-cs"/>
-              </a:defRPr>
-            </a:lvl8pPr>
-            <a:lvl9pPr marL="3886200" indent="-228600" algn="l" defTabSz="457200" rtl="0" eaLnBrk="1" latinLnBrk="0" hangingPunct="1">
-              <a:spcBef>
-                <a:spcPct val="20000"/>
-              </a:spcBef>
-              <a:buFont typeface="Arial"/>
-              <a:buChar char="•"/>
-              <a:defRPr sz="2000" kern="1200">
-                <a:solidFill>
-                  <a:schemeClr val="tx1"/>
-                </a:solidFill>
-                <a:latin typeface="+mn-lt"/>
-                <a:ea typeface="+mn-ea"/>
-                <a:cs typeface="+mn-cs"/>
-              </a:defRPr>
-            </a:lvl9pPr>
-          </a:lstStyle>
-          <a:p>
-            <a:endParaRPr lang="en-US" dirty="0">
-              <a:latin typeface="Times New Roman" panose="02020603050405020304" pitchFamily="18" charset="0"/>
-              <a:cs typeface="Times New Roman" panose="02020603050405020304" pitchFamily="18" charset="0"/>
-            </a:endParaRPr>
-          </a:p>
-        </p:txBody>
-      </p:sp>
-      <p:grpSp>
-        <p:nvGrpSpPr>
-          <p:cNvPr id="5" name="Group 4"/>
-          <p:cNvGrpSpPr/>
-          <p:nvPr/>
-        </p:nvGrpSpPr>
-        <p:grpSpPr>
-          <a:xfrm>
-            <a:off x="0" y="1"/>
-            <a:ext cx="9144000" cy="844012"/>
-            <a:chOff x="0" y="1"/>
-            <a:chExt cx="9144000" cy="844012"/>
-          </a:xfrm>
-        </p:grpSpPr>
-        <p:cxnSp>
-          <p:nvCxnSpPr>
-            <p:cNvPr id="6" name="Straight Connector 5"/>
-            <p:cNvCxnSpPr/>
-            <p:nvPr/>
-          </p:nvCxnSpPr>
-          <p:spPr>
-            <a:xfrm>
-              <a:off x="0" y="844013"/>
-              <a:ext cx="9144000" cy="0"/>
-            </a:xfrm>
-            <a:prstGeom prst="line">
-              <a:avLst/>
-            </a:prstGeom>
-            <a:ln>
-              <a:solidFill>
-                <a:schemeClr val="tx1"/>
-              </a:solidFill>
-            </a:ln>
-            <a:effectLst/>
-          </p:spPr>
-          <p:style>
-            <a:lnRef idx="2">
-              <a:schemeClr val="accent1"/>
-            </a:lnRef>
-            <a:fillRef idx="0">
-              <a:schemeClr val="accent1"/>
-            </a:fillRef>
-            <a:effectRef idx="1">
-              <a:schemeClr val="accent1"/>
-            </a:effectRef>
-            <a:fontRef idx="minor">
-              <a:schemeClr val="tx1"/>
-            </a:fontRef>
-          </p:style>
-        </p:cxnSp>
-        <p:pic>
-          <p:nvPicPr>
-            <p:cNvPr id="7" name="Picture 6" descr="Screen Shot 2015-10-11 at 11.16.20 AM.png"/>
-            <p:cNvPicPr>
-              <a:picLocks noChangeAspect="1"/>
-            </p:cNvPicPr>
-            <p:nvPr/>
-          </p:nvPicPr>
-          <p:blipFill>
-            <a:blip r:embed="rId2">
-              <a:extLst>
-                <a:ext uri="{28A0092B-C50C-407E-A947-70E740481C1C}">
-                  <a14:useLocalDpi xmlns:a14="http://schemas.microsoft.com/office/drawing/2010/main" val="0"/>
-                </a:ext>
-              </a:extLst>
-            </a:blip>
-            <a:stretch>
-              <a:fillRect/>
-            </a:stretch>
-          </p:blipFill>
-          <p:spPr>
-            <a:xfrm>
-              <a:off x="0" y="1"/>
-              <a:ext cx="1151748" cy="844012"/>
-            </a:xfrm>
-            <a:prstGeom prst="rect">
-              <a:avLst/>
-            </a:prstGeom>
-          </p:spPr>
-        </p:pic>
-        <p:sp>
-          <p:nvSpPr>
-            <p:cNvPr id="8" name="Rectangle 7"/>
-            <p:cNvSpPr/>
-            <p:nvPr/>
-          </p:nvSpPr>
-          <p:spPr>
-            <a:xfrm>
-              <a:off x="1151748" y="2283"/>
-              <a:ext cx="7992252" cy="832104"/>
-            </a:xfrm>
-            <a:prstGeom prst="rect">
-              <a:avLst/>
-            </a:prstGeom>
-            <a:solidFill>
-              <a:schemeClr val="tx1"/>
-            </a:solidFill>
-            <a:ln>
-              <a:solidFill>
-                <a:schemeClr val="tx1"/>
-              </a:solidFill>
-            </a:ln>
-            <a:effectLst/>
-          </p:spPr>
-          <p:style>
-            <a:lnRef idx="1">
-              <a:schemeClr val="accent1"/>
-            </a:lnRef>
-            <a:fillRef idx="3">
-              <a:schemeClr val="accent1"/>
-            </a:fillRef>
-            <a:effectRef idx="2">
-              <a:schemeClr val="accent1"/>
-            </a:effectRef>
-            <a:fontRef idx="minor">
-              <a:schemeClr val="lt1"/>
-            </a:fontRef>
-          </p:style>
-          <p:txBody>
-            <a:bodyPr rtlCol="0" anchor="ctr"/>
-            <a:lstStyle/>
-            <a:p>
-              <a:pPr algn="ctr"/>
-              <a:endParaRPr lang="en-US">
-                <a:latin typeface="Times New Roman" panose="02020603050405020304" pitchFamily="18" charset="0"/>
-                <a:cs typeface="Times New Roman" panose="02020603050405020304" pitchFamily="18" charset="0"/>
-              </a:endParaRPr>
-            </a:p>
-          </p:txBody>
-        </p:sp>
-        <p:pic>
-          <p:nvPicPr>
-            <p:cNvPr id="9" name="Picture 8"/>
-            <p:cNvPicPr>
-              <a:picLocks noChangeAspect="1"/>
-            </p:cNvPicPr>
-            <p:nvPr/>
-          </p:nvPicPr>
-          <p:blipFill>
-            <a:blip r:embed="rId3"/>
-            <a:stretch>
-              <a:fillRect/>
-            </a:stretch>
-          </p:blipFill>
-          <p:spPr>
-            <a:xfrm>
-              <a:off x="8311013" y="2283"/>
-              <a:ext cx="832987" cy="832987"/>
-            </a:xfrm>
-            <a:prstGeom prst="rect">
-              <a:avLst/>
-            </a:prstGeom>
-          </p:spPr>
-        </p:pic>
-        <p:sp>
-          <p:nvSpPr>
-            <p:cNvPr id="10" name="TextBox 9"/>
-            <p:cNvSpPr txBox="1"/>
-            <p:nvPr/>
-          </p:nvSpPr>
-          <p:spPr>
-            <a:xfrm>
-              <a:off x="1202040" y="188621"/>
-              <a:ext cx="6983237" cy="461665"/>
-            </a:xfrm>
-            <a:prstGeom prst="rect">
-              <a:avLst/>
-            </a:prstGeom>
-            <a:noFill/>
-          </p:spPr>
-          <p:txBody>
-            <a:bodyPr wrap="square" rtlCol="0">
-              <a:spAutoFit/>
-            </a:bodyPr>
-            <a:lstStyle/>
-            <a:p>
-              <a:pPr algn="ctr"/>
-              <a:r>
-                <a:rPr lang="en-US" sz="2400" dirty="0" err="1" smtClean="0">
-                  <a:solidFill>
-                    <a:srgbClr val="FFFFFF"/>
-                  </a:solidFill>
-                  <a:latin typeface="Times New Roman" panose="02020603050405020304" pitchFamily="18" charset="0"/>
-                  <a:cs typeface="Times New Roman" panose="02020603050405020304" pitchFamily="18" charset="0"/>
-                </a:rPr>
-                <a:t>FlyNet</a:t>
-              </a:r>
-              <a:r>
-                <a:rPr lang="en-US" sz="2400" dirty="0" smtClean="0">
-                  <a:solidFill>
-                    <a:srgbClr val="FFFFFF"/>
-                  </a:solidFill>
-                  <a:latin typeface="Times New Roman" panose="02020603050405020304" pitchFamily="18" charset="0"/>
-                  <a:cs typeface="Times New Roman" panose="02020603050405020304" pitchFamily="18" charset="0"/>
-                </a:rPr>
-                <a:t>: Autonomous </a:t>
-              </a:r>
-              <a:r>
-                <a:rPr lang="en-US" sz="2400" dirty="0" err="1" smtClean="0">
-                  <a:solidFill>
-                    <a:srgbClr val="FFFFFF"/>
-                  </a:solidFill>
-                  <a:latin typeface="Times New Roman" panose="02020603050405020304" pitchFamily="18" charset="0"/>
-                  <a:cs typeface="Times New Roman" panose="02020603050405020304" pitchFamily="18" charset="0"/>
-                </a:rPr>
-                <a:t>Quadcopter</a:t>
-              </a:r>
-              <a:r>
-                <a:rPr lang="en-US" sz="2400" dirty="0" smtClean="0">
-                  <a:solidFill>
-                    <a:srgbClr val="FFFFFF"/>
-                  </a:solidFill>
-                  <a:latin typeface="Times New Roman" panose="02020603050405020304" pitchFamily="18" charset="0"/>
-                  <a:cs typeface="Times New Roman" panose="02020603050405020304" pitchFamily="18" charset="0"/>
-                </a:rPr>
-                <a:t> Search and Rescue</a:t>
-              </a:r>
-              <a:endParaRPr lang="en-US" sz="2400" dirty="0">
-                <a:solidFill>
-                  <a:srgbClr val="FFFFFF"/>
-                </a:solidFill>
-                <a:latin typeface="Times New Roman" panose="02020603050405020304" pitchFamily="18" charset="0"/>
-                <a:cs typeface="Times New Roman" panose="02020603050405020304" pitchFamily="18" charset="0"/>
-              </a:endParaRPr>
-            </a:p>
-          </p:txBody>
-        </p:sp>
-      </p:grpSp>
-    </p:spTree>
-    <p:extLst>
-      <p:ext uri="{BB962C8B-B14F-4D97-AF65-F5344CB8AC3E}">
-        <p14:creationId xmlns:p14="http://schemas.microsoft.com/office/powerpoint/2010/main" val="888064729"/>
-      </p:ext>
-    </p:extLst>
-  </p:cSld>
-  <p:clrMapOvr>
-    <a:masterClrMapping/>
-  </p:clrMapOvr>
-  <p:timing>
-    <p:tnLst>
-      <p:par>
-        <p:cTn id="1" dur="indefinite" restart="never" nodeType="tmRoot"/>
-      </p:par>
-    </p:tnLst>
-  </p:timing>
-</p:sld>
-</file>
-
 <file path=ppt/slides/slide2.xml><?xml version="1.0" encoding="utf-8"?>
 <p:sld xmlns:a="http://schemas.openxmlformats.org/drawingml/2006/main" xmlns:r="http://schemas.openxmlformats.org/officeDocument/2006/relationships" xmlns:p="http://schemas.openxmlformats.org/presentationml/2006/main">
   <p:cSld>
@@ -5610,7 +5031,7 @@
         </p:spPr>
         <p:txBody>
           <a:bodyPr vert="horz" lIns="91440" tIns="45720" rIns="91440" bIns="45720" rtlCol="0">
-            <a:normAutofit/>
+            <a:normAutofit lnSpcReduction="10000"/>
           </a:bodyPr>
           <a:lstStyle>
             <a:lvl1pPr marL="342900" indent="-342900" algn="l" defTabSz="457200" rtl="0" eaLnBrk="1" latinLnBrk="0" hangingPunct="1">
@@ -5805,8 +5226,29 @@
                 <a:latin typeface="Times New Roman" panose="02020603050405020304" pitchFamily="18" charset="0"/>
                 <a:cs typeface="Times New Roman" panose="02020603050405020304" pitchFamily="18" charset="0"/>
               </a:rPr>
-              <a:t>Act as central planning unit</a:t>
-            </a:r>
+              <a:t>Act as central planning </a:t>
+            </a:r>
+            <a:r>
+              <a:rPr lang="en-US" sz="2400" dirty="0" smtClean="0">
+                <a:latin typeface="Times New Roman" panose="02020603050405020304" pitchFamily="18" charset="0"/>
+                <a:cs typeface="Times New Roman" panose="02020603050405020304" pitchFamily="18" charset="0"/>
+              </a:rPr>
+              <a:t>unit</a:t>
+            </a:r>
+          </a:p>
+          <a:p>
+            <a:pPr lvl="1"/>
+            <a:r>
+              <a:rPr lang="en-US" sz="2400" dirty="0" smtClean="0">
+                <a:latin typeface="Times New Roman" panose="02020603050405020304" pitchFamily="18" charset="0"/>
+                <a:cs typeface="Times New Roman" panose="02020603050405020304" pitchFamily="18" charset="0"/>
+              </a:rPr>
+              <a:t>Serve as a test bed from planning algorithms </a:t>
+            </a:r>
+            <a:endParaRPr lang="en-US" sz="2400" dirty="0" smtClean="0">
+              <a:latin typeface="Times New Roman" panose="02020603050405020304" pitchFamily="18" charset="0"/>
+              <a:cs typeface="Times New Roman" panose="02020603050405020304" pitchFamily="18" charset="0"/>
+            </a:endParaRPr>
           </a:p>
           <a:p>
             <a:endParaRPr lang="en-US" sz="2400" dirty="0" smtClean="0">
@@ -6232,6 +5674,33 @@
                 <a:cs typeface="Times New Roman" panose="02020603050405020304" pitchFamily="18" charset="0"/>
               </a:rPr>
               <a:t>Hardware</a:t>
+            </a:r>
+          </a:p>
+          <a:p>
+            <a:pPr lvl="1"/>
+            <a:r>
+              <a:rPr lang="en-US" sz="2400" dirty="0" smtClean="0">
+                <a:latin typeface="Times New Roman" panose="02020603050405020304" pitchFamily="18" charset="0"/>
+                <a:cs typeface="Times New Roman" panose="02020603050405020304" pitchFamily="18" charset="0"/>
+              </a:rPr>
+              <a:t>Hokuyo Laser Scanner</a:t>
+            </a:r>
+          </a:p>
+          <a:p>
+            <a:pPr lvl="1"/>
+            <a:r>
+              <a:rPr lang="en-US" sz="2400" dirty="0" err="1" smtClean="0">
+                <a:latin typeface="Times New Roman" panose="02020603050405020304" pitchFamily="18" charset="0"/>
+                <a:cs typeface="Times New Roman" panose="02020603050405020304" pitchFamily="18" charset="0"/>
+              </a:rPr>
+              <a:t>FLiR</a:t>
+            </a:r>
+            <a:r>
+              <a:rPr lang="en-US" sz="2400" dirty="0" smtClean="0">
+                <a:latin typeface="Times New Roman" panose="02020603050405020304" pitchFamily="18" charset="0"/>
+                <a:cs typeface="Times New Roman" panose="02020603050405020304" pitchFamily="18" charset="0"/>
+              </a:rPr>
+              <a:t> sensor</a:t>
             </a:r>
             <a:endParaRPr lang="en-US" sz="2400" dirty="0">
               <a:latin typeface="Times New Roman" panose="02020603050405020304" pitchFamily="18" charset="0"/>
@@ -6946,7 +6415,7 @@
         </p:nvSpPr>
         <p:spPr>
           <a:xfrm>
-            <a:off x="940179" y="1399169"/>
+            <a:off x="1742278" y="1327505"/>
             <a:ext cx="1424539" cy="789272"/>
           </a:xfrm>
           <a:prstGeom prst="rect">
@@ -6974,7 +6443,15 @@
             <a:pPr algn="ctr"/>
             <a:r>
               <a:rPr lang="en-US" dirty="0" smtClean="0"/>
-              <a:t>IMU</a:t>
+              <a:t>IMU and Wheel </a:t>
+            </a:r>
+            <a:r>
+              <a:rPr lang="en-US" dirty="0" err="1" smtClean="0"/>
+              <a:t>Odometry</a:t>
+            </a:r>
+            <a:r>
+              <a:rPr lang="en-US" dirty="0" smtClean="0"/>
+              <a:t> </a:t>
             </a:r>
             <a:endParaRPr lang="en-US" dirty="0"/>
           </a:p>
@@ -7015,8 +6492,12 @@
           <a:p>
             <a:pPr algn="ctr"/>
             <a:r>
+              <a:rPr lang="en-US" dirty="0" err="1" smtClean="0"/>
+              <a:t>Odroid</a:t>
+            </a:r>
+            <a:r>
               <a:rPr lang="en-US" dirty="0" smtClean="0"/>
-              <a:t>On-board Computer</a:t>
+              <a:t> XU4</a:t>
             </a:r>
             <a:endParaRPr lang="en-US" dirty="0"/>
           </a:p>
@@ -7103,11 +6584,7 @@
             <a:pPr algn="ctr"/>
             <a:r>
               <a:rPr lang="en-US" dirty="0" smtClean="0"/>
-              <a:t> </a:t>
-            </a:r>
-            <a:r>
-              <a:rPr lang="en-US" dirty="0" smtClean="0"/>
-              <a:t>Adapter</a:t>
+              <a:t> Adapter</a:t>
             </a:r>
             <a:endParaRPr lang="en-US" dirty="0"/>
           </a:p>
@@ -7155,7 +6632,7 @@
         </p:blipFill>
         <p:spPr bwMode="auto">
           <a:xfrm>
-            <a:off x="315251" y="4322143"/>
+            <a:off x="1291460" y="4581094"/>
             <a:ext cx="1875357" cy="2201331"/>
           </a:xfrm>
           <a:prstGeom prst="rect">
@@ -7312,7 +6789,6 @@
               <a:rPr lang="en-US" dirty="0" smtClean="0"/>
               <a:t>Motor</a:t>
             </a:r>
-            <a:endParaRPr lang="en-US" dirty="0" smtClean="0"/>
           </a:p>
         </p:txBody>
       </p:sp>
@@ -7513,8 +6989,8 @@
         </p:nvCxnSpPr>
         <p:spPr>
           <a:xfrm rot="16200000" flipH="1">
-            <a:off x="1834931" y="2005959"/>
-            <a:ext cx="1479717" cy="1844680"/>
+            <a:off x="2200148" y="2371176"/>
+            <a:ext cx="1551381" cy="1042581"/>
           </a:xfrm>
           <a:prstGeom prst="bentConnector2">
             <a:avLst/>
@@ -7634,6 +7110,192 @@
           </a:fontRef>
         </p:style>
       </p:cxnSp>
+      <p:sp>
+        <p:nvSpPr>
+          <p:cNvPr id="26" name="Rectangle 25"/>
+          <p:cNvSpPr/>
+          <p:nvPr/>
+        </p:nvSpPr>
+        <p:spPr>
+          <a:xfrm>
+            <a:off x="7526956" y="3594349"/>
+            <a:ext cx="1145967" cy="593043"/>
+          </a:xfrm>
+          <a:prstGeom prst="rect">
+            <a:avLst/>
+          </a:prstGeom>
+        </p:spPr>
+        <p:style>
+          <a:lnRef idx="2">
+            <a:schemeClr val="dk1"/>
+          </a:lnRef>
+          <a:fillRef idx="1">
+            <a:schemeClr val="lt1"/>
+          </a:fillRef>
+          <a:effectRef idx="0">
+            <a:schemeClr val="dk1"/>
+          </a:effectRef>
+          <a:fontRef idx="minor">
+            <a:schemeClr val="dk1"/>
+          </a:fontRef>
+        </p:style>
+        <p:txBody>
+          <a:bodyPr rtlCol="0" anchor="ctr"/>
+          <a:lstStyle/>
+          <a:p>
+            <a:pPr algn="ctr"/>
+            <a:r>
+              <a:rPr lang="en-US" dirty="0" err="1" smtClean="0"/>
+              <a:t>FLiR</a:t>
+            </a:r>
+            <a:endParaRPr lang="en-US" dirty="0"/>
+          </a:p>
+        </p:txBody>
+      </p:sp>
+      <p:cxnSp>
+        <p:nvCxnSpPr>
+          <p:cNvPr id="3" name="Straight Connector 2"/>
+          <p:cNvCxnSpPr/>
+          <p:nvPr/>
+        </p:nvCxnSpPr>
+        <p:spPr>
+          <a:xfrm flipH="1">
+            <a:off x="4921668" y="3910119"/>
+            <a:ext cx="2605290" cy="0"/>
+          </a:xfrm>
+          <a:prstGeom prst="line">
+            <a:avLst/>
+          </a:prstGeom>
+        </p:spPr>
+        <p:style>
+          <a:lnRef idx="2">
+            <a:schemeClr val="dk1"/>
+          </a:lnRef>
+          <a:fillRef idx="0">
+            <a:schemeClr val="dk1"/>
+          </a:fillRef>
+          <a:effectRef idx="1">
+            <a:schemeClr val="dk1"/>
+          </a:effectRef>
+          <a:fontRef idx="minor">
+            <a:schemeClr val="tx1"/>
+          </a:fontRef>
+        </p:style>
+      </p:cxnSp>
+      <p:sp>
+        <p:nvSpPr>
+          <p:cNvPr id="33" name="Rectangle 32"/>
+          <p:cNvSpPr/>
+          <p:nvPr/>
+        </p:nvSpPr>
+        <p:spPr>
+          <a:xfrm>
+            <a:off x="549541" y="3602747"/>
+            <a:ext cx="1145967" cy="593043"/>
+          </a:xfrm>
+          <a:prstGeom prst="rect">
+            <a:avLst/>
+          </a:prstGeom>
+        </p:spPr>
+        <p:style>
+          <a:lnRef idx="2">
+            <a:schemeClr val="dk1"/>
+          </a:lnRef>
+          <a:fillRef idx="1">
+            <a:schemeClr val="lt1"/>
+          </a:fillRef>
+          <a:effectRef idx="0">
+            <a:schemeClr val="dk1"/>
+          </a:effectRef>
+          <a:fontRef idx="minor">
+            <a:schemeClr val="dk1"/>
+          </a:fontRef>
+        </p:style>
+        <p:txBody>
+          <a:bodyPr rtlCol="0" anchor="ctr"/>
+          <a:lstStyle/>
+          <a:p>
+            <a:pPr algn="ctr"/>
+            <a:r>
+              <a:rPr lang="en-US" dirty="0" smtClean="0"/>
+              <a:t>Kinect</a:t>
+            </a:r>
+          </a:p>
+          <a:p>
+            <a:pPr algn="ctr"/>
+            <a:r>
+              <a:rPr lang="en-US" dirty="0" smtClean="0"/>
+              <a:t>(optional)</a:t>
+            </a:r>
+            <a:endParaRPr lang="en-US" dirty="0"/>
+          </a:p>
+        </p:txBody>
+      </p:sp>
+      <p:cxnSp>
+        <p:nvCxnSpPr>
+          <p:cNvPr id="24" name="Straight Connector 23"/>
+          <p:cNvCxnSpPr>
+            <a:endCxn id="33" idx="3"/>
+          </p:cNvCxnSpPr>
+          <p:nvPr/>
+        </p:nvCxnSpPr>
+        <p:spPr>
+          <a:xfrm flipH="1">
+            <a:off x="1695508" y="3899268"/>
+            <a:ext cx="1801620" cy="1"/>
+          </a:xfrm>
+          <a:prstGeom prst="line">
+            <a:avLst/>
+          </a:prstGeom>
+        </p:spPr>
+        <p:style>
+          <a:lnRef idx="2">
+            <a:schemeClr val="dk1"/>
+          </a:lnRef>
+          <a:fillRef idx="0">
+            <a:schemeClr val="dk1"/>
+          </a:fillRef>
+          <a:effectRef idx="1">
+            <a:schemeClr val="dk1"/>
+          </a:effectRef>
+          <a:fontRef idx="minor">
+            <a:schemeClr val="tx1"/>
+          </a:fontRef>
+        </p:style>
+      </p:cxnSp>
+      <p:pic>
+        <p:nvPicPr>
+          <p:cNvPr id="38" name="Picture 37" descr="http://thermalimaging-blog.com/wp-content/uploads/2014/12/sparkfun-flir-lepton-dev-kit-580x480.jpg"/>
+          <p:cNvPicPr/>
+          <p:nvPr/>
+        </p:nvPicPr>
+        <p:blipFill>
+          <a:blip r:embed="rId7">
+            <a:extLst>
+              <a:ext uri="{28A0092B-C50C-407E-A947-70E740481C1C}">
+                <a14:useLocalDpi xmlns:a14="http://schemas.microsoft.com/office/drawing/2010/main" val="0"/>
+              </a:ext>
+            </a:extLst>
+          </a:blip>
+          <a:srcRect/>
+          <a:stretch>
+            <a:fillRect/>
+          </a:stretch>
+        </p:blipFill>
+        <p:spPr bwMode="auto">
+          <a:xfrm>
+            <a:off x="7330298" y="2082335"/>
+            <a:ext cx="1607610" cy="1489573"/>
+          </a:xfrm>
+          <a:prstGeom prst="rect">
+            <a:avLst/>
+          </a:prstGeom>
+          <a:noFill/>
+          <a:ln>
+            <a:noFill/>
+          </a:ln>
+        </p:spPr>
+      </p:pic>
     </p:spTree>
     <p:extLst>
       <p:ext uri="{BB962C8B-B14F-4D97-AF65-F5344CB8AC3E}">
@@ -7655,1038 +7317,6 @@
 </file>
 
 <file path=ppt/slides/slide8.xml><?xml version="1.0" encoding="utf-8"?>
-<p:sld xmlns:a="http://schemas.openxmlformats.org/drawingml/2006/main" xmlns:r="http://schemas.openxmlformats.org/officeDocument/2006/relationships" xmlns:p="http://schemas.openxmlformats.org/presentationml/2006/main" show="0">
-  <p:cSld>
-    <p:spTree>
-      <p:nvGrpSpPr>
-        <p:cNvPr id="1" name=""/>
-        <p:cNvGrpSpPr/>
-        <p:nvPr/>
-      </p:nvGrpSpPr>
-      <p:grpSpPr>
-        <a:xfrm>
-          <a:off x="0" y="0"/>
-          <a:ext cx="0" cy="0"/>
-          <a:chOff x="0" y="0"/>
-          <a:chExt cx="0" cy="0"/>
-        </a:xfrm>
-      </p:grpSpPr>
-      <p:grpSp>
-        <p:nvGrpSpPr>
-          <p:cNvPr id="4" name="Group 3"/>
-          <p:cNvGrpSpPr/>
-          <p:nvPr/>
-        </p:nvGrpSpPr>
-        <p:grpSpPr>
-          <a:xfrm>
-            <a:off x="0" y="1"/>
-            <a:ext cx="9144000" cy="844012"/>
-            <a:chOff x="0" y="1"/>
-            <a:chExt cx="9144000" cy="844012"/>
-          </a:xfrm>
-        </p:grpSpPr>
-        <p:cxnSp>
-          <p:nvCxnSpPr>
-            <p:cNvPr id="5" name="Straight Connector 4"/>
-            <p:cNvCxnSpPr/>
-            <p:nvPr/>
-          </p:nvCxnSpPr>
-          <p:spPr>
-            <a:xfrm>
-              <a:off x="0" y="844013"/>
-              <a:ext cx="9144000" cy="0"/>
-            </a:xfrm>
-            <a:prstGeom prst="line">
-              <a:avLst/>
-            </a:prstGeom>
-            <a:ln>
-              <a:solidFill>
-                <a:schemeClr val="tx1"/>
-              </a:solidFill>
-            </a:ln>
-            <a:effectLst/>
-          </p:spPr>
-          <p:style>
-            <a:lnRef idx="2">
-              <a:schemeClr val="accent1"/>
-            </a:lnRef>
-            <a:fillRef idx="0">
-              <a:schemeClr val="accent1"/>
-            </a:fillRef>
-            <a:effectRef idx="1">
-              <a:schemeClr val="accent1"/>
-            </a:effectRef>
-            <a:fontRef idx="minor">
-              <a:schemeClr val="tx1"/>
-            </a:fontRef>
-          </p:style>
-        </p:cxnSp>
-        <p:pic>
-          <p:nvPicPr>
-            <p:cNvPr id="6" name="Picture 5" descr="Screen Shot 2015-10-11 at 11.16.20 AM.png"/>
-            <p:cNvPicPr>
-              <a:picLocks noChangeAspect="1"/>
-            </p:cNvPicPr>
-            <p:nvPr/>
-          </p:nvPicPr>
-          <p:blipFill>
-            <a:blip r:embed="rId2">
-              <a:extLst>
-                <a:ext uri="{28A0092B-C50C-407E-A947-70E740481C1C}">
-                  <a14:useLocalDpi xmlns:a14="http://schemas.microsoft.com/office/drawing/2010/main" val="0"/>
-                </a:ext>
-              </a:extLst>
-            </a:blip>
-            <a:stretch>
-              <a:fillRect/>
-            </a:stretch>
-          </p:blipFill>
-          <p:spPr>
-            <a:xfrm>
-              <a:off x="0" y="1"/>
-              <a:ext cx="1151748" cy="844012"/>
-            </a:xfrm>
-            <a:prstGeom prst="rect">
-              <a:avLst/>
-            </a:prstGeom>
-          </p:spPr>
-        </p:pic>
-        <p:sp>
-          <p:nvSpPr>
-            <p:cNvPr id="7" name="Rectangle 6"/>
-            <p:cNvSpPr/>
-            <p:nvPr/>
-          </p:nvSpPr>
-          <p:spPr>
-            <a:xfrm>
-              <a:off x="1151748" y="2283"/>
-              <a:ext cx="7992252" cy="832104"/>
-            </a:xfrm>
-            <a:prstGeom prst="rect">
-              <a:avLst/>
-            </a:prstGeom>
-            <a:solidFill>
-              <a:schemeClr val="tx1"/>
-            </a:solidFill>
-            <a:ln>
-              <a:solidFill>
-                <a:schemeClr val="tx1"/>
-              </a:solidFill>
-            </a:ln>
-            <a:effectLst/>
-          </p:spPr>
-          <p:style>
-            <a:lnRef idx="1">
-              <a:schemeClr val="accent1"/>
-            </a:lnRef>
-            <a:fillRef idx="3">
-              <a:schemeClr val="accent1"/>
-            </a:fillRef>
-            <a:effectRef idx="2">
-              <a:schemeClr val="accent1"/>
-            </a:effectRef>
-            <a:fontRef idx="minor">
-              <a:schemeClr val="lt1"/>
-            </a:fontRef>
-          </p:style>
-          <p:txBody>
-            <a:bodyPr rtlCol="0" anchor="ctr"/>
-            <a:lstStyle/>
-            <a:p>
-              <a:pPr algn="ctr"/>
-              <a:endParaRPr lang="en-US" sz="2000">
-                <a:latin typeface="Arial" panose="020B0604020202020204" pitchFamily="34" charset="0"/>
-                <a:cs typeface="Arial" panose="020B0604020202020204" pitchFamily="34" charset="0"/>
-              </a:endParaRPr>
-            </a:p>
-          </p:txBody>
-        </p:sp>
-        <p:pic>
-          <p:nvPicPr>
-            <p:cNvPr id="8" name="Picture 7"/>
-            <p:cNvPicPr>
-              <a:picLocks noChangeAspect="1"/>
-            </p:cNvPicPr>
-            <p:nvPr/>
-          </p:nvPicPr>
-          <p:blipFill>
-            <a:blip r:embed="rId3"/>
-            <a:stretch>
-              <a:fillRect/>
-            </a:stretch>
-          </p:blipFill>
-          <p:spPr>
-            <a:xfrm>
-              <a:off x="8311013" y="2283"/>
-              <a:ext cx="832987" cy="832987"/>
-            </a:xfrm>
-            <a:prstGeom prst="rect">
-              <a:avLst/>
-            </a:prstGeom>
-          </p:spPr>
-        </p:pic>
-        <p:sp>
-          <p:nvSpPr>
-            <p:cNvPr id="9" name="TextBox 8"/>
-            <p:cNvSpPr txBox="1"/>
-            <p:nvPr/>
-          </p:nvSpPr>
-          <p:spPr>
-            <a:xfrm>
-              <a:off x="1202040" y="188621"/>
-              <a:ext cx="6983237" cy="400110"/>
-            </a:xfrm>
-            <a:prstGeom prst="rect">
-              <a:avLst/>
-            </a:prstGeom>
-            <a:noFill/>
-          </p:spPr>
-          <p:txBody>
-            <a:bodyPr wrap="square" rtlCol="0">
-              <a:spAutoFit/>
-            </a:bodyPr>
-            <a:lstStyle/>
-            <a:p>
-              <a:pPr algn="ctr"/>
-              <a:r>
-                <a:rPr lang="en-US" sz="2000" dirty="0" err="1" smtClean="0">
-                  <a:solidFill>
-                    <a:srgbClr val="FFFFFF"/>
-                  </a:solidFill>
-                  <a:latin typeface="Arial" panose="020B0604020202020204" pitchFamily="34" charset="0"/>
-                  <a:cs typeface="Arial" panose="020B0604020202020204" pitchFamily="34" charset="0"/>
-                </a:rPr>
-                <a:t>FlyNet</a:t>
-              </a:r>
-              <a:r>
-                <a:rPr lang="en-US" sz="2000" dirty="0" smtClean="0">
-                  <a:solidFill>
-                    <a:srgbClr val="FFFFFF"/>
-                  </a:solidFill>
-                  <a:latin typeface="Arial" panose="020B0604020202020204" pitchFamily="34" charset="0"/>
-                  <a:cs typeface="Arial" panose="020B0604020202020204" pitchFamily="34" charset="0"/>
-                </a:rPr>
-                <a:t>: Autonomous </a:t>
-              </a:r>
-              <a:r>
-                <a:rPr lang="en-US" sz="2000" dirty="0" err="1" smtClean="0">
-                  <a:solidFill>
-                    <a:srgbClr val="FFFFFF"/>
-                  </a:solidFill>
-                  <a:latin typeface="Arial" panose="020B0604020202020204" pitchFamily="34" charset="0"/>
-                  <a:cs typeface="Arial" panose="020B0604020202020204" pitchFamily="34" charset="0"/>
-                </a:rPr>
-                <a:t>Quadcopter</a:t>
-              </a:r>
-              <a:r>
-                <a:rPr lang="en-US" sz="2000" dirty="0" smtClean="0">
-                  <a:solidFill>
-                    <a:srgbClr val="FFFFFF"/>
-                  </a:solidFill>
-                  <a:latin typeface="Arial" panose="020B0604020202020204" pitchFamily="34" charset="0"/>
-                  <a:cs typeface="Arial" panose="020B0604020202020204" pitchFamily="34" charset="0"/>
-                </a:rPr>
-                <a:t> Search and Rescue</a:t>
-              </a:r>
-              <a:endParaRPr lang="en-US" sz="2000" dirty="0">
-                <a:solidFill>
-                  <a:srgbClr val="FFFFFF"/>
-                </a:solidFill>
-                <a:latin typeface="Arial" panose="020B0604020202020204" pitchFamily="34" charset="0"/>
-                <a:cs typeface="Arial" panose="020B0604020202020204" pitchFamily="34" charset="0"/>
-              </a:endParaRPr>
-            </a:p>
-          </p:txBody>
-        </p:sp>
-      </p:grpSp>
-      <p:sp>
-        <p:nvSpPr>
-          <p:cNvPr id="10" name="Rectangle 9"/>
-          <p:cNvSpPr/>
-          <p:nvPr/>
-        </p:nvSpPr>
-        <p:spPr>
-          <a:xfrm>
-            <a:off x="693018" y="1790299"/>
-            <a:ext cx="2050181" cy="914400"/>
-          </a:xfrm>
-          <a:prstGeom prst="rect">
-            <a:avLst/>
-          </a:prstGeom>
-        </p:spPr>
-        <p:style>
-          <a:lnRef idx="2">
-            <a:schemeClr val="dk1"/>
-          </a:lnRef>
-          <a:fillRef idx="1">
-            <a:schemeClr val="lt1"/>
-          </a:fillRef>
-          <a:effectRef idx="0">
-            <a:schemeClr val="dk1"/>
-          </a:effectRef>
-          <a:fontRef idx="minor">
-            <a:schemeClr val="dk1"/>
-          </a:fontRef>
-        </p:style>
-        <p:txBody>
-          <a:bodyPr rtlCol="0" anchor="ctr"/>
-          <a:lstStyle/>
-          <a:p>
-            <a:pPr algn="ctr"/>
-            <a:r>
-              <a:rPr lang="en-US" sz="2000" dirty="0" smtClean="0">
-                <a:ln w="0"/>
-                <a:solidFill>
-                  <a:schemeClr val="tx1"/>
-                </a:solidFill>
-                <a:effectLst>
-                  <a:outerShdw blurRad="38100" dist="19050" dir="2700000" algn="tl" rotWithShape="0">
-                    <a:schemeClr val="dk1">
-                      <a:alpha val="40000"/>
-                    </a:schemeClr>
-                  </a:outerShdw>
-                </a:effectLst>
-                <a:latin typeface="Arial" panose="020B0604020202020204" pitchFamily="34" charset="0"/>
-                <a:cs typeface="Arial" panose="020B0604020202020204" pitchFamily="34" charset="0"/>
-              </a:rPr>
-              <a:t>Sensors</a:t>
-            </a:r>
-            <a:endParaRPr lang="en-US" sz="2000" dirty="0">
-              <a:ln w="0"/>
-              <a:solidFill>
-                <a:schemeClr val="tx1"/>
-              </a:solidFill>
-              <a:effectLst>
-                <a:outerShdw blurRad="38100" dist="19050" dir="2700000" algn="tl" rotWithShape="0">
-                  <a:schemeClr val="dk1">
-                    <a:alpha val="40000"/>
-                  </a:schemeClr>
-                </a:outerShdw>
-              </a:effectLst>
-              <a:latin typeface="Arial" panose="020B0604020202020204" pitchFamily="34" charset="0"/>
-              <a:cs typeface="Arial" panose="020B0604020202020204" pitchFamily="34" charset="0"/>
-            </a:endParaRPr>
-          </a:p>
-        </p:txBody>
-      </p:sp>
-      <p:sp>
-        <p:nvSpPr>
-          <p:cNvPr id="11" name="Rectangle 10"/>
-          <p:cNvSpPr/>
-          <p:nvPr/>
-        </p:nvSpPr>
-        <p:spPr>
-          <a:xfrm>
-            <a:off x="3509754" y="1790299"/>
-            <a:ext cx="2050181" cy="914400"/>
-          </a:xfrm>
-          <a:prstGeom prst="rect">
-            <a:avLst/>
-          </a:prstGeom>
-        </p:spPr>
-        <p:style>
-          <a:lnRef idx="2">
-            <a:schemeClr val="dk1"/>
-          </a:lnRef>
-          <a:fillRef idx="1">
-            <a:schemeClr val="lt1"/>
-          </a:fillRef>
-          <a:effectRef idx="0">
-            <a:schemeClr val="dk1"/>
-          </a:effectRef>
-          <a:fontRef idx="minor">
-            <a:schemeClr val="dk1"/>
-          </a:fontRef>
-        </p:style>
-        <p:txBody>
-          <a:bodyPr rtlCol="0" anchor="ctr"/>
-          <a:lstStyle/>
-          <a:p>
-            <a:pPr algn="ctr"/>
-            <a:r>
-              <a:rPr lang="en-US" sz="2000" dirty="0" smtClean="0">
-                <a:ln w="0"/>
-                <a:solidFill>
-                  <a:schemeClr val="tx1"/>
-                </a:solidFill>
-                <a:effectLst>
-                  <a:outerShdw blurRad="38100" dist="19050" dir="2700000" algn="tl" rotWithShape="0">
-                    <a:schemeClr val="dk1">
-                      <a:alpha val="40000"/>
-                    </a:schemeClr>
-                  </a:outerShdw>
-                </a:effectLst>
-                <a:latin typeface="Arial" panose="020B0604020202020204" pitchFamily="34" charset="0"/>
-                <a:cs typeface="Arial" panose="020B0604020202020204" pitchFamily="34" charset="0"/>
-              </a:rPr>
-              <a:t>Visual Sensor</a:t>
-            </a:r>
-            <a:endParaRPr lang="en-US" sz="2000" dirty="0">
-              <a:ln w="0"/>
-              <a:solidFill>
-                <a:schemeClr val="tx1"/>
-              </a:solidFill>
-              <a:effectLst>
-                <a:outerShdw blurRad="38100" dist="19050" dir="2700000" algn="tl" rotWithShape="0">
-                  <a:schemeClr val="dk1">
-                    <a:alpha val="40000"/>
-                  </a:schemeClr>
-                </a:outerShdw>
-              </a:effectLst>
-              <a:latin typeface="Arial" panose="020B0604020202020204" pitchFamily="34" charset="0"/>
-              <a:cs typeface="Arial" panose="020B0604020202020204" pitchFamily="34" charset="0"/>
-            </a:endParaRPr>
-          </a:p>
-        </p:txBody>
-      </p:sp>
-      <p:sp>
-        <p:nvSpPr>
-          <p:cNvPr id="12" name="Rectangle 11"/>
-          <p:cNvSpPr/>
-          <p:nvPr/>
-        </p:nvSpPr>
-        <p:spPr>
-          <a:xfrm>
-            <a:off x="3517775" y="3473118"/>
-            <a:ext cx="2050181" cy="914400"/>
-          </a:xfrm>
-          <a:prstGeom prst="rect">
-            <a:avLst/>
-          </a:prstGeom>
-        </p:spPr>
-        <p:style>
-          <a:lnRef idx="2">
-            <a:schemeClr val="dk1"/>
-          </a:lnRef>
-          <a:fillRef idx="1">
-            <a:schemeClr val="lt1"/>
-          </a:fillRef>
-          <a:effectRef idx="0">
-            <a:schemeClr val="dk1"/>
-          </a:effectRef>
-          <a:fontRef idx="minor">
-            <a:schemeClr val="dk1"/>
-          </a:fontRef>
-        </p:style>
-        <p:txBody>
-          <a:bodyPr rtlCol="0" anchor="ctr"/>
-          <a:lstStyle/>
-          <a:p>
-            <a:pPr algn="ctr"/>
-            <a:r>
-              <a:rPr lang="en-US" sz="2000" dirty="0" smtClean="0">
-                <a:ln w="0"/>
-                <a:solidFill>
-                  <a:schemeClr val="tx1"/>
-                </a:solidFill>
-                <a:effectLst>
-                  <a:outerShdw blurRad="38100" dist="19050" dir="2700000" algn="tl" rotWithShape="0">
-                    <a:schemeClr val="dk1">
-                      <a:alpha val="40000"/>
-                    </a:schemeClr>
-                  </a:outerShdw>
-                </a:effectLst>
-                <a:latin typeface="Arial" panose="020B0604020202020204" pitchFamily="34" charset="0"/>
-                <a:cs typeface="Arial" panose="020B0604020202020204" pitchFamily="34" charset="0"/>
-              </a:rPr>
-              <a:t>On-board Computer</a:t>
-            </a:r>
-            <a:endParaRPr lang="en-US" sz="2000" dirty="0">
-              <a:ln w="0"/>
-              <a:solidFill>
-                <a:schemeClr val="tx1"/>
-              </a:solidFill>
-              <a:effectLst>
-                <a:outerShdw blurRad="38100" dist="19050" dir="2700000" algn="tl" rotWithShape="0">
-                  <a:schemeClr val="dk1">
-                    <a:alpha val="40000"/>
-                  </a:schemeClr>
-                </a:outerShdw>
-              </a:effectLst>
-              <a:latin typeface="Arial" panose="020B0604020202020204" pitchFamily="34" charset="0"/>
-              <a:cs typeface="Arial" panose="020B0604020202020204" pitchFamily="34" charset="0"/>
-            </a:endParaRPr>
-          </a:p>
-        </p:txBody>
-      </p:sp>
-      <p:sp>
-        <p:nvSpPr>
-          <p:cNvPr id="13" name="Rectangle 12"/>
-          <p:cNvSpPr/>
-          <p:nvPr/>
-        </p:nvSpPr>
-        <p:spPr>
-          <a:xfrm>
-            <a:off x="3517772" y="5022784"/>
-            <a:ext cx="2050181" cy="914400"/>
-          </a:xfrm>
-          <a:prstGeom prst="rect">
-            <a:avLst/>
-          </a:prstGeom>
-        </p:spPr>
-        <p:style>
-          <a:lnRef idx="2">
-            <a:schemeClr val="dk1"/>
-          </a:lnRef>
-          <a:fillRef idx="1">
-            <a:schemeClr val="lt1"/>
-          </a:fillRef>
-          <a:effectRef idx="0">
-            <a:schemeClr val="dk1"/>
-          </a:effectRef>
-          <a:fontRef idx="minor">
-            <a:schemeClr val="dk1"/>
-          </a:fontRef>
-        </p:style>
-        <p:txBody>
-          <a:bodyPr rtlCol="0" anchor="ctr"/>
-          <a:lstStyle/>
-          <a:p>
-            <a:pPr algn="ctr"/>
-            <a:r>
-              <a:rPr lang="en-US" sz="2000" dirty="0" smtClean="0">
-                <a:ln w="0"/>
-                <a:solidFill>
-                  <a:schemeClr val="tx1"/>
-                </a:solidFill>
-                <a:effectLst>
-                  <a:outerShdw blurRad="38100" dist="19050" dir="2700000" algn="tl" rotWithShape="0">
-                    <a:schemeClr val="dk1">
-                      <a:alpha val="40000"/>
-                    </a:schemeClr>
-                  </a:outerShdw>
-                </a:effectLst>
-                <a:latin typeface="Arial" panose="020B0604020202020204" pitchFamily="34" charset="0"/>
-                <a:cs typeface="Arial" panose="020B0604020202020204" pitchFamily="34" charset="0"/>
-              </a:rPr>
-              <a:t>Motors </a:t>
-            </a:r>
-            <a:endParaRPr lang="en-US" sz="2000" dirty="0">
-              <a:ln w="0"/>
-              <a:solidFill>
-                <a:schemeClr val="tx1"/>
-              </a:solidFill>
-              <a:effectLst>
-                <a:outerShdw blurRad="38100" dist="19050" dir="2700000" algn="tl" rotWithShape="0">
-                  <a:schemeClr val="dk1">
-                    <a:alpha val="40000"/>
-                  </a:schemeClr>
-                </a:outerShdw>
-              </a:effectLst>
-              <a:latin typeface="Arial" panose="020B0604020202020204" pitchFamily="34" charset="0"/>
-              <a:cs typeface="Arial" panose="020B0604020202020204" pitchFamily="34" charset="0"/>
-            </a:endParaRPr>
-          </a:p>
-        </p:txBody>
-      </p:sp>
-      <p:sp>
-        <p:nvSpPr>
-          <p:cNvPr id="14" name="Rectangle 13"/>
-          <p:cNvSpPr/>
-          <p:nvPr/>
-        </p:nvSpPr>
-        <p:spPr>
-          <a:xfrm>
-            <a:off x="6655468" y="3473118"/>
-            <a:ext cx="2050181" cy="914400"/>
-          </a:xfrm>
-          <a:prstGeom prst="rect">
-            <a:avLst/>
-          </a:prstGeom>
-        </p:spPr>
-        <p:style>
-          <a:lnRef idx="2">
-            <a:schemeClr val="dk1"/>
-          </a:lnRef>
-          <a:fillRef idx="1">
-            <a:schemeClr val="lt1"/>
-          </a:fillRef>
-          <a:effectRef idx="0">
-            <a:schemeClr val="dk1"/>
-          </a:effectRef>
-          <a:fontRef idx="minor">
-            <a:schemeClr val="dk1"/>
-          </a:fontRef>
-        </p:style>
-        <p:txBody>
-          <a:bodyPr rtlCol="0" anchor="ctr"/>
-          <a:lstStyle/>
-          <a:p>
-            <a:pPr algn="ctr"/>
-            <a:r>
-              <a:rPr lang="en-US" sz="2000" dirty="0" smtClean="0">
-                <a:ln w="0"/>
-                <a:solidFill>
-                  <a:schemeClr val="tx1"/>
-                </a:solidFill>
-                <a:effectLst>
-                  <a:outerShdw blurRad="38100" dist="19050" dir="2700000" algn="tl" rotWithShape="0">
-                    <a:schemeClr val="dk1">
-                      <a:alpha val="40000"/>
-                    </a:schemeClr>
-                  </a:outerShdw>
-                </a:effectLst>
-                <a:latin typeface="Arial" panose="020B0604020202020204" pitchFamily="34" charset="0"/>
-                <a:cs typeface="Arial" panose="020B0604020202020204" pitchFamily="34" charset="0"/>
-              </a:rPr>
-              <a:t>Transmitter/</a:t>
-            </a:r>
-          </a:p>
-          <a:p>
-            <a:pPr algn="ctr"/>
-            <a:r>
-              <a:rPr lang="en-US" sz="2000" dirty="0" smtClean="0">
-                <a:ln w="0"/>
-                <a:solidFill>
-                  <a:schemeClr val="tx1"/>
-                </a:solidFill>
-                <a:effectLst>
-                  <a:outerShdw blurRad="38100" dist="19050" dir="2700000" algn="tl" rotWithShape="0">
-                    <a:schemeClr val="dk1">
-                      <a:alpha val="40000"/>
-                    </a:schemeClr>
-                  </a:outerShdw>
-                </a:effectLst>
-                <a:latin typeface="Arial" panose="020B0604020202020204" pitchFamily="34" charset="0"/>
-                <a:cs typeface="Arial" panose="020B0604020202020204" pitchFamily="34" charset="0"/>
-              </a:rPr>
-              <a:t>Receiver </a:t>
-            </a:r>
-            <a:endParaRPr lang="en-US" sz="2000" dirty="0">
-              <a:ln w="0"/>
-              <a:solidFill>
-                <a:schemeClr val="tx1"/>
-              </a:solidFill>
-              <a:effectLst>
-                <a:outerShdw blurRad="38100" dist="19050" dir="2700000" algn="tl" rotWithShape="0">
-                  <a:schemeClr val="dk1">
-                    <a:alpha val="40000"/>
-                  </a:schemeClr>
-                </a:outerShdw>
-              </a:effectLst>
-              <a:latin typeface="Arial" panose="020B0604020202020204" pitchFamily="34" charset="0"/>
-              <a:cs typeface="Arial" panose="020B0604020202020204" pitchFamily="34" charset="0"/>
-            </a:endParaRPr>
-          </a:p>
-        </p:txBody>
-      </p:sp>
-      <p:cxnSp>
-        <p:nvCxnSpPr>
-          <p:cNvPr id="19" name="Straight Arrow Connector 18"/>
-          <p:cNvCxnSpPr>
-            <a:stCxn id="11" idx="2"/>
-            <a:endCxn id="12" idx="0"/>
-          </p:cNvCxnSpPr>
-          <p:nvPr/>
-        </p:nvCxnSpPr>
-        <p:spPr>
-          <a:xfrm>
-            <a:off x="4534845" y="2704699"/>
-            <a:ext cx="8021" cy="768419"/>
-          </a:xfrm>
-          <a:prstGeom prst="straightConnector1">
-            <a:avLst/>
-          </a:prstGeom>
-          <a:ln>
-            <a:tailEnd type="triangle"/>
-          </a:ln>
-        </p:spPr>
-        <p:style>
-          <a:lnRef idx="2">
-            <a:schemeClr val="dk1"/>
-          </a:lnRef>
-          <a:fillRef idx="0">
-            <a:schemeClr val="dk1"/>
-          </a:fillRef>
-          <a:effectRef idx="1">
-            <a:schemeClr val="dk1"/>
-          </a:effectRef>
-          <a:fontRef idx="minor">
-            <a:schemeClr val="tx1"/>
-          </a:fontRef>
-        </p:style>
-      </p:cxnSp>
-      <p:cxnSp>
-        <p:nvCxnSpPr>
-          <p:cNvPr id="21" name="Straight Arrow Connector 20"/>
-          <p:cNvCxnSpPr/>
-          <p:nvPr/>
-        </p:nvCxnSpPr>
-        <p:spPr>
-          <a:xfrm>
-            <a:off x="5559935" y="3686476"/>
-            <a:ext cx="1095533" cy="0"/>
-          </a:xfrm>
-          <a:prstGeom prst="straightConnector1">
-            <a:avLst/>
-          </a:prstGeom>
-          <a:ln>
-            <a:tailEnd type="triangle"/>
-          </a:ln>
-        </p:spPr>
-        <p:style>
-          <a:lnRef idx="2">
-            <a:schemeClr val="dk1"/>
-          </a:lnRef>
-          <a:fillRef idx="0">
-            <a:schemeClr val="dk1"/>
-          </a:fillRef>
-          <a:effectRef idx="1">
-            <a:schemeClr val="dk1"/>
-          </a:effectRef>
-          <a:fontRef idx="minor">
-            <a:schemeClr val="tx1"/>
-          </a:fontRef>
-        </p:style>
-      </p:cxnSp>
-      <p:cxnSp>
-        <p:nvCxnSpPr>
-          <p:cNvPr id="23" name="Straight Arrow Connector 22"/>
-          <p:cNvCxnSpPr/>
-          <p:nvPr/>
-        </p:nvCxnSpPr>
-        <p:spPr>
-          <a:xfrm flipH="1">
-            <a:off x="5559936" y="4158114"/>
-            <a:ext cx="1095532" cy="0"/>
-          </a:xfrm>
-          <a:prstGeom prst="straightConnector1">
-            <a:avLst/>
-          </a:prstGeom>
-          <a:ln>
-            <a:tailEnd type="triangle"/>
-          </a:ln>
-        </p:spPr>
-        <p:style>
-          <a:lnRef idx="2">
-            <a:schemeClr val="dk1"/>
-          </a:lnRef>
-          <a:fillRef idx="0">
-            <a:schemeClr val="dk1"/>
-          </a:fillRef>
-          <a:effectRef idx="1">
-            <a:schemeClr val="dk1"/>
-          </a:effectRef>
-          <a:fontRef idx="minor">
-            <a:schemeClr val="tx1"/>
-          </a:fontRef>
-        </p:style>
-      </p:cxnSp>
-      <p:cxnSp>
-        <p:nvCxnSpPr>
-          <p:cNvPr id="25" name="Straight Arrow Connector 24"/>
-          <p:cNvCxnSpPr>
-            <a:stCxn id="12" idx="2"/>
-            <a:endCxn id="13" idx="0"/>
-          </p:cNvCxnSpPr>
-          <p:nvPr/>
-        </p:nvCxnSpPr>
-        <p:spPr>
-          <a:xfrm flipH="1">
-            <a:off x="4542863" y="4387518"/>
-            <a:ext cx="3" cy="635266"/>
-          </a:xfrm>
-          <a:prstGeom prst="straightConnector1">
-            <a:avLst/>
-          </a:prstGeom>
-          <a:ln>
-            <a:tailEnd type="triangle"/>
-          </a:ln>
-        </p:spPr>
-        <p:style>
-          <a:lnRef idx="2">
-            <a:schemeClr val="dk1"/>
-          </a:lnRef>
-          <a:fillRef idx="0">
-            <a:schemeClr val="dk1"/>
-          </a:fillRef>
-          <a:effectRef idx="1">
-            <a:schemeClr val="dk1"/>
-          </a:effectRef>
-          <a:fontRef idx="minor">
-            <a:schemeClr val="tx1"/>
-          </a:fontRef>
-        </p:style>
-      </p:cxnSp>
-      <p:sp>
-        <p:nvSpPr>
-          <p:cNvPr id="28" name="TextBox 27"/>
-          <p:cNvSpPr txBox="1"/>
-          <p:nvPr/>
-        </p:nvSpPr>
-        <p:spPr>
-          <a:xfrm>
-            <a:off x="5563326" y="2906816"/>
-            <a:ext cx="1319750" cy="738664"/>
-          </a:xfrm>
-          <a:prstGeom prst="rect">
-            <a:avLst/>
-          </a:prstGeom>
-          <a:noFill/>
-        </p:spPr>
-        <p:txBody>
-          <a:bodyPr wrap="square" rtlCol="0">
-            <a:spAutoFit/>
-          </a:bodyPr>
-          <a:lstStyle/>
-          <a:p>
-            <a:pPr algn="ctr"/>
-            <a:r>
-              <a:rPr lang="en-US" sz="1400" dirty="0" smtClean="0">
-                <a:latin typeface="Arial" panose="020B0604020202020204" pitchFamily="34" charset="0"/>
-                <a:cs typeface="Arial" panose="020B0604020202020204" pitchFamily="34" charset="0"/>
-              </a:rPr>
-              <a:t>Sensor Data, Map, Position,</a:t>
-            </a:r>
-          </a:p>
-          <a:p>
-            <a:r>
-              <a:rPr lang="en-US" sz="1400" dirty="0" smtClean="0">
-                <a:latin typeface="Arial" panose="020B0604020202020204" pitchFamily="34" charset="0"/>
-                <a:cs typeface="Arial" panose="020B0604020202020204" pitchFamily="34" charset="0"/>
-              </a:rPr>
-              <a:t>Commands </a:t>
-            </a:r>
-            <a:endParaRPr lang="en-US" sz="1400" dirty="0">
-              <a:latin typeface="Arial" panose="020B0604020202020204" pitchFamily="34" charset="0"/>
-              <a:cs typeface="Arial" panose="020B0604020202020204" pitchFamily="34" charset="0"/>
-            </a:endParaRPr>
-          </a:p>
-        </p:txBody>
-      </p:sp>
-      <p:sp>
-        <p:nvSpPr>
-          <p:cNvPr id="29" name="TextBox 28"/>
-          <p:cNvSpPr txBox="1"/>
-          <p:nvPr/>
-        </p:nvSpPr>
-        <p:spPr>
-          <a:xfrm>
-            <a:off x="5548084" y="4368707"/>
-            <a:ext cx="1319750" cy="954107"/>
-          </a:xfrm>
-          <a:prstGeom prst="rect">
-            <a:avLst/>
-          </a:prstGeom>
-          <a:noFill/>
-        </p:spPr>
-        <p:txBody>
-          <a:bodyPr wrap="square" rtlCol="0">
-            <a:spAutoFit/>
-          </a:bodyPr>
-          <a:lstStyle/>
-          <a:p>
-            <a:pPr algn="ctr"/>
-            <a:r>
-              <a:rPr lang="en-US" sz="1400" dirty="0" smtClean="0">
-                <a:latin typeface="Arial" panose="020B0604020202020204" pitchFamily="34" charset="0"/>
-                <a:cs typeface="Arial" panose="020B0604020202020204" pitchFamily="34" charset="0"/>
-              </a:rPr>
-              <a:t>Position of quad, camera data from quad, </a:t>
-            </a:r>
-            <a:endParaRPr lang="en-US" sz="1400" dirty="0">
-              <a:latin typeface="Arial" panose="020B0604020202020204" pitchFamily="34" charset="0"/>
-              <a:cs typeface="Arial" panose="020B0604020202020204" pitchFamily="34" charset="0"/>
-            </a:endParaRPr>
-          </a:p>
-        </p:txBody>
-      </p:sp>
-      <p:sp>
-        <p:nvSpPr>
-          <p:cNvPr id="30" name="TextBox 29"/>
-          <p:cNvSpPr txBox="1"/>
-          <p:nvPr/>
-        </p:nvSpPr>
-        <p:spPr>
-          <a:xfrm>
-            <a:off x="3282215" y="4387518"/>
-            <a:ext cx="1289785" cy="523220"/>
-          </a:xfrm>
-          <a:prstGeom prst="rect">
-            <a:avLst/>
-          </a:prstGeom>
-          <a:noFill/>
-        </p:spPr>
-        <p:txBody>
-          <a:bodyPr wrap="square" rtlCol="0">
-            <a:spAutoFit/>
-          </a:bodyPr>
-          <a:lstStyle/>
-          <a:p>
-            <a:pPr algn="ctr"/>
-            <a:r>
-              <a:rPr lang="en-US" sz="1400" dirty="0" smtClean="0">
-                <a:latin typeface="Arial" panose="020B0604020202020204" pitchFamily="34" charset="0"/>
-                <a:cs typeface="Arial" panose="020B0604020202020204" pitchFamily="34" charset="0"/>
-              </a:rPr>
-              <a:t>Motor Commands</a:t>
-            </a:r>
-            <a:endParaRPr lang="en-US" sz="1400" dirty="0">
-              <a:latin typeface="Arial" panose="020B0604020202020204" pitchFamily="34" charset="0"/>
-              <a:cs typeface="Arial" panose="020B0604020202020204" pitchFamily="34" charset="0"/>
-            </a:endParaRPr>
-          </a:p>
-        </p:txBody>
-      </p:sp>
-      <p:sp>
-        <p:nvSpPr>
-          <p:cNvPr id="31" name="TextBox 30"/>
-          <p:cNvSpPr txBox="1"/>
-          <p:nvPr/>
-        </p:nvSpPr>
-        <p:spPr>
-          <a:xfrm>
-            <a:off x="1973049" y="3402116"/>
-            <a:ext cx="1289785" cy="523220"/>
-          </a:xfrm>
-          <a:prstGeom prst="rect">
-            <a:avLst/>
-          </a:prstGeom>
-          <a:noFill/>
-        </p:spPr>
-        <p:txBody>
-          <a:bodyPr wrap="square" rtlCol="0">
-            <a:spAutoFit/>
-          </a:bodyPr>
-          <a:lstStyle/>
-          <a:p>
-            <a:pPr algn="ctr"/>
-            <a:r>
-              <a:rPr lang="en-US" sz="1400" dirty="0" smtClean="0">
-                <a:latin typeface="Arial" panose="020B0604020202020204" pitchFamily="34" charset="0"/>
-                <a:cs typeface="Arial" panose="020B0604020202020204" pitchFamily="34" charset="0"/>
-              </a:rPr>
-              <a:t>Sensor</a:t>
-            </a:r>
-          </a:p>
-          <a:p>
-            <a:pPr algn="ctr"/>
-            <a:r>
-              <a:rPr lang="en-US" sz="1400" dirty="0" smtClean="0">
-                <a:latin typeface="Arial" panose="020B0604020202020204" pitchFamily="34" charset="0"/>
-                <a:cs typeface="Arial" panose="020B0604020202020204" pitchFamily="34" charset="0"/>
-              </a:rPr>
-              <a:t>Data</a:t>
-            </a:r>
-            <a:endParaRPr lang="en-US" sz="1400" dirty="0">
-              <a:latin typeface="Arial" panose="020B0604020202020204" pitchFamily="34" charset="0"/>
-              <a:cs typeface="Arial" panose="020B0604020202020204" pitchFamily="34" charset="0"/>
-            </a:endParaRPr>
-          </a:p>
-        </p:txBody>
-      </p:sp>
-      <p:sp>
-        <p:nvSpPr>
-          <p:cNvPr id="32" name="TextBox 31"/>
-          <p:cNvSpPr txBox="1"/>
-          <p:nvPr/>
-        </p:nvSpPr>
-        <p:spPr>
-          <a:xfrm>
-            <a:off x="3479107" y="2868316"/>
-            <a:ext cx="1289785" cy="523220"/>
-          </a:xfrm>
-          <a:prstGeom prst="rect">
-            <a:avLst/>
-          </a:prstGeom>
-          <a:noFill/>
-        </p:spPr>
-        <p:txBody>
-          <a:bodyPr wrap="square" rtlCol="0">
-            <a:spAutoFit/>
-          </a:bodyPr>
-          <a:lstStyle/>
-          <a:p>
-            <a:pPr algn="ctr"/>
-            <a:r>
-              <a:rPr lang="en-US" sz="1400" dirty="0" smtClean="0">
-                <a:latin typeface="Arial" panose="020B0604020202020204" pitchFamily="34" charset="0"/>
-                <a:cs typeface="Arial" panose="020B0604020202020204" pitchFamily="34" charset="0"/>
-              </a:rPr>
-              <a:t>Camera</a:t>
-            </a:r>
-          </a:p>
-          <a:p>
-            <a:pPr algn="ctr"/>
-            <a:r>
-              <a:rPr lang="en-US" sz="1400" dirty="0" smtClean="0">
-                <a:latin typeface="Arial" panose="020B0604020202020204" pitchFamily="34" charset="0"/>
-                <a:cs typeface="Arial" panose="020B0604020202020204" pitchFamily="34" charset="0"/>
-              </a:rPr>
-              <a:t>Data</a:t>
-            </a:r>
-            <a:endParaRPr lang="en-US" sz="1400" dirty="0">
-              <a:latin typeface="Arial" panose="020B0604020202020204" pitchFamily="34" charset="0"/>
-              <a:cs typeface="Arial" panose="020B0604020202020204" pitchFamily="34" charset="0"/>
-            </a:endParaRPr>
-          </a:p>
-        </p:txBody>
-      </p:sp>
-      <p:cxnSp>
-        <p:nvCxnSpPr>
-          <p:cNvPr id="3" name="Elbow Connector 2"/>
-          <p:cNvCxnSpPr>
-            <a:stCxn id="10" idx="2"/>
-            <a:endCxn id="12" idx="1"/>
-          </p:cNvCxnSpPr>
-          <p:nvPr/>
-        </p:nvCxnSpPr>
-        <p:spPr>
-          <a:xfrm rot="16200000" flipH="1">
-            <a:off x="2005133" y="2417675"/>
-            <a:ext cx="1225619" cy="1799666"/>
-          </a:xfrm>
-          <a:prstGeom prst="bentConnector2">
-            <a:avLst/>
-          </a:prstGeom>
-          <a:ln>
-            <a:tailEnd type="triangle"/>
-          </a:ln>
-        </p:spPr>
-        <p:style>
-          <a:lnRef idx="2">
-            <a:schemeClr val="dk1"/>
-          </a:lnRef>
-          <a:fillRef idx="0">
-            <a:schemeClr val="dk1"/>
-          </a:fillRef>
-          <a:effectRef idx="1">
-            <a:schemeClr val="dk1"/>
-          </a:effectRef>
-          <a:fontRef idx="minor">
-            <a:schemeClr val="tx1"/>
-          </a:fontRef>
-        </p:style>
-      </p:cxnSp>
-    </p:spTree>
-    <p:extLst>
-      <p:ext uri="{BB962C8B-B14F-4D97-AF65-F5344CB8AC3E}">
-        <p14:creationId xmlns:p14="http://schemas.microsoft.com/office/powerpoint/2010/main" val="3347893258"/>
-      </p:ext>
-    </p:extLst>
-  </p:cSld>
-  <p:clrMapOvr>
-    <a:masterClrMapping/>
-  </p:clrMapOvr>
-  <mc:AlternateContent xmlns:mc="http://schemas.openxmlformats.org/markup-compatibility/2006">
-    <mc:Choice xmlns:p14="http://schemas.microsoft.com/office/powerpoint/2010/main" Requires="p14">
-      <p:transition spd="slow" p14:dur="2000"/>
-    </mc:Choice>
-    <mc:Fallback>
-      <p:transition spd="slow"/>
-    </mc:Fallback>
-  </mc:AlternateContent>
-  <p:timing>
-    <p:tnLst>
-      <p:par>
-        <p:cTn id="1" dur="indefinite" restart="never" nodeType="tmRoot"/>
-      </p:par>
-    </p:tnLst>
-  </p:timing>
-</p:sld>
-</file>
-
-<file path=ppt/slides/slide9.xml><?xml version="1.0" encoding="utf-8"?>
 <p:sld xmlns:a="http://schemas.openxmlformats.org/drawingml/2006/main" xmlns:r="http://schemas.openxmlformats.org/officeDocument/2006/relationships" xmlns:p="http://schemas.openxmlformats.org/presentationml/2006/main">
   <p:cSld>
     <p:spTree>
@@ -8736,31 +7366,67 @@
           <a:bodyPr rtlCol="0" anchor="ctr"/>
           <a:lstStyle/>
           <a:p>
-            <a:endParaRPr lang="en-US" sz="2000" b="1" dirty="0" smtClean="0"/>
-          </a:p>
-          <a:p>
-            <a:endParaRPr lang="en-US" sz="2000" b="1" dirty="0"/>
-          </a:p>
-          <a:p>
-            <a:endParaRPr lang="en-US" sz="2000" b="1" dirty="0" smtClean="0"/>
-          </a:p>
-          <a:p>
-            <a:endParaRPr lang="en-US" sz="2000" b="1" dirty="0"/>
-          </a:p>
-          <a:p>
-            <a:endParaRPr lang="en-US" sz="2000" b="1" dirty="0" smtClean="0"/>
-          </a:p>
-          <a:p>
-            <a:endParaRPr lang="en-US" sz="2000" b="1" dirty="0"/>
-          </a:p>
-          <a:p>
-            <a:endParaRPr lang="en-US" sz="2000" b="1" dirty="0" smtClean="0"/>
-          </a:p>
-          <a:p>
-            <a:r>
-              <a:rPr lang="en-US" sz="2000" b="1" dirty="0" smtClean="0"/>
-              <a:t>On-board Computer</a:t>
-            </a:r>
+            <a:endParaRPr lang="en-US" b="1" dirty="0" smtClean="0">
+              <a:latin typeface="Times New Roman" panose="02020603050405020304" pitchFamily="18" charset="0"/>
+              <a:cs typeface="Times New Roman" panose="02020603050405020304" pitchFamily="18" charset="0"/>
+            </a:endParaRPr>
+          </a:p>
+          <a:p>
+            <a:endParaRPr lang="en-US" b="1" dirty="0">
+              <a:latin typeface="Times New Roman" panose="02020603050405020304" pitchFamily="18" charset="0"/>
+              <a:cs typeface="Times New Roman" panose="02020603050405020304" pitchFamily="18" charset="0"/>
+            </a:endParaRPr>
+          </a:p>
+          <a:p>
+            <a:endParaRPr lang="en-US" b="1" dirty="0" smtClean="0">
+              <a:latin typeface="Times New Roman" panose="02020603050405020304" pitchFamily="18" charset="0"/>
+              <a:cs typeface="Times New Roman" panose="02020603050405020304" pitchFamily="18" charset="0"/>
+            </a:endParaRPr>
+          </a:p>
+          <a:p>
+            <a:endParaRPr lang="en-US" b="1" dirty="0">
+              <a:latin typeface="Times New Roman" panose="02020603050405020304" pitchFamily="18" charset="0"/>
+              <a:cs typeface="Times New Roman" panose="02020603050405020304" pitchFamily="18" charset="0"/>
+            </a:endParaRPr>
+          </a:p>
+          <a:p>
+            <a:endParaRPr lang="en-US" b="1" dirty="0" smtClean="0">
+              <a:latin typeface="Times New Roman" panose="02020603050405020304" pitchFamily="18" charset="0"/>
+              <a:cs typeface="Times New Roman" panose="02020603050405020304" pitchFamily="18" charset="0"/>
+            </a:endParaRPr>
+          </a:p>
+          <a:p>
+            <a:endParaRPr lang="en-US" b="1" dirty="0">
+              <a:latin typeface="Times New Roman" panose="02020603050405020304" pitchFamily="18" charset="0"/>
+              <a:cs typeface="Times New Roman" panose="02020603050405020304" pitchFamily="18" charset="0"/>
+            </a:endParaRPr>
+          </a:p>
+          <a:p>
+            <a:endParaRPr lang="en-US" b="1" dirty="0" smtClean="0">
+              <a:latin typeface="Times New Roman" panose="02020603050405020304" pitchFamily="18" charset="0"/>
+              <a:cs typeface="Times New Roman" panose="02020603050405020304" pitchFamily="18" charset="0"/>
+            </a:endParaRPr>
+          </a:p>
+          <a:p>
+            <a:pPr algn="ctr"/>
+            <a:r>
+              <a:rPr lang="en-US" b="1" dirty="0" err="1" smtClean="0">
+                <a:latin typeface="Times New Roman" panose="02020603050405020304" pitchFamily="18" charset="0"/>
+                <a:cs typeface="Times New Roman" panose="02020603050405020304" pitchFamily="18" charset="0"/>
+              </a:rPr>
+              <a:t>Odroid</a:t>
+            </a:r>
+            <a:r>
+              <a:rPr lang="en-US" b="1" dirty="0" smtClean="0">
+                <a:latin typeface="Times New Roman" panose="02020603050405020304" pitchFamily="18" charset="0"/>
+                <a:cs typeface="Times New Roman" panose="02020603050405020304" pitchFamily="18" charset="0"/>
+              </a:rPr>
+              <a:t> XU 4</a:t>
+            </a:r>
+            <a:endParaRPr lang="en-US" b="1" dirty="0" smtClean="0">
+              <a:latin typeface="Times New Roman" panose="02020603050405020304" pitchFamily="18" charset="0"/>
+              <a:cs typeface="Times New Roman" panose="02020603050405020304" pitchFamily="18" charset="0"/>
+            </a:endParaRPr>
           </a:p>
           <a:p>
             <a:pPr marL="285750" indent="-285750">
@@ -8768,7 +7434,10 @@
               <a:buChar char="•"/>
             </a:pPr>
             <a:r>
-              <a:rPr lang="en-US" dirty="0" smtClean="0"/>
+              <a:rPr lang="en-US" dirty="0" smtClean="0">
+                <a:latin typeface="Times New Roman" panose="02020603050405020304" pitchFamily="18" charset="0"/>
+                <a:cs typeface="Times New Roman" panose="02020603050405020304" pitchFamily="18" charset="0"/>
+              </a:rPr>
               <a:t>Ubuntu 14.04</a:t>
             </a:r>
           </a:p>
@@ -8778,15 +7447,24 @@
               <a:buChar char="•"/>
             </a:pPr>
             <a:r>
-              <a:rPr lang="en-US" dirty="0" smtClean="0"/>
+              <a:rPr lang="en-US" dirty="0" smtClean="0">
+                <a:latin typeface="Times New Roman" panose="02020603050405020304" pitchFamily="18" charset="0"/>
+                <a:cs typeface="Times New Roman" panose="02020603050405020304" pitchFamily="18" charset="0"/>
+              </a:rPr>
               <a:t>Runs </a:t>
             </a:r>
             <a:r>
-              <a:rPr lang="en-US" dirty="0" err="1" smtClean="0"/>
+              <a:rPr lang="en-US" dirty="0" err="1" smtClean="0">
+                <a:latin typeface="Times New Roman" panose="02020603050405020304" pitchFamily="18" charset="0"/>
+                <a:cs typeface="Times New Roman" panose="02020603050405020304" pitchFamily="18" charset="0"/>
+              </a:rPr>
               <a:t>Hector_Slam</a:t>
             </a:r>
             <a:r>
-              <a:rPr lang="en-US" dirty="0" smtClean="0"/>
+              <a:rPr lang="en-US" dirty="0" smtClean="0">
+                <a:latin typeface="Times New Roman" panose="02020603050405020304" pitchFamily="18" charset="0"/>
+                <a:cs typeface="Times New Roman" panose="02020603050405020304" pitchFamily="18" charset="0"/>
+              </a:rPr>
               <a:t> algorithms</a:t>
             </a:r>
           </a:p>
@@ -8796,9 +7474,16 @@
               <a:buChar char="•"/>
             </a:pPr>
             <a:r>
-              <a:rPr lang="en-US" dirty="0" smtClean="0"/>
-              <a:t>Runs path planning algorithms for the ground and aerial robot</a:t>
-            </a:r>
+              <a:rPr lang="en-US" dirty="0" smtClean="0">
+                <a:latin typeface="Times New Roman" panose="02020603050405020304" pitchFamily="18" charset="0"/>
+                <a:cs typeface="Times New Roman" panose="02020603050405020304" pitchFamily="18" charset="0"/>
+              </a:rPr>
+              <a:t>Runs path planning algorithms for the ground </a:t>
+            </a:r>
+            <a:endParaRPr lang="en-US" dirty="0" smtClean="0">
+              <a:latin typeface="Times New Roman" panose="02020603050405020304" pitchFamily="18" charset="0"/>
+              <a:cs typeface="Times New Roman" panose="02020603050405020304" pitchFamily="18" charset="0"/>
+            </a:endParaRPr>
           </a:p>
           <a:p>
             <a:pPr marL="285750" indent="-285750">
@@ -8806,33 +7491,64 @@
               <a:buChar char="•"/>
             </a:pPr>
             <a:r>
-              <a:rPr lang="en-US" dirty="0" smtClean="0"/>
-              <a:t>Processes data from Quadcopter</a:t>
-            </a:r>
-          </a:p>
-          <a:p>
-            <a:endParaRPr lang="en-US" dirty="0"/>
-          </a:p>
-          <a:p>
-            <a:endParaRPr lang="en-US" dirty="0" smtClean="0"/>
-          </a:p>
-          <a:p>
-            <a:endParaRPr lang="en-US" dirty="0"/>
-          </a:p>
-          <a:p>
-            <a:endParaRPr lang="en-US" dirty="0" smtClean="0"/>
-          </a:p>
-          <a:p>
-            <a:endParaRPr lang="en-US" dirty="0"/>
-          </a:p>
-          <a:p>
-            <a:endParaRPr lang="en-US" dirty="0" smtClean="0"/>
-          </a:p>
-          <a:p>
-            <a:endParaRPr lang="en-US" dirty="0"/>
-          </a:p>
-          <a:p>
-            <a:endParaRPr lang="en-US" dirty="0"/>
+              <a:rPr lang="en-US" dirty="0" smtClean="0">
+                <a:latin typeface="Times New Roman" panose="02020603050405020304" pitchFamily="18" charset="0"/>
+                <a:cs typeface="Times New Roman" panose="02020603050405020304" pitchFamily="18" charset="0"/>
+              </a:rPr>
+              <a:t>Acts as a task allocator (incase of multiple quadcopters)</a:t>
+            </a:r>
+            <a:endParaRPr lang="en-US" dirty="0" smtClean="0">
+              <a:latin typeface="Times New Roman" panose="02020603050405020304" pitchFamily="18" charset="0"/>
+              <a:cs typeface="Times New Roman" panose="02020603050405020304" pitchFamily="18" charset="0"/>
+            </a:endParaRPr>
+          </a:p>
+          <a:p>
+            <a:endParaRPr lang="en-US" dirty="0">
+              <a:latin typeface="Times New Roman" panose="02020603050405020304" pitchFamily="18" charset="0"/>
+              <a:cs typeface="Times New Roman" panose="02020603050405020304" pitchFamily="18" charset="0"/>
+            </a:endParaRPr>
+          </a:p>
+          <a:p>
+            <a:endParaRPr lang="en-US" dirty="0" smtClean="0">
+              <a:latin typeface="Times New Roman" panose="02020603050405020304" pitchFamily="18" charset="0"/>
+              <a:cs typeface="Times New Roman" panose="02020603050405020304" pitchFamily="18" charset="0"/>
+            </a:endParaRPr>
+          </a:p>
+          <a:p>
+            <a:endParaRPr lang="en-US" dirty="0">
+              <a:latin typeface="Times New Roman" panose="02020603050405020304" pitchFamily="18" charset="0"/>
+              <a:cs typeface="Times New Roman" panose="02020603050405020304" pitchFamily="18" charset="0"/>
+            </a:endParaRPr>
+          </a:p>
+          <a:p>
+            <a:endParaRPr lang="en-US" dirty="0" smtClean="0">
+              <a:latin typeface="Times New Roman" panose="02020603050405020304" pitchFamily="18" charset="0"/>
+              <a:cs typeface="Times New Roman" panose="02020603050405020304" pitchFamily="18" charset="0"/>
+            </a:endParaRPr>
+          </a:p>
+          <a:p>
+            <a:endParaRPr lang="en-US" dirty="0">
+              <a:latin typeface="Times New Roman" panose="02020603050405020304" pitchFamily="18" charset="0"/>
+              <a:cs typeface="Times New Roman" panose="02020603050405020304" pitchFamily="18" charset="0"/>
+            </a:endParaRPr>
+          </a:p>
+          <a:p>
+            <a:endParaRPr lang="en-US" dirty="0" smtClean="0">
+              <a:latin typeface="Times New Roman" panose="02020603050405020304" pitchFamily="18" charset="0"/>
+              <a:cs typeface="Times New Roman" panose="02020603050405020304" pitchFamily="18" charset="0"/>
+            </a:endParaRPr>
+          </a:p>
+          <a:p>
+            <a:endParaRPr lang="en-US" dirty="0">
+              <a:latin typeface="Times New Roman" panose="02020603050405020304" pitchFamily="18" charset="0"/>
+              <a:cs typeface="Times New Roman" panose="02020603050405020304" pitchFamily="18" charset="0"/>
+            </a:endParaRPr>
+          </a:p>
+          <a:p>
+            <a:endParaRPr lang="en-US" dirty="0">
+              <a:latin typeface="Times New Roman" panose="02020603050405020304" pitchFamily="18" charset="0"/>
+              <a:cs typeface="Times New Roman" panose="02020603050405020304" pitchFamily="18" charset="0"/>
+            </a:endParaRPr>
           </a:p>
         </p:txBody>
       </p:sp>
@@ -8873,54 +7589,78 @@
               <a:buFont typeface="Arial" panose="020B0604020202020204" pitchFamily="34" charset="0"/>
               <a:buChar char="•"/>
             </a:pPr>
-            <a:endParaRPr lang="en-US" sz="2000" b="1" dirty="0" smtClean="0"/>
+            <a:endParaRPr lang="en-US" b="1" dirty="0" smtClean="0">
+              <a:latin typeface="Times New Roman" panose="02020603050405020304" pitchFamily="18" charset="0"/>
+              <a:cs typeface="Times New Roman" panose="02020603050405020304" pitchFamily="18" charset="0"/>
+            </a:endParaRPr>
           </a:p>
           <a:p>
             <a:pPr marL="342900" indent="-342900">
               <a:buFont typeface="Arial" panose="020B0604020202020204" pitchFamily="34" charset="0"/>
               <a:buChar char="•"/>
             </a:pPr>
-            <a:endParaRPr lang="en-US" sz="2000" b="1" dirty="0"/>
+            <a:endParaRPr lang="en-US" b="1" dirty="0">
+              <a:latin typeface="Times New Roman" panose="02020603050405020304" pitchFamily="18" charset="0"/>
+              <a:cs typeface="Times New Roman" panose="02020603050405020304" pitchFamily="18" charset="0"/>
+            </a:endParaRPr>
           </a:p>
           <a:p>
             <a:pPr marL="342900" indent="-342900">
               <a:buFont typeface="Arial" panose="020B0604020202020204" pitchFamily="34" charset="0"/>
               <a:buChar char="•"/>
             </a:pPr>
-            <a:endParaRPr lang="en-US" sz="2000" b="1" dirty="0" smtClean="0"/>
+            <a:endParaRPr lang="en-US" b="1" dirty="0" smtClean="0">
+              <a:latin typeface="Times New Roman" panose="02020603050405020304" pitchFamily="18" charset="0"/>
+              <a:cs typeface="Times New Roman" panose="02020603050405020304" pitchFamily="18" charset="0"/>
+            </a:endParaRPr>
           </a:p>
           <a:p>
             <a:pPr marL="342900" indent="-342900">
               <a:buFont typeface="Arial" panose="020B0604020202020204" pitchFamily="34" charset="0"/>
               <a:buChar char="•"/>
             </a:pPr>
-            <a:endParaRPr lang="en-US" sz="2000" b="1" dirty="0"/>
+            <a:endParaRPr lang="en-US" b="1" dirty="0">
+              <a:latin typeface="Times New Roman" panose="02020603050405020304" pitchFamily="18" charset="0"/>
+              <a:cs typeface="Times New Roman" panose="02020603050405020304" pitchFamily="18" charset="0"/>
+            </a:endParaRPr>
           </a:p>
           <a:p>
             <a:pPr marL="342900" indent="-342900">
               <a:buFont typeface="Arial" panose="020B0604020202020204" pitchFamily="34" charset="0"/>
               <a:buChar char="•"/>
             </a:pPr>
-            <a:endParaRPr lang="en-US" sz="2000" b="1" dirty="0" smtClean="0"/>
+            <a:endParaRPr lang="en-US" b="1" dirty="0" smtClean="0">
+              <a:latin typeface="Times New Roman" panose="02020603050405020304" pitchFamily="18" charset="0"/>
+              <a:cs typeface="Times New Roman" panose="02020603050405020304" pitchFamily="18" charset="0"/>
+            </a:endParaRPr>
           </a:p>
           <a:p>
             <a:pPr marL="342900" indent="-342900">
               <a:buFont typeface="Arial" panose="020B0604020202020204" pitchFamily="34" charset="0"/>
               <a:buChar char="•"/>
             </a:pPr>
-            <a:endParaRPr lang="en-US" sz="2000" b="1" dirty="0"/>
+            <a:endParaRPr lang="en-US" b="1" dirty="0">
+              <a:latin typeface="Times New Roman" panose="02020603050405020304" pitchFamily="18" charset="0"/>
+              <a:cs typeface="Times New Roman" panose="02020603050405020304" pitchFamily="18" charset="0"/>
+            </a:endParaRPr>
           </a:p>
           <a:p>
             <a:pPr marL="342900" indent="-342900">
               <a:buFont typeface="Arial" panose="020B0604020202020204" pitchFamily="34" charset="0"/>
               <a:buChar char="•"/>
             </a:pPr>
-            <a:endParaRPr lang="en-US" sz="2000" b="1" dirty="0" smtClean="0"/>
+            <a:endParaRPr lang="en-US" b="1" dirty="0" smtClean="0">
+              <a:latin typeface="Times New Roman" panose="02020603050405020304" pitchFamily="18" charset="0"/>
+              <a:cs typeface="Times New Roman" panose="02020603050405020304" pitchFamily="18" charset="0"/>
+            </a:endParaRPr>
           </a:p>
           <a:p>
             <a:pPr algn="ctr"/>
             <a:r>
-              <a:rPr lang="en-US" sz="2000" b="1" dirty="0" smtClean="0"/>
+              <a:rPr lang="en-US" b="1" dirty="0" smtClean="0">
+                <a:latin typeface="Times New Roman" panose="02020603050405020304" pitchFamily="18" charset="0"/>
+                <a:cs typeface="Times New Roman" panose="02020603050405020304" pitchFamily="18" charset="0"/>
+              </a:rPr>
               <a:t>Ground Station</a:t>
             </a:r>
           </a:p>
@@ -8930,7 +7670,10 @@
               <a:buChar char="•"/>
             </a:pPr>
             <a:r>
-              <a:rPr lang="en-US" sz="2000" dirty="0" smtClean="0"/>
+              <a:rPr lang="en-US" dirty="0" smtClean="0">
+                <a:latin typeface="Times New Roman" panose="02020603050405020304" pitchFamily="18" charset="0"/>
+                <a:cs typeface="Times New Roman" panose="02020603050405020304" pitchFamily="18" charset="0"/>
+              </a:rPr>
               <a:t>Communicates between the on-board computer</a:t>
             </a:r>
           </a:p>
@@ -8939,56 +7682,80 @@
               <a:buFont typeface="Arial" panose="020B0604020202020204" pitchFamily="34" charset="0"/>
               <a:buChar char="•"/>
             </a:pPr>
-            <a:endParaRPr lang="en-US" dirty="0"/>
+            <a:endParaRPr lang="en-US" dirty="0">
+              <a:latin typeface="Times New Roman" panose="02020603050405020304" pitchFamily="18" charset="0"/>
+              <a:cs typeface="Times New Roman" panose="02020603050405020304" pitchFamily="18" charset="0"/>
+            </a:endParaRPr>
           </a:p>
           <a:p>
             <a:pPr marL="285750" indent="-285750">
               <a:buFont typeface="Arial" panose="020B0604020202020204" pitchFamily="34" charset="0"/>
               <a:buChar char="•"/>
             </a:pPr>
-            <a:endParaRPr lang="en-US" dirty="0" smtClean="0"/>
+            <a:endParaRPr lang="en-US" dirty="0" smtClean="0">
+              <a:latin typeface="Times New Roman" panose="02020603050405020304" pitchFamily="18" charset="0"/>
+              <a:cs typeface="Times New Roman" panose="02020603050405020304" pitchFamily="18" charset="0"/>
+            </a:endParaRPr>
           </a:p>
           <a:p>
             <a:pPr marL="285750" indent="-285750">
               <a:buFont typeface="Arial" panose="020B0604020202020204" pitchFamily="34" charset="0"/>
               <a:buChar char="•"/>
             </a:pPr>
-            <a:endParaRPr lang="en-US" dirty="0"/>
+            <a:endParaRPr lang="en-US" dirty="0">
+              <a:latin typeface="Times New Roman" panose="02020603050405020304" pitchFamily="18" charset="0"/>
+              <a:cs typeface="Times New Roman" panose="02020603050405020304" pitchFamily="18" charset="0"/>
+            </a:endParaRPr>
           </a:p>
           <a:p>
             <a:pPr marL="285750" indent="-285750">
               <a:buFont typeface="Arial" panose="020B0604020202020204" pitchFamily="34" charset="0"/>
               <a:buChar char="•"/>
             </a:pPr>
-            <a:endParaRPr lang="en-US" dirty="0" smtClean="0"/>
+            <a:endParaRPr lang="en-US" dirty="0" smtClean="0">
+              <a:latin typeface="Times New Roman" panose="02020603050405020304" pitchFamily="18" charset="0"/>
+              <a:cs typeface="Times New Roman" panose="02020603050405020304" pitchFamily="18" charset="0"/>
+            </a:endParaRPr>
           </a:p>
           <a:p>
             <a:pPr marL="285750" indent="-285750">
               <a:buFont typeface="Arial" panose="020B0604020202020204" pitchFamily="34" charset="0"/>
               <a:buChar char="•"/>
             </a:pPr>
-            <a:endParaRPr lang="en-US" dirty="0"/>
+            <a:endParaRPr lang="en-US" dirty="0">
+              <a:latin typeface="Times New Roman" panose="02020603050405020304" pitchFamily="18" charset="0"/>
+              <a:cs typeface="Times New Roman" panose="02020603050405020304" pitchFamily="18" charset="0"/>
+            </a:endParaRPr>
           </a:p>
           <a:p>
             <a:pPr marL="285750" indent="-285750">
               <a:buFont typeface="Arial" panose="020B0604020202020204" pitchFamily="34" charset="0"/>
               <a:buChar char="•"/>
             </a:pPr>
-            <a:endParaRPr lang="en-US" dirty="0" smtClean="0"/>
+            <a:endParaRPr lang="en-US" dirty="0" smtClean="0">
+              <a:latin typeface="Times New Roman" panose="02020603050405020304" pitchFamily="18" charset="0"/>
+              <a:cs typeface="Times New Roman" panose="02020603050405020304" pitchFamily="18" charset="0"/>
+            </a:endParaRPr>
           </a:p>
           <a:p>
             <a:pPr marL="285750" indent="-285750">
               <a:buFont typeface="Arial" panose="020B0604020202020204" pitchFamily="34" charset="0"/>
               <a:buChar char="•"/>
             </a:pPr>
-            <a:endParaRPr lang="en-US" dirty="0"/>
+            <a:endParaRPr lang="en-US" dirty="0">
+              <a:latin typeface="Times New Roman" panose="02020603050405020304" pitchFamily="18" charset="0"/>
+              <a:cs typeface="Times New Roman" panose="02020603050405020304" pitchFamily="18" charset="0"/>
+            </a:endParaRPr>
           </a:p>
           <a:p>
             <a:pPr marL="285750" indent="-285750">
               <a:buFont typeface="Arial" panose="020B0604020202020204" pitchFamily="34" charset="0"/>
               <a:buChar char="•"/>
             </a:pPr>
-            <a:endParaRPr lang="en-US" dirty="0"/>
+            <a:endParaRPr lang="en-US" dirty="0">
+              <a:latin typeface="Times New Roman" panose="02020603050405020304" pitchFamily="18" charset="0"/>
+              <a:cs typeface="Times New Roman" panose="02020603050405020304" pitchFamily="18" charset="0"/>
+            </a:endParaRPr>
           </a:p>
         </p:txBody>
       </p:sp>
@@ -9025,12 +7792,18 @@
           <a:bodyPr rtlCol="0" anchor="ctr"/>
           <a:lstStyle/>
           <a:p>
-            <a:endParaRPr lang="en-US" b="1" dirty="0" smtClean="0"/>
+            <a:endParaRPr lang="en-US" b="1" dirty="0" smtClean="0">
+              <a:latin typeface="Times New Roman" panose="02020603050405020304" pitchFamily="18" charset="0"/>
+              <a:cs typeface="Times New Roman" panose="02020603050405020304" pitchFamily="18" charset="0"/>
+            </a:endParaRPr>
           </a:p>
           <a:p>
             <a:pPr algn="ctr"/>
             <a:r>
-              <a:rPr lang="en-US" b="1" dirty="0" smtClean="0"/>
+              <a:rPr lang="en-US" b="1" dirty="0" smtClean="0">
+                <a:latin typeface="Times New Roman" panose="02020603050405020304" pitchFamily="18" charset="0"/>
+                <a:cs typeface="Times New Roman" panose="02020603050405020304" pitchFamily="18" charset="0"/>
+              </a:rPr>
               <a:t>Aerial Robot</a:t>
             </a:r>
           </a:p>
@@ -9040,7 +7813,10 @@
               <a:buChar char="•"/>
             </a:pPr>
             <a:r>
-              <a:rPr lang="en-US" dirty="0" smtClean="0"/>
+              <a:rPr lang="en-US" dirty="0" smtClean="0">
+                <a:latin typeface="Times New Roman" panose="02020603050405020304" pitchFamily="18" charset="0"/>
+                <a:cs typeface="Times New Roman" panose="02020603050405020304" pitchFamily="18" charset="0"/>
+              </a:rPr>
               <a:t>Current position</a:t>
             </a:r>
           </a:p>
@@ -9050,12 +7826,18 @@
               <a:buChar char="•"/>
             </a:pPr>
             <a:r>
-              <a:rPr lang="en-US" dirty="0" smtClean="0"/>
+              <a:rPr lang="en-US" dirty="0" smtClean="0">
+                <a:latin typeface="Times New Roman" panose="02020603050405020304" pitchFamily="18" charset="0"/>
+                <a:cs typeface="Times New Roman" panose="02020603050405020304" pitchFamily="18" charset="0"/>
+              </a:rPr>
               <a:t>Location of target (if found)</a:t>
             </a:r>
           </a:p>
           <a:p>
-            <a:endParaRPr lang="en-US" dirty="0" smtClean="0"/>
+            <a:endParaRPr lang="en-US" dirty="0" smtClean="0">
+              <a:latin typeface="Times New Roman" panose="02020603050405020304" pitchFamily="18" charset="0"/>
+              <a:cs typeface="Times New Roman" panose="02020603050405020304" pitchFamily="18" charset="0"/>
+            </a:endParaRPr>
           </a:p>
         </p:txBody>
       </p:sp>
@@ -9096,50 +7878,74 @@
               <a:buFont typeface="Arial" panose="020B0604020202020204" pitchFamily="34" charset="0"/>
               <a:buChar char="•"/>
             </a:pPr>
-            <a:endParaRPr lang="en-US" sz="2000" b="1" dirty="0" smtClean="0"/>
+            <a:endParaRPr lang="en-US" b="1" dirty="0" smtClean="0">
+              <a:latin typeface="Times New Roman" panose="02020603050405020304" pitchFamily="18" charset="0"/>
+              <a:cs typeface="Times New Roman" panose="02020603050405020304" pitchFamily="18" charset="0"/>
+            </a:endParaRPr>
           </a:p>
           <a:p>
             <a:pPr marL="342900" indent="-342900">
               <a:buFont typeface="Arial" panose="020B0604020202020204" pitchFamily="34" charset="0"/>
               <a:buChar char="•"/>
             </a:pPr>
-            <a:endParaRPr lang="en-US" sz="2000" b="1" dirty="0"/>
-          </a:p>
-          <a:p>
-            <a:endParaRPr lang="en-US" sz="2000" b="1" dirty="0" smtClean="0"/>
+            <a:endParaRPr lang="en-US" b="1" dirty="0">
+              <a:latin typeface="Times New Roman" panose="02020603050405020304" pitchFamily="18" charset="0"/>
+              <a:cs typeface="Times New Roman" panose="02020603050405020304" pitchFamily="18" charset="0"/>
+            </a:endParaRPr>
+          </a:p>
+          <a:p>
+            <a:endParaRPr lang="en-US" b="1" dirty="0" smtClean="0">
+              <a:latin typeface="Times New Roman" panose="02020603050405020304" pitchFamily="18" charset="0"/>
+              <a:cs typeface="Times New Roman" panose="02020603050405020304" pitchFamily="18" charset="0"/>
+            </a:endParaRPr>
           </a:p>
           <a:p>
             <a:pPr marL="342900" indent="-342900">
               <a:buFont typeface="Arial" panose="020B0604020202020204" pitchFamily="34" charset="0"/>
               <a:buChar char="•"/>
             </a:pPr>
-            <a:endParaRPr lang="en-US" sz="2000" b="1" dirty="0"/>
+            <a:endParaRPr lang="en-US" b="1" dirty="0">
+              <a:latin typeface="Times New Roman" panose="02020603050405020304" pitchFamily="18" charset="0"/>
+              <a:cs typeface="Times New Roman" panose="02020603050405020304" pitchFamily="18" charset="0"/>
+            </a:endParaRPr>
           </a:p>
           <a:p>
             <a:pPr marL="342900" indent="-342900">
               <a:buFont typeface="Arial" panose="020B0604020202020204" pitchFamily="34" charset="0"/>
               <a:buChar char="•"/>
             </a:pPr>
-            <a:endParaRPr lang="en-US" sz="2000" b="1" dirty="0" smtClean="0"/>
+            <a:endParaRPr lang="en-US" b="1" dirty="0" smtClean="0">
+              <a:latin typeface="Times New Roman" panose="02020603050405020304" pitchFamily="18" charset="0"/>
+              <a:cs typeface="Times New Roman" panose="02020603050405020304" pitchFamily="18" charset="0"/>
+            </a:endParaRPr>
           </a:p>
           <a:p>
             <a:pPr marL="342900" indent="-342900">
               <a:buFont typeface="Arial" panose="020B0604020202020204" pitchFamily="34" charset="0"/>
               <a:buChar char="•"/>
             </a:pPr>
-            <a:endParaRPr lang="en-US" sz="2000" b="1" dirty="0"/>
+            <a:endParaRPr lang="en-US" b="1" dirty="0">
+              <a:latin typeface="Times New Roman" panose="02020603050405020304" pitchFamily="18" charset="0"/>
+              <a:cs typeface="Times New Roman" panose="02020603050405020304" pitchFamily="18" charset="0"/>
+            </a:endParaRPr>
           </a:p>
           <a:p>
             <a:pPr marL="342900" indent="-342900">
               <a:buFont typeface="Arial" panose="020B0604020202020204" pitchFamily="34" charset="0"/>
               <a:buChar char="•"/>
             </a:pPr>
-            <a:endParaRPr lang="en-US" sz="2000" b="1" dirty="0" smtClean="0"/>
+            <a:endParaRPr lang="en-US" b="1" dirty="0" smtClean="0">
+              <a:latin typeface="Times New Roman" panose="02020603050405020304" pitchFamily="18" charset="0"/>
+              <a:cs typeface="Times New Roman" panose="02020603050405020304" pitchFamily="18" charset="0"/>
+            </a:endParaRPr>
           </a:p>
           <a:p>
             <a:pPr algn="ctr"/>
             <a:r>
-              <a:rPr lang="en-US" sz="2000" b="1" dirty="0" smtClean="0"/>
+              <a:rPr lang="en-US" b="1" dirty="0" smtClean="0">
+                <a:latin typeface="Times New Roman" panose="02020603050405020304" pitchFamily="18" charset="0"/>
+                <a:cs typeface="Times New Roman" panose="02020603050405020304" pitchFamily="18" charset="0"/>
+              </a:rPr>
               <a:t>Hokuyo Laser Scanner</a:t>
             </a:r>
           </a:p>
@@ -9149,7 +7955,10 @@
               <a:buChar char="•"/>
             </a:pPr>
             <a:r>
-              <a:rPr lang="en-US" sz="2000" dirty="0" smtClean="0"/>
+              <a:rPr lang="en-US" dirty="0" smtClean="0">
+                <a:latin typeface="Times New Roman" panose="02020603050405020304" pitchFamily="18" charset="0"/>
+                <a:cs typeface="Times New Roman" panose="02020603050405020304" pitchFamily="18" charset="0"/>
+              </a:rPr>
               <a:t>Returns range data</a:t>
             </a:r>
           </a:p>
@@ -9158,56 +7967,80 @@
               <a:buFont typeface="Arial" panose="020B0604020202020204" pitchFamily="34" charset="0"/>
               <a:buChar char="•"/>
             </a:pPr>
-            <a:endParaRPr lang="en-US" dirty="0"/>
+            <a:endParaRPr lang="en-US" dirty="0">
+              <a:latin typeface="Times New Roman" panose="02020603050405020304" pitchFamily="18" charset="0"/>
+              <a:cs typeface="Times New Roman" panose="02020603050405020304" pitchFamily="18" charset="0"/>
+            </a:endParaRPr>
           </a:p>
           <a:p>
             <a:pPr marL="285750" indent="-285750">
               <a:buFont typeface="Arial" panose="020B0604020202020204" pitchFamily="34" charset="0"/>
               <a:buChar char="•"/>
             </a:pPr>
-            <a:endParaRPr lang="en-US" dirty="0" smtClean="0"/>
+            <a:endParaRPr lang="en-US" dirty="0" smtClean="0">
+              <a:latin typeface="Times New Roman" panose="02020603050405020304" pitchFamily="18" charset="0"/>
+              <a:cs typeface="Times New Roman" panose="02020603050405020304" pitchFamily="18" charset="0"/>
+            </a:endParaRPr>
           </a:p>
           <a:p>
             <a:pPr marL="285750" indent="-285750">
               <a:buFont typeface="Arial" panose="020B0604020202020204" pitchFamily="34" charset="0"/>
               <a:buChar char="•"/>
             </a:pPr>
-            <a:endParaRPr lang="en-US" dirty="0"/>
+            <a:endParaRPr lang="en-US" dirty="0">
+              <a:latin typeface="Times New Roman" panose="02020603050405020304" pitchFamily="18" charset="0"/>
+              <a:cs typeface="Times New Roman" panose="02020603050405020304" pitchFamily="18" charset="0"/>
+            </a:endParaRPr>
           </a:p>
           <a:p>
             <a:pPr marL="285750" indent="-285750">
               <a:buFont typeface="Arial" panose="020B0604020202020204" pitchFamily="34" charset="0"/>
               <a:buChar char="•"/>
             </a:pPr>
-            <a:endParaRPr lang="en-US" dirty="0" smtClean="0"/>
+            <a:endParaRPr lang="en-US" dirty="0" smtClean="0">
+              <a:latin typeface="Times New Roman" panose="02020603050405020304" pitchFamily="18" charset="0"/>
+              <a:cs typeface="Times New Roman" panose="02020603050405020304" pitchFamily="18" charset="0"/>
+            </a:endParaRPr>
           </a:p>
           <a:p>
             <a:pPr marL="285750" indent="-285750">
               <a:buFont typeface="Arial" panose="020B0604020202020204" pitchFamily="34" charset="0"/>
               <a:buChar char="•"/>
             </a:pPr>
-            <a:endParaRPr lang="en-US" dirty="0"/>
+            <a:endParaRPr lang="en-US" dirty="0">
+              <a:latin typeface="Times New Roman" panose="02020603050405020304" pitchFamily="18" charset="0"/>
+              <a:cs typeface="Times New Roman" panose="02020603050405020304" pitchFamily="18" charset="0"/>
+            </a:endParaRPr>
           </a:p>
           <a:p>
             <a:pPr marL="285750" indent="-285750">
               <a:buFont typeface="Arial" panose="020B0604020202020204" pitchFamily="34" charset="0"/>
               <a:buChar char="•"/>
             </a:pPr>
-            <a:endParaRPr lang="en-US" dirty="0" smtClean="0"/>
+            <a:endParaRPr lang="en-US" dirty="0" smtClean="0">
+              <a:latin typeface="Times New Roman" panose="02020603050405020304" pitchFamily="18" charset="0"/>
+              <a:cs typeface="Times New Roman" panose="02020603050405020304" pitchFamily="18" charset="0"/>
+            </a:endParaRPr>
           </a:p>
           <a:p>
             <a:pPr marL="285750" indent="-285750">
               <a:buFont typeface="Arial" panose="020B0604020202020204" pitchFamily="34" charset="0"/>
               <a:buChar char="•"/>
             </a:pPr>
-            <a:endParaRPr lang="en-US" dirty="0"/>
+            <a:endParaRPr lang="en-US" dirty="0">
+              <a:latin typeface="Times New Roman" panose="02020603050405020304" pitchFamily="18" charset="0"/>
+              <a:cs typeface="Times New Roman" panose="02020603050405020304" pitchFamily="18" charset="0"/>
+            </a:endParaRPr>
           </a:p>
           <a:p>
             <a:pPr marL="285750" indent="-285750">
               <a:buFont typeface="Arial" panose="020B0604020202020204" pitchFamily="34" charset="0"/>
               <a:buChar char="•"/>
             </a:pPr>
-            <a:endParaRPr lang="en-US" dirty="0"/>
+            <a:endParaRPr lang="en-US" dirty="0">
+              <a:latin typeface="Times New Roman" panose="02020603050405020304" pitchFamily="18" charset="0"/>
+              <a:cs typeface="Times New Roman" panose="02020603050405020304" pitchFamily="18" charset="0"/>
+            </a:endParaRPr>
           </a:p>
         </p:txBody>
       </p:sp>
@@ -9327,7 +8160,7 @@
         <p:spPr>
           <a:xfrm>
             <a:off x="3301464" y="6295797"/>
-            <a:ext cx="1039529" cy="646331"/>
+            <a:ext cx="1039529" cy="584775"/>
           </a:xfrm>
           <a:prstGeom prst="rect">
             <a:avLst/>
@@ -9341,12 +8174,18 @@
           <a:lstStyle/>
           <a:p>
             <a:r>
-              <a:rPr lang="en-US" dirty="0" smtClean="0"/>
+              <a:rPr lang="en-US" sz="1600" dirty="0" smtClean="0">
+                <a:latin typeface="Times New Roman" panose="02020603050405020304" pitchFamily="18" charset="0"/>
+                <a:cs typeface="Times New Roman" panose="02020603050405020304" pitchFamily="18" charset="0"/>
+              </a:rPr>
               <a:t>USB 3.0</a:t>
             </a:r>
           </a:p>
           <a:p>
-            <a:endParaRPr lang="en-US" dirty="0"/>
+            <a:endParaRPr lang="en-US" sz="1600" dirty="0">
+              <a:latin typeface="Times New Roman" panose="02020603050405020304" pitchFamily="18" charset="0"/>
+              <a:cs typeface="Times New Roman" panose="02020603050405020304" pitchFamily="18" charset="0"/>
+            </a:endParaRPr>
           </a:p>
         </p:txBody>
       </p:sp>
@@ -9359,7 +8198,7 @@
         <p:spPr>
           <a:xfrm>
             <a:off x="3123397" y="1445314"/>
-            <a:ext cx="1039529" cy="646331"/>
+            <a:ext cx="1039529" cy="584775"/>
           </a:xfrm>
           <a:prstGeom prst="rect">
             <a:avLst/>
@@ -9373,13 +8212,22 @@
           <a:lstStyle/>
           <a:p>
             <a:r>
-              <a:rPr lang="en-US" dirty="0" err="1" smtClean="0"/>
+              <a:rPr lang="en-US" sz="1600" dirty="0" err="1" smtClean="0">
+                <a:latin typeface="Times New Roman" panose="02020603050405020304" pitchFamily="18" charset="0"/>
+                <a:cs typeface="Times New Roman" panose="02020603050405020304" pitchFamily="18" charset="0"/>
+              </a:rPr>
               <a:t>WiFi</a:t>
             </a:r>
-            <a:endParaRPr lang="en-US" dirty="0" smtClean="0"/>
-          </a:p>
-          <a:p>
-            <a:endParaRPr lang="en-US" dirty="0"/>
+            <a:endParaRPr lang="en-US" sz="1600" dirty="0" smtClean="0">
+              <a:latin typeface="Times New Roman" panose="02020603050405020304" pitchFamily="18" charset="0"/>
+              <a:cs typeface="Times New Roman" panose="02020603050405020304" pitchFamily="18" charset="0"/>
+            </a:endParaRPr>
+          </a:p>
+          <a:p>
+            <a:endParaRPr lang="en-US" sz="1600" dirty="0">
+              <a:latin typeface="Times New Roman" panose="02020603050405020304" pitchFamily="18" charset="0"/>
+              <a:cs typeface="Times New Roman" panose="02020603050405020304" pitchFamily="18" charset="0"/>
+            </a:endParaRPr>
           </a:p>
         </p:txBody>
       </p:sp>
@@ -9392,7 +8240,7 @@
         <p:spPr>
           <a:xfrm>
             <a:off x="5293895" y="1356434"/>
-            <a:ext cx="1039529" cy="646331"/>
+            <a:ext cx="1039529" cy="584775"/>
           </a:xfrm>
           <a:prstGeom prst="rect">
             <a:avLst/>
@@ -9406,13 +8254,22 @@
           <a:lstStyle/>
           <a:p>
             <a:r>
-              <a:rPr lang="en-US" dirty="0" err="1" smtClean="0"/>
+              <a:rPr lang="en-US" sz="1600" dirty="0" err="1" smtClean="0">
+                <a:latin typeface="Times New Roman" panose="02020603050405020304" pitchFamily="18" charset="0"/>
+                <a:cs typeface="Times New Roman" panose="02020603050405020304" pitchFamily="18" charset="0"/>
+              </a:rPr>
               <a:t>WiFi</a:t>
             </a:r>
-            <a:endParaRPr lang="en-US" dirty="0" smtClean="0"/>
-          </a:p>
-          <a:p>
-            <a:endParaRPr lang="en-US" dirty="0"/>
+            <a:endParaRPr lang="en-US" sz="1600" dirty="0" smtClean="0">
+              <a:latin typeface="Times New Roman" panose="02020603050405020304" pitchFamily="18" charset="0"/>
+              <a:cs typeface="Times New Roman" panose="02020603050405020304" pitchFamily="18" charset="0"/>
+            </a:endParaRPr>
+          </a:p>
+          <a:p>
+            <a:endParaRPr lang="en-US" sz="1600" dirty="0">
+              <a:latin typeface="Times New Roman" panose="02020603050405020304" pitchFamily="18" charset="0"/>
+              <a:cs typeface="Times New Roman" panose="02020603050405020304" pitchFamily="18" charset="0"/>
+            </a:endParaRPr>
           </a:p>
         </p:txBody>
       </p:sp>
@@ -9644,10 +8501,816 @@
           </p:txBody>
         </p:sp>
       </p:grpSp>
+      <p:sp>
+        <p:nvSpPr>
+          <p:cNvPr id="2" name="Rounded Rectangle 1"/>
+          <p:cNvSpPr/>
+          <p:nvPr/>
+        </p:nvSpPr>
+        <p:spPr>
+          <a:xfrm>
+            <a:off x="6679934" y="3272589"/>
+            <a:ext cx="2338938" cy="1366788"/>
+          </a:xfrm>
+          <a:prstGeom prst="roundRect">
+            <a:avLst/>
+          </a:prstGeom>
+        </p:spPr>
+        <p:style>
+          <a:lnRef idx="2">
+            <a:schemeClr val="dk1"/>
+          </a:lnRef>
+          <a:fillRef idx="1">
+            <a:schemeClr val="lt1"/>
+          </a:fillRef>
+          <a:effectRef idx="0">
+            <a:schemeClr val="dk1"/>
+          </a:effectRef>
+          <a:fontRef idx="minor">
+            <a:schemeClr val="dk1"/>
+          </a:fontRef>
+        </p:style>
+        <p:txBody>
+          <a:bodyPr rtlCol="0" anchor="ctr"/>
+          <a:lstStyle/>
+          <a:p>
+            <a:pPr algn="ctr"/>
+            <a:r>
+              <a:rPr lang="en-US" b="1" dirty="0" err="1" smtClean="0">
+                <a:latin typeface="Times New Roman" panose="02020603050405020304" pitchFamily="18" charset="0"/>
+                <a:cs typeface="Times New Roman" panose="02020603050405020304" pitchFamily="18" charset="0"/>
+              </a:rPr>
+              <a:t>FLiR</a:t>
+            </a:r>
+            <a:endParaRPr lang="en-US" b="1" dirty="0" smtClean="0">
+              <a:latin typeface="Times New Roman" panose="02020603050405020304" pitchFamily="18" charset="0"/>
+              <a:cs typeface="Times New Roman" panose="02020603050405020304" pitchFamily="18" charset="0"/>
+            </a:endParaRPr>
+          </a:p>
+          <a:p>
+            <a:pPr marL="285750" indent="-285750">
+              <a:buFont typeface="Arial" panose="020B0604020202020204" pitchFamily="34" charset="0"/>
+              <a:buChar char="•"/>
+            </a:pPr>
+            <a:r>
+              <a:rPr lang="en-US" dirty="0">
+                <a:latin typeface="Times New Roman" panose="02020603050405020304" pitchFamily="18" charset="0"/>
+                <a:cs typeface="Times New Roman" panose="02020603050405020304" pitchFamily="18" charset="0"/>
+              </a:rPr>
+              <a:t>Provides IR images for human </a:t>
+            </a:r>
+            <a:r>
+              <a:rPr lang="en-US" dirty="0" smtClean="0">
+                <a:latin typeface="Times New Roman" panose="02020603050405020304" pitchFamily="18" charset="0"/>
+                <a:cs typeface="Times New Roman" panose="02020603050405020304" pitchFamily="18" charset="0"/>
+              </a:rPr>
+              <a:t>identification</a:t>
+            </a:r>
+          </a:p>
+          <a:p>
+            <a:pPr algn="ctr"/>
+            <a:endParaRPr lang="en-US" dirty="0">
+              <a:latin typeface="Times New Roman" panose="02020603050405020304" pitchFamily="18" charset="0"/>
+              <a:cs typeface="Times New Roman" panose="02020603050405020304" pitchFamily="18" charset="0"/>
+            </a:endParaRPr>
+          </a:p>
+        </p:txBody>
+      </p:sp>
+      <p:cxnSp>
+        <p:nvCxnSpPr>
+          <p:cNvPr id="7" name="Straight Arrow Connector 6"/>
+          <p:cNvCxnSpPr>
+            <a:stCxn id="2" idx="1"/>
+          </p:cNvCxnSpPr>
+          <p:nvPr/>
+        </p:nvCxnSpPr>
+        <p:spPr>
+          <a:xfrm flipH="1">
+            <a:off x="6025415" y="3955983"/>
+            <a:ext cx="654519" cy="0"/>
+          </a:xfrm>
+          <a:prstGeom prst="straightConnector1">
+            <a:avLst/>
+          </a:prstGeom>
+          <a:ln>
+            <a:tailEnd type="triangle"/>
+          </a:ln>
+        </p:spPr>
+        <p:style>
+          <a:lnRef idx="2">
+            <a:schemeClr val="dk1"/>
+          </a:lnRef>
+          <a:fillRef idx="0">
+            <a:schemeClr val="dk1"/>
+          </a:fillRef>
+          <a:effectRef idx="1">
+            <a:schemeClr val="dk1"/>
+          </a:effectRef>
+          <a:fontRef idx="minor">
+            <a:schemeClr val="tx1"/>
+          </a:fontRef>
+        </p:style>
+      </p:cxnSp>
+      <p:sp>
+        <p:nvSpPr>
+          <p:cNvPr id="9" name="Rounded Rectangle 8"/>
+          <p:cNvSpPr/>
+          <p:nvPr/>
+        </p:nvSpPr>
+        <p:spPr>
+          <a:xfrm>
+            <a:off x="232609" y="3488537"/>
+            <a:ext cx="2674219" cy="1645920"/>
+          </a:xfrm>
+          <a:prstGeom prst="roundRect">
+            <a:avLst/>
+          </a:prstGeom>
+        </p:spPr>
+        <p:style>
+          <a:lnRef idx="2">
+            <a:schemeClr val="dk1"/>
+          </a:lnRef>
+          <a:fillRef idx="1">
+            <a:schemeClr val="lt1"/>
+          </a:fillRef>
+          <a:effectRef idx="0">
+            <a:schemeClr val="dk1"/>
+          </a:effectRef>
+          <a:fontRef idx="minor">
+            <a:schemeClr val="dk1"/>
+          </a:fontRef>
+        </p:style>
+        <p:txBody>
+          <a:bodyPr rtlCol="0" anchor="ctr"/>
+          <a:lstStyle/>
+          <a:p>
+            <a:pPr algn="ctr"/>
+            <a:r>
+              <a:rPr lang="en-US" b="1" dirty="0" smtClean="0">
+                <a:latin typeface="Times New Roman" panose="02020603050405020304" pitchFamily="18" charset="0"/>
+                <a:cs typeface="Times New Roman" panose="02020603050405020304" pitchFamily="18" charset="0"/>
+              </a:rPr>
+              <a:t>Kinect </a:t>
+            </a:r>
+            <a:r>
+              <a:rPr lang="en-US" dirty="0" smtClean="0">
+                <a:latin typeface="Times New Roman" panose="02020603050405020304" pitchFamily="18" charset="0"/>
+                <a:cs typeface="Times New Roman" panose="02020603050405020304" pitchFamily="18" charset="0"/>
+              </a:rPr>
+              <a:t>(optional)</a:t>
+            </a:r>
+          </a:p>
+          <a:p>
+            <a:pPr marL="285750" indent="-285750">
+              <a:buFont typeface="Arial"/>
+              <a:buChar char="•"/>
+            </a:pPr>
+            <a:r>
+              <a:rPr lang="en-US" dirty="0">
+                <a:latin typeface="Times New Roman" panose="02020603050405020304" pitchFamily="18" charset="0"/>
+                <a:cs typeface="Times New Roman" panose="02020603050405020304" pitchFamily="18" charset="0"/>
+              </a:rPr>
+              <a:t>Provides depth map, grayscale images, and visual </a:t>
+            </a:r>
+            <a:r>
+              <a:rPr lang="en-US" dirty="0" err="1">
+                <a:latin typeface="Times New Roman" panose="02020603050405020304" pitchFamily="18" charset="0"/>
+                <a:cs typeface="Times New Roman" panose="02020603050405020304" pitchFamily="18" charset="0"/>
+              </a:rPr>
+              <a:t>odometry</a:t>
+            </a:r>
+            <a:r>
+              <a:rPr lang="en-US" dirty="0">
+                <a:latin typeface="Times New Roman" panose="02020603050405020304" pitchFamily="18" charset="0"/>
+                <a:cs typeface="Times New Roman" panose="02020603050405020304" pitchFamily="18" charset="0"/>
+              </a:rPr>
+              <a:t> for RTAB Map</a:t>
+            </a:r>
+            <a:endParaRPr lang="en-US" dirty="0">
+              <a:latin typeface="Times New Roman" panose="02020603050405020304" pitchFamily="18" charset="0"/>
+              <a:cs typeface="Times New Roman" panose="02020603050405020304" pitchFamily="18" charset="0"/>
+            </a:endParaRPr>
+          </a:p>
+        </p:txBody>
+      </p:sp>
+      <p:cxnSp>
+        <p:nvCxnSpPr>
+          <p:cNvPr id="12" name="Straight Arrow Connector 11"/>
+          <p:cNvCxnSpPr>
+            <a:stCxn id="9" idx="3"/>
+            <a:endCxn id="4" idx="1"/>
+          </p:cNvCxnSpPr>
+          <p:nvPr/>
+        </p:nvCxnSpPr>
+        <p:spPr>
+          <a:xfrm>
+            <a:off x="2906828" y="4311497"/>
+            <a:ext cx="327260" cy="5424"/>
+          </a:xfrm>
+          <a:prstGeom prst="straightConnector1">
+            <a:avLst/>
+          </a:prstGeom>
+          <a:ln>
+            <a:tailEnd type="triangle"/>
+          </a:ln>
+        </p:spPr>
+        <p:style>
+          <a:lnRef idx="2">
+            <a:schemeClr val="accent3"/>
+          </a:lnRef>
+          <a:fillRef idx="0">
+            <a:schemeClr val="accent3"/>
+          </a:fillRef>
+          <a:effectRef idx="1">
+            <a:schemeClr val="accent3"/>
+          </a:effectRef>
+          <a:fontRef idx="minor">
+            <a:schemeClr val="tx1"/>
+          </a:fontRef>
+        </p:style>
+      </p:cxnSp>
     </p:spTree>
     <p:extLst>
       <p:ext uri="{BB962C8B-B14F-4D97-AF65-F5344CB8AC3E}">
         <p14:creationId xmlns:p14="http://schemas.microsoft.com/office/powerpoint/2010/main" val="1722750493"/>
+      </p:ext>
+    </p:extLst>
+  </p:cSld>
+  <p:clrMapOvr>
+    <a:masterClrMapping/>
+  </p:clrMapOvr>
+  <p:timing>
+    <p:tnLst>
+      <p:par>
+        <p:cTn id="1" dur="indefinite" restart="never" nodeType="tmRoot"/>
+      </p:par>
+    </p:tnLst>
+  </p:timing>
+</p:sld>
+</file>
+
+<file path=ppt/slides/slide9.xml><?xml version="1.0" encoding="utf-8"?>
+<p:sld xmlns:a="http://schemas.openxmlformats.org/drawingml/2006/main" xmlns:r="http://schemas.openxmlformats.org/officeDocument/2006/relationships" xmlns:p="http://schemas.openxmlformats.org/presentationml/2006/main">
+  <p:cSld>
+    <p:spTree>
+      <p:nvGrpSpPr>
+        <p:cNvPr id="1" name=""/>
+        <p:cNvGrpSpPr/>
+        <p:nvPr/>
+      </p:nvGrpSpPr>
+      <p:grpSpPr>
+        <a:xfrm>
+          <a:off x="0" y="0"/>
+          <a:ext cx="0" cy="0"/>
+          <a:chOff x="0" y="0"/>
+          <a:chExt cx="0" cy="0"/>
+        </a:xfrm>
+      </p:grpSpPr>
+      <p:sp>
+        <p:nvSpPr>
+          <p:cNvPr id="2" name="Title 1"/>
+          <p:cNvSpPr>
+            <a:spLocks noGrp="1"/>
+          </p:cNvSpPr>
+          <p:nvPr>
+            <p:ph type="title"/>
+          </p:nvPr>
+        </p:nvSpPr>
+        <p:spPr>
+          <a:xfrm>
+            <a:off x="457200" y="651726"/>
+            <a:ext cx="8229600" cy="1143000"/>
+          </a:xfrm>
+        </p:spPr>
+        <p:txBody>
+          <a:bodyPr>
+            <a:normAutofit/>
+          </a:bodyPr>
+          <a:lstStyle/>
+          <a:p>
+            <a:r>
+              <a:rPr lang="en-US" sz="3600" dirty="0" smtClean="0">
+                <a:latin typeface="Times New Roman" panose="02020603050405020304" pitchFamily="18" charset="0"/>
+                <a:cs typeface="Times New Roman" panose="02020603050405020304" pitchFamily="18" charset="0"/>
+              </a:rPr>
+              <a:t>Path Forward</a:t>
+            </a:r>
+            <a:endParaRPr lang="en-US" sz="3600" dirty="0">
+              <a:latin typeface="Times New Roman" panose="02020603050405020304" pitchFamily="18" charset="0"/>
+              <a:cs typeface="Times New Roman" panose="02020603050405020304" pitchFamily="18" charset="0"/>
+            </a:endParaRPr>
+          </a:p>
+        </p:txBody>
+      </p:sp>
+      <p:sp>
+        <p:nvSpPr>
+          <p:cNvPr id="3" name="Content Placeholder 2"/>
+          <p:cNvSpPr>
+            <a:spLocks noGrp="1"/>
+          </p:cNvSpPr>
+          <p:nvPr>
+            <p:ph idx="1"/>
+          </p:nvPr>
+        </p:nvSpPr>
+        <p:spPr>
+          <a:xfrm>
+            <a:off x="457200" y="1600200"/>
+            <a:ext cx="8229600" cy="4525963"/>
+          </a:xfrm>
+        </p:spPr>
+        <p:txBody>
+          <a:bodyPr>
+            <a:normAutofit/>
+          </a:bodyPr>
+          <a:lstStyle/>
+          <a:p>
+            <a:r>
+              <a:rPr lang="en-US" sz="2400" dirty="0" smtClean="0">
+                <a:latin typeface="Times New Roman" panose="02020603050405020304" pitchFamily="18" charset="0"/>
+                <a:cs typeface="Times New Roman" panose="02020603050405020304" pitchFamily="18" charset="0"/>
+              </a:rPr>
+              <a:t>Understanding the working of the current </a:t>
+            </a:r>
+            <a:r>
+              <a:rPr lang="en-US" sz="2400" dirty="0" err="1" smtClean="0">
+                <a:latin typeface="Times New Roman" panose="02020603050405020304" pitchFamily="18" charset="0"/>
+                <a:cs typeface="Times New Roman" panose="02020603050405020304" pitchFamily="18" charset="0"/>
+              </a:rPr>
+              <a:t>TurtleBot</a:t>
+            </a:r>
+            <a:r>
+              <a:rPr lang="en-US" sz="2400" dirty="0" smtClean="0">
+                <a:latin typeface="Times New Roman" panose="02020603050405020304" pitchFamily="18" charset="0"/>
+                <a:cs typeface="Times New Roman" panose="02020603050405020304" pitchFamily="18" charset="0"/>
+              </a:rPr>
+              <a:t> setup </a:t>
+            </a:r>
+          </a:p>
+          <a:p>
+            <a:r>
+              <a:rPr lang="en-US" sz="2400" dirty="0" smtClean="0">
+                <a:latin typeface="Times New Roman" panose="02020603050405020304" pitchFamily="18" charset="0"/>
+                <a:cs typeface="Times New Roman" panose="02020603050405020304" pitchFamily="18" charset="0"/>
+              </a:rPr>
+              <a:t>Implement </a:t>
+            </a:r>
+            <a:r>
+              <a:rPr lang="en-US" sz="2400" dirty="0" err="1" smtClean="0">
+                <a:latin typeface="Times New Roman" panose="02020603050405020304" pitchFamily="18" charset="0"/>
+                <a:cs typeface="Times New Roman" panose="02020603050405020304" pitchFamily="18" charset="0"/>
+              </a:rPr>
+              <a:t>Hector_Slam</a:t>
+            </a:r>
+            <a:r>
+              <a:rPr lang="en-US" sz="2400" dirty="0" smtClean="0">
+                <a:latin typeface="Times New Roman" panose="02020603050405020304" pitchFamily="18" charset="0"/>
+                <a:cs typeface="Times New Roman" panose="02020603050405020304" pitchFamily="18" charset="0"/>
+              </a:rPr>
+              <a:t> on the </a:t>
+            </a:r>
+            <a:r>
+              <a:rPr lang="en-US" sz="2400" dirty="0" err="1" smtClean="0">
+                <a:latin typeface="Times New Roman" panose="02020603050405020304" pitchFamily="18" charset="0"/>
+                <a:cs typeface="Times New Roman" panose="02020603050405020304" pitchFamily="18" charset="0"/>
+              </a:rPr>
+              <a:t>TurtleBots</a:t>
+            </a:r>
+            <a:endParaRPr lang="en-US" sz="2400" dirty="0" smtClean="0">
+              <a:latin typeface="Times New Roman" panose="02020603050405020304" pitchFamily="18" charset="0"/>
+              <a:cs typeface="Times New Roman" panose="02020603050405020304" pitchFamily="18" charset="0"/>
+            </a:endParaRPr>
+          </a:p>
+          <a:p>
+            <a:r>
+              <a:rPr lang="en-US" sz="2400" dirty="0" smtClean="0">
+                <a:latin typeface="Times New Roman" panose="02020603050405020304" pitchFamily="18" charset="0"/>
+                <a:cs typeface="Times New Roman" panose="02020603050405020304" pitchFamily="18" charset="0"/>
+              </a:rPr>
+              <a:t>Fabricate additional hardware to accommodate hardware additions</a:t>
+            </a:r>
+          </a:p>
+          <a:p>
+            <a:r>
+              <a:rPr lang="en-US" sz="2400" dirty="0" smtClean="0">
+                <a:latin typeface="Times New Roman" panose="02020603050405020304" pitchFamily="18" charset="0"/>
+                <a:cs typeface="Times New Roman" panose="02020603050405020304" pitchFamily="18" charset="0"/>
+              </a:rPr>
+              <a:t>Implement path planning algorithms </a:t>
+            </a:r>
+          </a:p>
+          <a:p>
+            <a:r>
+              <a:rPr lang="en-US" sz="2400" dirty="0" smtClean="0">
+                <a:latin typeface="Times New Roman" panose="02020603050405020304" pitchFamily="18" charset="0"/>
+                <a:cs typeface="Times New Roman" panose="02020603050405020304" pitchFamily="18" charset="0"/>
+              </a:rPr>
+              <a:t>Integrate with aerial robot</a:t>
+            </a:r>
+            <a:endParaRPr lang="en-US" sz="2400" dirty="0">
+              <a:latin typeface="Times New Roman" panose="02020603050405020304" pitchFamily="18" charset="0"/>
+              <a:cs typeface="Times New Roman" panose="02020603050405020304" pitchFamily="18" charset="0"/>
+            </a:endParaRPr>
+          </a:p>
+        </p:txBody>
+      </p:sp>
+      <p:sp>
+        <p:nvSpPr>
+          <p:cNvPr id="4" name="Content Placeholder 2"/>
+          <p:cNvSpPr txBox="1">
+            <a:spLocks/>
+          </p:cNvSpPr>
+          <p:nvPr/>
+        </p:nvSpPr>
+        <p:spPr>
+          <a:xfrm>
+            <a:off x="296782" y="1598596"/>
+            <a:ext cx="4355432" cy="4525963"/>
+          </a:xfrm>
+          <a:prstGeom prst="rect">
+            <a:avLst/>
+          </a:prstGeom>
+        </p:spPr>
+        <p:txBody>
+          <a:bodyPr vert="horz" lIns="91440" tIns="45720" rIns="91440" bIns="45720" rtlCol="0">
+            <a:normAutofit/>
+          </a:bodyPr>
+          <a:lstStyle>
+            <a:lvl1pPr marL="342900" indent="-342900" algn="l" defTabSz="457200" rtl="0" eaLnBrk="1" latinLnBrk="0" hangingPunct="1">
+              <a:spcBef>
+                <a:spcPct val="20000"/>
+              </a:spcBef>
+              <a:buFont typeface="Arial"/>
+              <a:buChar char="•"/>
+              <a:defRPr sz="3200" kern="1200">
+                <a:solidFill>
+                  <a:schemeClr val="tx1"/>
+                </a:solidFill>
+                <a:latin typeface="+mn-lt"/>
+                <a:ea typeface="+mn-ea"/>
+                <a:cs typeface="+mn-cs"/>
+              </a:defRPr>
+            </a:lvl1pPr>
+            <a:lvl2pPr marL="742950" indent="-285750" algn="l" defTabSz="457200" rtl="0" eaLnBrk="1" latinLnBrk="0" hangingPunct="1">
+              <a:spcBef>
+                <a:spcPct val="20000"/>
+              </a:spcBef>
+              <a:buFont typeface="Arial"/>
+              <a:buChar char="–"/>
+              <a:defRPr sz="2800" kern="1200">
+                <a:solidFill>
+                  <a:schemeClr val="tx1"/>
+                </a:solidFill>
+                <a:latin typeface="+mn-lt"/>
+                <a:ea typeface="+mn-ea"/>
+                <a:cs typeface="+mn-cs"/>
+              </a:defRPr>
+            </a:lvl2pPr>
+            <a:lvl3pPr marL="1143000" indent="-228600" algn="l" defTabSz="457200" rtl="0" eaLnBrk="1" latinLnBrk="0" hangingPunct="1">
+              <a:spcBef>
+                <a:spcPct val="20000"/>
+              </a:spcBef>
+              <a:buFont typeface="Arial"/>
+              <a:buChar char="•"/>
+              <a:defRPr sz="2400" kern="1200">
+                <a:solidFill>
+                  <a:schemeClr val="tx1"/>
+                </a:solidFill>
+                <a:latin typeface="+mn-lt"/>
+                <a:ea typeface="+mn-ea"/>
+                <a:cs typeface="+mn-cs"/>
+              </a:defRPr>
+            </a:lvl3pPr>
+            <a:lvl4pPr marL="1600200" indent="-228600" algn="l" defTabSz="457200" rtl="0" eaLnBrk="1" latinLnBrk="0" hangingPunct="1">
+              <a:spcBef>
+                <a:spcPct val="20000"/>
+              </a:spcBef>
+              <a:buFont typeface="Arial"/>
+              <a:buChar char="–"/>
+              <a:defRPr sz="2000" kern="1200">
+                <a:solidFill>
+                  <a:schemeClr val="tx1"/>
+                </a:solidFill>
+                <a:latin typeface="+mn-lt"/>
+                <a:ea typeface="+mn-ea"/>
+                <a:cs typeface="+mn-cs"/>
+              </a:defRPr>
+            </a:lvl4pPr>
+            <a:lvl5pPr marL="2057400" indent="-228600" algn="l" defTabSz="457200" rtl="0" eaLnBrk="1" latinLnBrk="0" hangingPunct="1">
+              <a:spcBef>
+                <a:spcPct val="20000"/>
+              </a:spcBef>
+              <a:buFont typeface="Arial"/>
+              <a:buChar char="»"/>
+              <a:defRPr sz="2000" kern="1200">
+                <a:solidFill>
+                  <a:schemeClr val="tx1"/>
+                </a:solidFill>
+                <a:latin typeface="+mn-lt"/>
+                <a:ea typeface="+mn-ea"/>
+                <a:cs typeface="+mn-cs"/>
+              </a:defRPr>
+            </a:lvl5pPr>
+            <a:lvl6pPr marL="2514600" indent="-228600" algn="l" defTabSz="457200" rtl="0" eaLnBrk="1" latinLnBrk="0" hangingPunct="1">
+              <a:spcBef>
+                <a:spcPct val="20000"/>
+              </a:spcBef>
+              <a:buFont typeface="Arial"/>
+              <a:buChar char="•"/>
+              <a:defRPr sz="2000" kern="1200">
+                <a:solidFill>
+                  <a:schemeClr val="tx1"/>
+                </a:solidFill>
+                <a:latin typeface="+mn-lt"/>
+                <a:ea typeface="+mn-ea"/>
+                <a:cs typeface="+mn-cs"/>
+              </a:defRPr>
+            </a:lvl6pPr>
+            <a:lvl7pPr marL="2971800" indent="-228600" algn="l" defTabSz="457200" rtl="0" eaLnBrk="1" latinLnBrk="0" hangingPunct="1">
+              <a:spcBef>
+                <a:spcPct val="20000"/>
+              </a:spcBef>
+              <a:buFont typeface="Arial"/>
+              <a:buChar char="•"/>
+              <a:defRPr sz="2000" kern="1200">
+                <a:solidFill>
+                  <a:schemeClr val="tx1"/>
+                </a:solidFill>
+                <a:latin typeface="+mn-lt"/>
+                <a:ea typeface="+mn-ea"/>
+                <a:cs typeface="+mn-cs"/>
+              </a:defRPr>
+            </a:lvl7pPr>
+            <a:lvl8pPr marL="3429000" indent="-228600" algn="l" defTabSz="457200" rtl="0" eaLnBrk="1" latinLnBrk="0" hangingPunct="1">
+              <a:spcBef>
+                <a:spcPct val="20000"/>
+              </a:spcBef>
+              <a:buFont typeface="Arial"/>
+              <a:buChar char="•"/>
+              <a:defRPr sz="2000" kern="1200">
+                <a:solidFill>
+                  <a:schemeClr val="tx1"/>
+                </a:solidFill>
+                <a:latin typeface="+mn-lt"/>
+                <a:ea typeface="+mn-ea"/>
+                <a:cs typeface="+mn-cs"/>
+              </a:defRPr>
+            </a:lvl8pPr>
+            <a:lvl9pPr marL="3886200" indent="-228600" algn="l" defTabSz="457200" rtl="0" eaLnBrk="1" latinLnBrk="0" hangingPunct="1">
+              <a:spcBef>
+                <a:spcPct val="20000"/>
+              </a:spcBef>
+              <a:buFont typeface="Arial"/>
+              <a:buChar char="•"/>
+              <a:defRPr sz="2000" kern="1200">
+                <a:solidFill>
+                  <a:schemeClr val="tx1"/>
+                </a:solidFill>
+                <a:latin typeface="+mn-lt"/>
+                <a:ea typeface="+mn-ea"/>
+                <a:cs typeface="+mn-cs"/>
+              </a:defRPr>
+            </a:lvl9pPr>
+          </a:lstStyle>
+          <a:p>
+            <a:endParaRPr lang="en-US" dirty="0">
+              <a:latin typeface="Times New Roman" panose="02020603050405020304" pitchFamily="18" charset="0"/>
+              <a:cs typeface="Times New Roman" panose="02020603050405020304" pitchFamily="18" charset="0"/>
+            </a:endParaRPr>
+          </a:p>
+        </p:txBody>
+      </p:sp>
+      <p:grpSp>
+        <p:nvGrpSpPr>
+          <p:cNvPr id="5" name="Group 4"/>
+          <p:cNvGrpSpPr/>
+          <p:nvPr/>
+        </p:nvGrpSpPr>
+        <p:grpSpPr>
+          <a:xfrm>
+            <a:off x="0" y="1"/>
+            <a:ext cx="9144000" cy="844012"/>
+            <a:chOff x="0" y="1"/>
+            <a:chExt cx="9144000" cy="844012"/>
+          </a:xfrm>
+        </p:grpSpPr>
+        <p:cxnSp>
+          <p:nvCxnSpPr>
+            <p:cNvPr id="6" name="Straight Connector 5"/>
+            <p:cNvCxnSpPr/>
+            <p:nvPr/>
+          </p:nvCxnSpPr>
+          <p:spPr>
+            <a:xfrm>
+              <a:off x="0" y="844013"/>
+              <a:ext cx="9144000" cy="0"/>
+            </a:xfrm>
+            <a:prstGeom prst="line">
+              <a:avLst/>
+            </a:prstGeom>
+            <a:ln>
+              <a:solidFill>
+                <a:schemeClr val="tx1"/>
+              </a:solidFill>
+            </a:ln>
+            <a:effectLst/>
+          </p:spPr>
+          <p:style>
+            <a:lnRef idx="2">
+              <a:schemeClr val="accent1"/>
+            </a:lnRef>
+            <a:fillRef idx="0">
+              <a:schemeClr val="accent1"/>
+            </a:fillRef>
+            <a:effectRef idx="1">
+              <a:schemeClr val="accent1"/>
+            </a:effectRef>
+            <a:fontRef idx="minor">
+              <a:schemeClr val="tx1"/>
+            </a:fontRef>
+          </p:style>
+        </p:cxnSp>
+        <p:pic>
+          <p:nvPicPr>
+            <p:cNvPr id="7" name="Picture 6" descr="Screen Shot 2015-10-11 at 11.16.20 AM.png"/>
+            <p:cNvPicPr>
+              <a:picLocks noChangeAspect="1"/>
+            </p:cNvPicPr>
+            <p:nvPr/>
+          </p:nvPicPr>
+          <p:blipFill>
+            <a:blip r:embed="rId2">
+              <a:extLst>
+                <a:ext uri="{28A0092B-C50C-407E-A947-70E740481C1C}">
+                  <a14:useLocalDpi xmlns:a14="http://schemas.microsoft.com/office/drawing/2010/main" val="0"/>
+                </a:ext>
+              </a:extLst>
+            </a:blip>
+            <a:stretch>
+              <a:fillRect/>
+            </a:stretch>
+          </p:blipFill>
+          <p:spPr>
+            <a:xfrm>
+              <a:off x="0" y="1"/>
+              <a:ext cx="1151748" cy="844012"/>
+            </a:xfrm>
+            <a:prstGeom prst="rect">
+              <a:avLst/>
+            </a:prstGeom>
+          </p:spPr>
+        </p:pic>
+        <p:sp>
+          <p:nvSpPr>
+            <p:cNvPr id="8" name="Rectangle 7"/>
+            <p:cNvSpPr/>
+            <p:nvPr/>
+          </p:nvSpPr>
+          <p:spPr>
+            <a:xfrm>
+              <a:off x="1151748" y="2283"/>
+              <a:ext cx="7992252" cy="832104"/>
+            </a:xfrm>
+            <a:prstGeom prst="rect">
+              <a:avLst/>
+            </a:prstGeom>
+            <a:solidFill>
+              <a:schemeClr val="tx1"/>
+            </a:solidFill>
+            <a:ln>
+              <a:solidFill>
+                <a:schemeClr val="tx1"/>
+              </a:solidFill>
+            </a:ln>
+            <a:effectLst/>
+          </p:spPr>
+          <p:style>
+            <a:lnRef idx="1">
+              <a:schemeClr val="accent1"/>
+            </a:lnRef>
+            <a:fillRef idx="3">
+              <a:schemeClr val="accent1"/>
+            </a:fillRef>
+            <a:effectRef idx="2">
+              <a:schemeClr val="accent1"/>
+            </a:effectRef>
+            <a:fontRef idx="minor">
+              <a:schemeClr val="lt1"/>
+            </a:fontRef>
+          </p:style>
+          <p:txBody>
+            <a:bodyPr rtlCol="0" anchor="ctr"/>
+            <a:lstStyle/>
+            <a:p>
+              <a:pPr algn="ctr"/>
+              <a:endParaRPr lang="en-US">
+                <a:latin typeface="Times New Roman" panose="02020603050405020304" pitchFamily="18" charset="0"/>
+                <a:cs typeface="Times New Roman" panose="02020603050405020304" pitchFamily="18" charset="0"/>
+              </a:endParaRPr>
+            </a:p>
+          </p:txBody>
+        </p:sp>
+        <p:pic>
+          <p:nvPicPr>
+            <p:cNvPr id="9" name="Picture 8"/>
+            <p:cNvPicPr>
+              <a:picLocks noChangeAspect="1"/>
+            </p:cNvPicPr>
+            <p:nvPr/>
+          </p:nvPicPr>
+          <p:blipFill>
+            <a:blip r:embed="rId3"/>
+            <a:stretch>
+              <a:fillRect/>
+            </a:stretch>
+          </p:blipFill>
+          <p:spPr>
+            <a:xfrm>
+              <a:off x="8311013" y="2283"/>
+              <a:ext cx="832987" cy="832987"/>
+            </a:xfrm>
+            <a:prstGeom prst="rect">
+              <a:avLst/>
+            </a:prstGeom>
+          </p:spPr>
+        </p:pic>
+        <p:sp>
+          <p:nvSpPr>
+            <p:cNvPr id="10" name="TextBox 9"/>
+            <p:cNvSpPr txBox="1"/>
+            <p:nvPr/>
+          </p:nvSpPr>
+          <p:spPr>
+            <a:xfrm>
+              <a:off x="1202040" y="188621"/>
+              <a:ext cx="6983237" cy="461665"/>
+            </a:xfrm>
+            <a:prstGeom prst="rect">
+              <a:avLst/>
+            </a:prstGeom>
+            <a:noFill/>
+          </p:spPr>
+          <p:txBody>
+            <a:bodyPr wrap="square" rtlCol="0">
+              <a:spAutoFit/>
+            </a:bodyPr>
+            <a:lstStyle/>
+            <a:p>
+              <a:pPr algn="ctr"/>
+              <a:r>
+                <a:rPr lang="en-US" sz="2400" dirty="0" err="1" smtClean="0">
+                  <a:solidFill>
+                    <a:srgbClr val="FFFFFF"/>
+                  </a:solidFill>
+                  <a:latin typeface="Times New Roman" panose="02020603050405020304" pitchFamily="18" charset="0"/>
+                  <a:cs typeface="Times New Roman" panose="02020603050405020304" pitchFamily="18" charset="0"/>
+                </a:rPr>
+                <a:t>FlyNet</a:t>
+              </a:r>
+              <a:r>
+                <a:rPr lang="en-US" sz="2400" dirty="0" smtClean="0">
+                  <a:solidFill>
+                    <a:srgbClr val="FFFFFF"/>
+                  </a:solidFill>
+                  <a:latin typeface="Times New Roman" panose="02020603050405020304" pitchFamily="18" charset="0"/>
+                  <a:cs typeface="Times New Roman" panose="02020603050405020304" pitchFamily="18" charset="0"/>
+                </a:rPr>
+                <a:t>: Autonomous </a:t>
+              </a:r>
+              <a:r>
+                <a:rPr lang="en-US" sz="2400" dirty="0" err="1" smtClean="0">
+                  <a:solidFill>
+                    <a:srgbClr val="FFFFFF"/>
+                  </a:solidFill>
+                  <a:latin typeface="Times New Roman" panose="02020603050405020304" pitchFamily="18" charset="0"/>
+                  <a:cs typeface="Times New Roman" panose="02020603050405020304" pitchFamily="18" charset="0"/>
+                </a:rPr>
+                <a:t>Quadcopter</a:t>
+              </a:r>
+              <a:r>
+                <a:rPr lang="en-US" sz="2400" dirty="0" smtClean="0">
+                  <a:solidFill>
+                    <a:srgbClr val="FFFFFF"/>
+                  </a:solidFill>
+                  <a:latin typeface="Times New Roman" panose="02020603050405020304" pitchFamily="18" charset="0"/>
+                  <a:cs typeface="Times New Roman" panose="02020603050405020304" pitchFamily="18" charset="0"/>
+                </a:rPr>
+                <a:t> Search and Rescue</a:t>
+              </a:r>
+              <a:endParaRPr lang="en-US" sz="2400" dirty="0">
+                <a:solidFill>
+                  <a:srgbClr val="FFFFFF"/>
+                </a:solidFill>
+                <a:latin typeface="Times New Roman" panose="02020603050405020304" pitchFamily="18" charset="0"/>
+                <a:cs typeface="Times New Roman" panose="02020603050405020304" pitchFamily="18" charset="0"/>
+              </a:endParaRPr>
+            </a:p>
+          </p:txBody>
+        </p:sp>
+      </p:grpSp>
+    </p:spTree>
+    <p:extLst>
+      <p:ext uri="{BB962C8B-B14F-4D97-AF65-F5344CB8AC3E}">
+        <p14:creationId xmlns:p14="http://schemas.microsoft.com/office/powerpoint/2010/main" val="888064729"/>
       </p:ext>
     </p:extLst>
   </p:cSld>
